--- a/lecture_slides/Practice/Practice#4_SKT_Deep_Learning_Lecture.pptx
+++ b/lecture_slides/Practice/Practice#4_SKT_Deep_Learning_Lecture.pptx
@@ -5,24 +5,29 @@
     <p:sldMasterId id="2147483648" r:id="rId1"/>
   </p:sldMasterIdLst>
   <p:notesMasterIdLst>
-    <p:notesMasterId r:id="rId17"/>
+    <p:notesMasterId r:id="rId22"/>
   </p:notesMasterIdLst>
   <p:sldIdLst>
     <p:sldId id="274" r:id="rId2"/>
     <p:sldId id="257" r:id="rId3"/>
     <p:sldId id="259" r:id="rId4"/>
-    <p:sldId id="263" r:id="rId5"/>
+    <p:sldId id="278" r:id="rId5"/>
     <p:sldId id="269" r:id="rId6"/>
     <p:sldId id="270" r:id="rId7"/>
     <p:sldId id="271" r:id="rId8"/>
     <p:sldId id="272" r:id="rId9"/>
     <p:sldId id="265" r:id="rId10"/>
     <p:sldId id="273" r:id="rId11"/>
-    <p:sldId id="266" r:id="rId12"/>
-    <p:sldId id="267" r:id="rId13"/>
-    <p:sldId id="262" r:id="rId14"/>
-    <p:sldId id="260" r:id="rId15"/>
-    <p:sldId id="261" r:id="rId16"/>
+    <p:sldId id="276" r:id="rId12"/>
+    <p:sldId id="275" r:id="rId13"/>
+    <p:sldId id="277" r:id="rId14"/>
+    <p:sldId id="266" r:id="rId15"/>
+    <p:sldId id="262" r:id="rId16"/>
+    <p:sldId id="260" r:id="rId17"/>
+    <p:sldId id="279" r:id="rId18"/>
+    <p:sldId id="280" r:id="rId19"/>
+    <p:sldId id="282" r:id="rId20"/>
+    <p:sldId id="261" r:id="rId21"/>
   </p:sldIdLst>
   <p:sldSz cx="12192000" cy="6858000"/>
   <p:notesSz cx="6858000" cy="9144000"/>
@@ -214,7 +219,7 @@
           <a:p>
             <a:fld id="{09F4596B-9A7B-DC4F-81E8-A9F94D9D926E}" type="datetimeFigureOut">
               <a:rPr kumimoji="1" lang="ko-KR" altLang="en-US" smtClean="0"/>
-              <a:t>2017. 9. 16.</a:t>
+              <a:t>2017. 9. 17.</a:t>
             </a:fld>
             <a:endParaRPr kumimoji="1" lang="ko-KR" altLang="en-US"/>
           </a:p>
@@ -724,7 +729,7 @@
     </p:spTree>
     <p:extLst>
       <p:ext uri="{BB962C8B-B14F-4D97-AF65-F5344CB8AC3E}">
-        <p14:creationId xmlns:p14="http://schemas.microsoft.com/office/powerpoint/2010/main" val="2119922389"/>
+        <p14:creationId xmlns:p14="http://schemas.microsoft.com/office/powerpoint/2010/main" val="1853597193"/>
       </p:ext>
     </p:extLst>
   </p:cSld>
@@ -808,7 +813,7 @@
     </p:spTree>
     <p:extLst>
       <p:ext uri="{BB962C8B-B14F-4D97-AF65-F5344CB8AC3E}">
-        <p14:creationId xmlns:p14="http://schemas.microsoft.com/office/powerpoint/2010/main" val="180897267"/>
+        <p14:creationId xmlns:p14="http://schemas.microsoft.com/office/powerpoint/2010/main" val="731038415"/>
       </p:ext>
     </p:extLst>
   </p:cSld>
@@ -892,7 +897,7 @@
     </p:spTree>
     <p:extLst>
       <p:ext uri="{BB962C8B-B14F-4D97-AF65-F5344CB8AC3E}">
-        <p14:creationId xmlns:p14="http://schemas.microsoft.com/office/powerpoint/2010/main" val="979797266"/>
+        <p14:creationId xmlns:p14="http://schemas.microsoft.com/office/powerpoint/2010/main" val="1718091603"/>
       </p:ext>
     </p:extLst>
   </p:cSld>
@@ -976,7 +981,7 @@
     </p:spTree>
     <p:extLst>
       <p:ext uri="{BB962C8B-B14F-4D97-AF65-F5344CB8AC3E}">
-        <p14:creationId xmlns:p14="http://schemas.microsoft.com/office/powerpoint/2010/main" val="1507617842"/>
+        <p14:creationId xmlns:p14="http://schemas.microsoft.com/office/powerpoint/2010/main" val="2119922389"/>
       </p:ext>
     </p:extLst>
   </p:cSld>
@@ -1060,7 +1065,343 @@
     </p:spTree>
     <p:extLst>
       <p:ext uri="{BB962C8B-B14F-4D97-AF65-F5344CB8AC3E}">
-        <p14:creationId xmlns:p14="http://schemas.microsoft.com/office/powerpoint/2010/main" val="977010603"/>
+        <p14:creationId xmlns:p14="http://schemas.microsoft.com/office/powerpoint/2010/main" val="979797266"/>
+      </p:ext>
+    </p:extLst>
+  </p:cSld>
+  <p:clrMapOvr>
+    <a:masterClrMapping/>
+  </p:clrMapOvr>
+</p:notes>
+</file>
+
+<file path=ppt/notesSlides/notesSlide16.xml><?xml version="1.0" encoding="utf-8"?>
+<p:notes xmlns:a="http://schemas.openxmlformats.org/drawingml/2006/main" xmlns:r="http://schemas.openxmlformats.org/officeDocument/2006/relationships" xmlns:p="http://schemas.openxmlformats.org/presentationml/2006/main">
+  <p:cSld>
+    <p:spTree>
+      <p:nvGrpSpPr>
+        <p:cNvPr id="1" name=""/>
+        <p:cNvGrpSpPr/>
+        <p:nvPr/>
+      </p:nvGrpSpPr>
+      <p:grpSpPr>
+        <a:xfrm>
+          <a:off x="0" y="0"/>
+          <a:ext cx="0" cy="0"/>
+          <a:chOff x="0" y="0"/>
+          <a:chExt cx="0" cy="0"/>
+        </a:xfrm>
+      </p:grpSpPr>
+      <p:sp>
+        <p:nvSpPr>
+          <p:cNvPr id="2" name="슬라이드 이미지 개체 틀 1"/>
+          <p:cNvSpPr>
+            <a:spLocks noGrp="1" noRot="1" noChangeAspect="1"/>
+          </p:cNvSpPr>
+          <p:nvPr>
+            <p:ph type="sldImg"/>
+          </p:nvPr>
+        </p:nvSpPr>
+        <p:spPr/>
+      </p:sp>
+      <p:sp>
+        <p:nvSpPr>
+          <p:cNvPr id="3" name="슬라이드 노트 개체 틀 2"/>
+          <p:cNvSpPr>
+            <a:spLocks noGrp="1"/>
+          </p:cNvSpPr>
+          <p:nvPr>
+            <p:ph type="body" idx="1"/>
+          </p:nvPr>
+        </p:nvSpPr>
+        <p:spPr/>
+        <p:txBody>
+          <a:bodyPr/>
+          <a:lstStyle/>
+          <a:p>
+            <a:endParaRPr kumimoji="1" lang="ko-KR" altLang="en-US"/>
+          </a:p>
+        </p:txBody>
+      </p:sp>
+      <p:sp>
+        <p:nvSpPr>
+          <p:cNvPr id="4" name="슬라이드 번호 개체 틀 3"/>
+          <p:cNvSpPr>
+            <a:spLocks noGrp="1"/>
+          </p:cNvSpPr>
+          <p:nvPr>
+            <p:ph type="sldNum" sz="quarter" idx="10"/>
+          </p:nvPr>
+        </p:nvSpPr>
+        <p:spPr/>
+        <p:txBody>
+          <a:bodyPr/>
+          <a:lstStyle/>
+          <a:p>
+            <a:fld id="{F8D25F5A-3B71-6349-B450-6D179EA5AE89}" type="slidenum">
+              <a:rPr kumimoji="1" lang="ko-KR" altLang="en-US" smtClean="0"/>
+              <a:t>16</a:t>
+            </a:fld>
+            <a:endParaRPr kumimoji="1" lang="ko-KR" altLang="en-US"/>
+          </a:p>
+        </p:txBody>
+      </p:sp>
+    </p:spTree>
+    <p:extLst>
+      <p:ext uri="{BB962C8B-B14F-4D97-AF65-F5344CB8AC3E}">
+        <p14:creationId xmlns:p14="http://schemas.microsoft.com/office/powerpoint/2010/main" val="1507617842"/>
+      </p:ext>
+    </p:extLst>
+  </p:cSld>
+  <p:clrMapOvr>
+    <a:masterClrMapping/>
+  </p:clrMapOvr>
+</p:notes>
+</file>
+
+<file path=ppt/notesSlides/notesSlide17.xml><?xml version="1.0" encoding="utf-8"?>
+<p:notes xmlns:a="http://schemas.openxmlformats.org/drawingml/2006/main" xmlns:r="http://schemas.openxmlformats.org/officeDocument/2006/relationships" xmlns:p="http://schemas.openxmlformats.org/presentationml/2006/main">
+  <p:cSld>
+    <p:spTree>
+      <p:nvGrpSpPr>
+        <p:cNvPr id="1" name=""/>
+        <p:cNvGrpSpPr/>
+        <p:nvPr/>
+      </p:nvGrpSpPr>
+      <p:grpSpPr>
+        <a:xfrm>
+          <a:off x="0" y="0"/>
+          <a:ext cx="0" cy="0"/>
+          <a:chOff x="0" y="0"/>
+          <a:chExt cx="0" cy="0"/>
+        </a:xfrm>
+      </p:grpSpPr>
+      <p:sp>
+        <p:nvSpPr>
+          <p:cNvPr id="2" name="슬라이드 이미지 개체 틀 1"/>
+          <p:cNvSpPr>
+            <a:spLocks noGrp="1" noRot="1" noChangeAspect="1"/>
+          </p:cNvSpPr>
+          <p:nvPr>
+            <p:ph type="sldImg"/>
+          </p:nvPr>
+        </p:nvSpPr>
+        <p:spPr/>
+      </p:sp>
+      <p:sp>
+        <p:nvSpPr>
+          <p:cNvPr id="3" name="슬라이드 노트 개체 틀 2"/>
+          <p:cNvSpPr>
+            <a:spLocks noGrp="1"/>
+          </p:cNvSpPr>
+          <p:nvPr>
+            <p:ph type="body" idx="1"/>
+          </p:nvPr>
+        </p:nvSpPr>
+        <p:spPr/>
+        <p:txBody>
+          <a:bodyPr/>
+          <a:lstStyle/>
+          <a:p>
+            <a:endParaRPr kumimoji="1" lang="ko-KR" altLang="en-US"/>
+          </a:p>
+        </p:txBody>
+      </p:sp>
+      <p:sp>
+        <p:nvSpPr>
+          <p:cNvPr id="4" name="슬라이드 번호 개체 틀 3"/>
+          <p:cNvSpPr>
+            <a:spLocks noGrp="1"/>
+          </p:cNvSpPr>
+          <p:nvPr>
+            <p:ph type="sldNum" sz="quarter" idx="10"/>
+          </p:nvPr>
+        </p:nvSpPr>
+        <p:spPr/>
+        <p:txBody>
+          <a:bodyPr/>
+          <a:lstStyle/>
+          <a:p>
+            <a:fld id="{F8D25F5A-3B71-6349-B450-6D179EA5AE89}" type="slidenum">
+              <a:rPr kumimoji="1" lang="ko-KR" altLang="en-US" smtClean="0"/>
+              <a:t>17</a:t>
+            </a:fld>
+            <a:endParaRPr kumimoji="1" lang="ko-KR" altLang="en-US"/>
+          </a:p>
+        </p:txBody>
+      </p:sp>
+    </p:spTree>
+    <p:extLst>
+      <p:ext uri="{BB962C8B-B14F-4D97-AF65-F5344CB8AC3E}">
+        <p14:creationId xmlns:p14="http://schemas.microsoft.com/office/powerpoint/2010/main" val="1314704454"/>
+      </p:ext>
+    </p:extLst>
+  </p:cSld>
+  <p:clrMapOvr>
+    <a:masterClrMapping/>
+  </p:clrMapOvr>
+</p:notes>
+</file>
+
+<file path=ppt/notesSlides/notesSlide18.xml><?xml version="1.0" encoding="utf-8"?>
+<p:notes xmlns:a="http://schemas.openxmlformats.org/drawingml/2006/main" xmlns:r="http://schemas.openxmlformats.org/officeDocument/2006/relationships" xmlns:p="http://schemas.openxmlformats.org/presentationml/2006/main">
+  <p:cSld>
+    <p:spTree>
+      <p:nvGrpSpPr>
+        <p:cNvPr id="1" name=""/>
+        <p:cNvGrpSpPr/>
+        <p:nvPr/>
+      </p:nvGrpSpPr>
+      <p:grpSpPr>
+        <a:xfrm>
+          <a:off x="0" y="0"/>
+          <a:ext cx="0" cy="0"/>
+          <a:chOff x="0" y="0"/>
+          <a:chExt cx="0" cy="0"/>
+        </a:xfrm>
+      </p:grpSpPr>
+      <p:sp>
+        <p:nvSpPr>
+          <p:cNvPr id="2" name="슬라이드 이미지 개체 틀 1"/>
+          <p:cNvSpPr>
+            <a:spLocks noGrp="1" noRot="1" noChangeAspect="1"/>
+          </p:cNvSpPr>
+          <p:nvPr>
+            <p:ph type="sldImg"/>
+          </p:nvPr>
+        </p:nvSpPr>
+        <p:spPr/>
+      </p:sp>
+      <p:sp>
+        <p:nvSpPr>
+          <p:cNvPr id="3" name="슬라이드 노트 개체 틀 2"/>
+          <p:cNvSpPr>
+            <a:spLocks noGrp="1"/>
+          </p:cNvSpPr>
+          <p:nvPr>
+            <p:ph type="body" idx="1"/>
+          </p:nvPr>
+        </p:nvSpPr>
+        <p:spPr/>
+        <p:txBody>
+          <a:bodyPr/>
+          <a:lstStyle/>
+          <a:p>
+            <a:endParaRPr kumimoji="1" lang="ko-KR" altLang="en-US"/>
+          </a:p>
+        </p:txBody>
+      </p:sp>
+      <p:sp>
+        <p:nvSpPr>
+          <p:cNvPr id="4" name="슬라이드 번호 개체 틀 3"/>
+          <p:cNvSpPr>
+            <a:spLocks noGrp="1"/>
+          </p:cNvSpPr>
+          <p:nvPr>
+            <p:ph type="sldNum" sz="quarter" idx="10"/>
+          </p:nvPr>
+        </p:nvSpPr>
+        <p:spPr/>
+        <p:txBody>
+          <a:bodyPr/>
+          <a:lstStyle/>
+          <a:p>
+            <a:fld id="{F8D25F5A-3B71-6349-B450-6D179EA5AE89}" type="slidenum">
+              <a:rPr kumimoji="1" lang="ko-KR" altLang="en-US" smtClean="0"/>
+              <a:t>18</a:t>
+            </a:fld>
+            <a:endParaRPr kumimoji="1" lang="ko-KR" altLang="en-US"/>
+          </a:p>
+        </p:txBody>
+      </p:sp>
+    </p:spTree>
+    <p:extLst>
+      <p:ext uri="{BB962C8B-B14F-4D97-AF65-F5344CB8AC3E}">
+        <p14:creationId xmlns:p14="http://schemas.microsoft.com/office/powerpoint/2010/main" val="2021059241"/>
+      </p:ext>
+    </p:extLst>
+  </p:cSld>
+  <p:clrMapOvr>
+    <a:masterClrMapping/>
+  </p:clrMapOvr>
+</p:notes>
+</file>
+
+<file path=ppt/notesSlides/notesSlide19.xml><?xml version="1.0" encoding="utf-8"?>
+<p:notes xmlns:a="http://schemas.openxmlformats.org/drawingml/2006/main" xmlns:r="http://schemas.openxmlformats.org/officeDocument/2006/relationships" xmlns:p="http://schemas.openxmlformats.org/presentationml/2006/main">
+  <p:cSld>
+    <p:spTree>
+      <p:nvGrpSpPr>
+        <p:cNvPr id="1" name=""/>
+        <p:cNvGrpSpPr/>
+        <p:nvPr/>
+      </p:nvGrpSpPr>
+      <p:grpSpPr>
+        <a:xfrm>
+          <a:off x="0" y="0"/>
+          <a:ext cx="0" cy="0"/>
+          <a:chOff x="0" y="0"/>
+          <a:chExt cx="0" cy="0"/>
+        </a:xfrm>
+      </p:grpSpPr>
+      <p:sp>
+        <p:nvSpPr>
+          <p:cNvPr id="2" name="슬라이드 이미지 개체 틀 1"/>
+          <p:cNvSpPr>
+            <a:spLocks noGrp="1" noRot="1" noChangeAspect="1"/>
+          </p:cNvSpPr>
+          <p:nvPr>
+            <p:ph type="sldImg"/>
+          </p:nvPr>
+        </p:nvSpPr>
+        <p:spPr/>
+      </p:sp>
+      <p:sp>
+        <p:nvSpPr>
+          <p:cNvPr id="3" name="슬라이드 노트 개체 틀 2"/>
+          <p:cNvSpPr>
+            <a:spLocks noGrp="1"/>
+          </p:cNvSpPr>
+          <p:nvPr>
+            <p:ph type="body" idx="1"/>
+          </p:nvPr>
+        </p:nvSpPr>
+        <p:spPr/>
+        <p:txBody>
+          <a:bodyPr/>
+          <a:lstStyle/>
+          <a:p>
+            <a:endParaRPr kumimoji="1" lang="ko-KR" altLang="en-US"/>
+          </a:p>
+        </p:txBody>
+      </p:sp>
+      <p:sp>
+        <p:nvSpPr>
+          <p:cNvPr id="4" name="슬라이드 번호 개체 틀 3"/>
+          <p:cNvSpPr>
+            <a:spLocks noGrp="1"/>
+          </p:cNvSpPr>
+          <p:nvPr>
+            <p:ph type="sldNum" sz="quarter" idx="10"/>
+          </p:nvPr>
+        </p:nvSpPr>
+        <p:spPr/>
+        <p:txBody>
+          <a:bodyPr/>
+          <a:lstStyle/>
+          <a:p>
+            <a:fld id="{F8D25F5A-3B71-6349-B450-6D179EA5AE89}" type="slidenum">
+              <a:rPr kumimoji="1" lang="ko-KR" altLang="en-US" smtClean="0"/>
+              <a:t>19</a:t>
+            </a:fld>
+            <a:endParaRPr kumimoji="1" lang="ko-KR" altLang="en-US"/>
+          </a:p>
+        </p:txBody>
+      </p:sp>
+    </p:spTree>
+    <p:extLst>
+      <p:ext uri="{BB962C8B-B14F-4D97-AF65-F5344CB8AC3E}">
+        <p14:creationId xmlns:p14="http://schemas.microsoft.com/office/powerpoint/2010/main" val="774647847"/>
       </p:ext>
     </p:extLst>
   </p:cSld>
@@ -1145,6 +1486,90 @@
     <p:extLst>
       <p:ext uri="{BB962C8B-B14F-4D97-AF65-F5344CB8AC3E}">
         <p14:creationId xmlns:p14="http://schemas.microsoft.com/office/powerpoint/2010/main" val="989284040"/>
+      </p:ext>
+    </p:extLst>
+  </p:cSld>
+  <p:clrMapOvr>
+    <a:masterClrMapping/>
+  </p:clrMapOvr>
+</p:notes>
+</file>
+
+<file path=ppt/notesSlides/notesSlide20.xml><?xml version="1.0" encoding="utf-8"?>
+<p:notes xmlns:a="http://schemas.openxmlformats.org/drawingml/2006/main" xmlns:r="http://schemas.openxmlformats.org/officeDocument/2006/relationships" xmlns:p="http://schemas.openxmlformats.org/presentationml/2006/main">
+  <p:cSld>
+    <p:spTree>
+      <p:nvGrpSpPr>
+        <p:cNvPr id="1" name=""/>
+        <p:cNvGrpSpPr/>
+        <p:nvPr/>
+      </p:nvGrpSpPr>
+      <p:grpSpPr>
+        <a:xfrm>
+          <a:off x="0" y="0"/>
+          <a:ext cx="0" cy="0"/>
+          <a:chOff x="0" y="0"/>
+          <a:chExt cx="0" cy="0"/>
+        </a:xfrm>
+      </p:grpSpPr>
+      <p:sp>
+        <p:nvSpPr>
+          <p:cNvPr id="2" name="슬라이드 이미지 개체 틀 1"/>
+          <p:cNvSpPr>
+            <a:spLocks noGrp="1" noRot="1" noChangeAspect="1"/>
+          </p:cNvSpPr>
+          <p:nvPr>
+            <p:ph type="sldImg"/>
+          </p:nvPr>
+        </p:nvSpPr>
+        <p:spPr/>
+      </p:sp>
+      <p:sp>
+        <p:nvSpPr>
+          <p:cNvPr id="3" name="슬라이드 노트 개체 틀 2"/>
+          <p:cNvSpPr>
+            <a:spLocks noGrp="1"/>
+          </p:cNvSpPr>
+          <p:nvPr>
+            <p:ph type="body" idx="1"/>
+          </p:nvPr>
+        </p:nvSpPr>
+        <p:spPr/>
+        <p:txBody>
+          <a:bodyPr/>
+          <a:lstStyle/>
+          <a:p>
+            <a:endParaRPr kumimoji="1" lang="ko-KR" altLang="en-US"/>
+          </a:p>
+        </p:txBody>
+      </p:sp>
+      <p:sp>
+        <p:nvSpPr>
+          <p:cNvPr id="4" name="슬라이드 번호 개체 틀 3"/>
+          <p:cNvSpPr>
+            <a:spLocks noGrp="1"/>
+          </p:cNvSpPr>
+          <p:nvPr>
+            <p:ph type="sldNum" sz="quarter" idx="10"/>
+          </p:nvPr>
+        </p:nvSpPr>
+        <p:spPr/>
+        <p:txBody>
+          <a:bodyPr/>
+          <a:lstStyle/>
+          <a:p>
+            <a:fld id="{F8D25F5A-3B71-6349-B450-6D179EA5AE89}" type="slidenum">
+              <a:rPr kumimoji="1" lang="ko-KR" altLang="en-US" smtClean="0"/>
+              <a:t>20</a:t>
+            </a:fld>
+            <a:endParaRPr kumimoji="1" lang="ko-KR" altLang="en-US"/>
+          </a:p>
+        </p:txBody>
+      </p:sp>
+    </p:spTree>
+    <p:extLst>
+      <p:ext uri="{BB962C8B-B14F-4D97-AF65-F5344CB8AC3E}">
+        <p14:creationId xmlns:p14="http://schemas.microsoft.com/office/powerpoint/2010/main" val="977010603"/>
       </p:ext>
     </p:extLst>
   </p:cSld>
@@ -1312,7 +1737,7 @@
     </p:spTree>
     <p:extLst>
       <p:ext uri="{BB962C8B-B14F-4D97-AF65-F5344CB8AC3E}">
-        <p14:creationId xmlns:p14="http://schemas.microsoft.com/office/powerpoint/2010/main" val="463120016"/>
+        <p14:creationId xmlns:p14="http://schemas.microsoft.com/office/powerpoint/2010/main" val="263875954"/>
       </p:ext>
     </p:extLst>
   </p:cSld>
@@ -1776,7 +2201,7 @@
           <a:p>
             <a:fld id="{66F1804E-3A7B-CB4E-A07E-DA9E522294ED}" type="datetime1">
               <a:rPr kumimoji="1" lang="ko-KR" altLang="en-US" smtClean="0"/>
-              <a:t>2017. 9. 16.</a:t>
+              <a:t>2017. 9. 17.</a:t>
             </a:fld>
             <a:endParaRPr kumimoji="1" lang="ko-KR" altLang="en-US"/>
           </a:p>
@@ -1986,7 +2411,7 @@
           <a:p>
             <a:fld id="{45E2D529-5BC2-CA4B-8EDA-2F62141EB15F}" type="datetime1">
               <a:rPr kumimoji="1" lang="ko-KR" altLang="en-US" smtClean="0"/>
-              <a:t>2017. 9. 16.</a:t>
+              <a:t>2017. 9. 17.</a:t>
             </a:fld>
             <a:endParaRPr kumimoji="1" lang="ko-KR" altLang="en-US"/>
           </a:p>
@@ -2170,7 +2595,7 @@
           <a:p>
             <a:fld id="{084B4D01-7904-7F46-9EAF-A99AD9563ABF}" type="datetime1">
               <a:rPr kumimoji="1" lang="ko-KR" altLang="en-US" smtClean="0"/>
-              <a:t>2017. 9. 16.</a:t>
+              <a:t>2017. 9. 17.</a:t>
             </a:fld>
             <a:endParaRPr kumimoji="1" lang="ko-KR" altLang="en-US"/>
           </a:p>
@@ -2344,7 +2769,7 @@
           <a:p>
             <a:fld id="{E86B1254-D30F-E443-B058-677F77DBB29C}" type="datetime1">
               <a:rPr kumimoji="1" lang="ko-KR" altLang="en-US" smtClean="0"/>
-              <a:t>2017. 9. 16.</a:t>
+              <a:t>2017. 9. 17.</a:t>
             </a:fld>
             <a:endParaRPr kumimoji="1" lang="ko-KR" altLang="en-US"/>
           </a:p>
@@ -2594,7 +3019,7 @@
           <a:p>
             <a:fld id="{3412AD51-8BEA-4049-AA0C-7229ED7C6484}" type="datetime1">
               <a:rPr kumimoji="1" lang="ko-KR" altLang="en-US" smtClean="0"/>
-              <a:t>2017. 9. 16.</a:t>
+              <a:t>2017. 9. 17.</a:t>
             </a:fld>
             <a:endParaRPr kumimoji="1" lang="ko-KR" altLang="en-US"/>
           </a:p>
@@ -2830,7 +3255,7 @@
           <a:p>
             <a:fld id="{2889960D-4C3D-6A44-A753-3BC358D4232E}" type="datetime1">
               <a:rPr kumimoji="1" lang="ko-KR" altLang="en-US" smtClean="0"/>
-              <a:t>2017. 9. 16.</a:t>
+              <a:t>2017. 9. 17.</a:t>
             </a:fld>
             <a:endParaRPr kumimoji="1" lang="ko-KR" altLang="en-US"/>
           </a:p>
@@ -3201,7 +3626,7 @@
           <a:p>
             <a:fld id="{09EC5941-7B3B-6946-B286-09FC43BFD012}" type="datetime1">
               <a:rPr kumimoji="1" lang="ko-KR" altLang="en-US" smtClean="0"/>
-              <a:t>2017. 9. 16.</a:t>
+              <a:t>2017. 9. 17.</a:t>
             </a:fld>
             <a:endParaRPr kumimoji="1" lang="ko-KR" altLang="en-US"/>
           </a:p>
@@ -3323,7 +3748,7 @@
           <a:p>
             <a:fld id="{2FB9C05E-B13E-8744-86BE-90F73818B2DC}" type="datetime1">
               <a:rPr kumimoji="1" lang="ko-KR" altLang="en-US" smtClean="0"/>
-              <a:t>2017. 9. 16.</a:t>
+              <a:t>2017. 9. 17.</a:t>
             </a:fld>
             <a:endParaRPr kumimoji="1" lang="ko-KR" altLang="en-US"/>
           </a:p>
@@ -3422,7 +3847,7 @@
           <a:p>
             <a:fld id="{A1FFE762-09EA-D042-B4FE-44AC12DC16EF}" type="datetime1">
               <a:rPr kumimoji="1" lang="ko-KR" altLang="en-US" smtClean="0"/>
-              <a:t>2017. 9. 16.</a:t>
+              <a:t>2017. 9. 17.</a:t>
             </a:fld>
             <a:endParaRPr kumimoji="1" lang="ko-KR" altLang="en-US"/>
           </a:p>
@@ -3703,7 +4128,7 @@
           <a:p>
             <a:fld id="{421B593D-E2AA-4546-A68E-611AFFA83616}" type="datetime1">
               <a:rPr kumimoji="1" lang="ko-KR" altLang="en-US" smtClean="0"/>
-              <a:t>2017. 9. 16.</a:t>
+              <a:t>2017. 9. 17.</a:t>
             </a:fld>
             <a:endParaRPr kumimoji="1" lang="ko-KR" altLang="en-US"/>
           </a:p>
@@ -3960,7 +4385,7 @@
           <a:p>
             <a:fld id="{2B9D0F93-1FE6-C74E-96BA-9B581C77F872}" type="datetime1">
               <a:rPr kumimoji="1" lang="ko-KR" altLang="en-US" smtClean="0"/>
-              <a:t>2017. 9. 16.</a:t>
+              <a:t>2017. 9. 17.</a:t>
             </a:fld>
             <a:endParaRPr kumimoji="1" lang="ko-KR" altLang="en-US"/>
           </a:p>
@@ -4177,7 +4602,7 @@
           <a:p>
             <a:fld id="{1AF303CB-A68E-B040-8B4C-1351696851A1}" type="datetime1">
               <a:rPr kumimoji="1" lang="ko-KR" altLang="en-US" smtClean="0"/>
-              <a:t>2017. 9. 16.</a:t>
+              <a:t>2017. 9. 17.</a:t>
             </a:fld>
             <a:endParaRPr kumimoji="1" lang="ko-KR" altLang="en-US"/>
           </a:p>
@@ -4620,23 +5045,7 @@
                   <a:srgbClr val="1E3DB4"/>
                 </a:solidFill>
               </a:rPr>
-              <a:t>Practice </a:t>
-            </a:r>
-            <a:r>
-              <a:rPr kumimoji="1" lang="en-US" altLang="ko-KR" sz="3600" b="1" dirty="0" smtClean="0">
-                <a:solidFill>
-                  <a:srgbClr val="1E3DB4"/>
-                </a:solidFill>
-              </a:rPr>
-              <a:t>#4: Transfer Learning</a:t>
-            </a:r>
-            <a:r>
-              <a:rPr kumimoji="1" lang="en-US" altLang="ko-KR" sz="3600" b="1" dirty="0" smtClean="0">
-                <a:solidFill>
-                  <a:srgbClr val="1E3DB4"/>
-                </a:solidFill>
-              </a:rPr>
-              <a:t/>
+              <a:t>Practice #4: Transfer Learning</a:t>
             </a:r>
             <a:br>
               <a:rPr kumimoji="1" lang="en-US" altLang="ko-KR" sz="3600" b="1" dirty="0" smtClean="0">
@@ -4946,19 +5355,7 @@
             </a:pPr>
             <a:r>
               <a:rPr kumimoji="1" lang="en-US" altLang="ko-KR" sz="1800" dirty="0" smtClean="0"/>
-              <a:t>September </a:t>
-            </a:r>
-            <a:r>
-              <a:rPr kumimoji="1" lang="en-US" altLang="ko-KR" sz="1800" dirty="0" smtClean="0"/>
-              <a:t>20</a:t>
-            </a:r>
-            <a:r>
-              <a:rPr kumimoji="1" lang="en-US" altLang="ko-KR" sz="1800" dirty="0" smtClean="0"/>
-              <a:t>, </a:t>
-            </a:r>
-            <a:r>
-              <a:rPr kumimoji="1" lang="en-US" altLang="ko-KR" sz="1800" dirty="0" smtClean="0"/>
-              <a:t>2017</a:t>
+              <a:t>September 20, 2017</a:t>
             </a:r>
           </a:p>
           <a:p>
@@ -5246,116 +5643,6 @@
           </a:p>
         </p:txBody>
       </p:sp>
-      <p:sp>
-        <p:nvSpPr>
-          <p:cNvPr id="3" name="내용 개체 틀 2"/>
-          <p:cNvSpPr>
-            <a:spLocks noGrp="1"/>
-          </p:cNvSpPr>
-          <p:nvPr>
-            <p:ph idx="1"/>
-          </p:nvPr>
-        </p:nvSpPr>
-        <p:spPr>
-          <a:xfrm>
-            <a:off x="6786266" y="960168"/>
-            <a:ext cx="5100934" cy="5251561"/>
-          </a:xfrm>
-        </p:spPr>
-        <p:txBody>
-          <a:bodyPr>
-            <a:normAutofit/>
-          </a:bodyPr>
-          <a:lstStyle/>
-          <a:p>
-            <a:r>
-              <a:rPr kumimoji="1" lang="en-US" altLang="ko-KR" sz="1800" dirty="0" smtClean="0"/>
-              <a:t>2.1</a:t>
-            </a:r>
-            <a:r>
-              <a:rPr kumimoji="1" lang="en-US" altLang="ko-KR" sz="1800" dirty="0"/>
-              <a:t> </a:t>
-            </a:r>
-            <a:r>
-              <a:rPr lang="pl-PL" altLang="ko-KR" sz="1800" dirty="0" err="1" smtClean="0"/>
-              <a:t>Copy</a:t>
-            </a:r>
-            <a:r>
-              <a:rPr lang="pl-PL" altLang="ko-KR" sz="1800" dirty="0"/>
-              <a:t> </a:t>
-            </a:r>
-            <a:r>
-              <a:rPr lang="pl-PL" altLang="ko-KR" sz="1800" dirty="0" err="1"/>
-              <a:t>parameter</a:t>
-            </a:r>
-            <a:r>
-              <a:rPr lang="pl-PL" altLang="ko-KR" sz="1800" dirty="0"/>
-              <a:t> from </a:t>
-            </a:r>
-            <a:r>
-              <a:rPr lang="pl-PL" altLang="ko-KR" sz="1800" dirty="0" smtClean="0"/>
-              <a:t/>
-            </a:r>
-            <a:br>
-              <a:rPr lang="pl-PL" altLang="ko-KR" sz="1800" dirty="0" smtClean="0"/>
-            </a:br>
-            <a:r>
-              <a:rPr lang="pl-PL" altLang="ko-KR" sz="1800" dirty="0" smtClean="0"/>
-              <a:t>'./</a:t>
-            </a:r>
-            <a:r>
-              <a:rPr lang="pl-PL" altLang="ko-KR" sz="1800" dirty="0"/>
-              <a:t>data/</a:t>
-            </a:r>
-            <a:r>
-              <a:rPr lang="pl-PL" altLang="ko-KR" sz="1800" dirty="0" err="1"/>
-              <a:t>models</a:t>
-            </a:r>
-            <a:r>
-              <a:rPr lang="pl-PL" altLang="ko-KR" sz="1800" dirty="0"/>
-              <a:t>/resnet18-5c106cde.pth' </a:t>
-            </a:r>
-            <a:r>
-              <a:rPr lang="pl-PL" altLang="ko-KR" sz="1800" dirty="0" smtClean="0"/>
-              <a:t/>
-            </a:r>
-            <a:br>
-              <a:rPr lang="pl-PL" altLang="ko-KR" sz="1800" dirty="0" smtClean="0"/>
-            </a:br>
-            <a:r>
-              <a:rPr lang="pl-PL" altLang="ko-KR" sz="1800" dirty="0" smtClean="0"/>
-              <a:t>to </a:t>
-            </a:r>
-            <a:r>
-              <a:rPr lang="pl-PL" altLang="ko-KR" sz="1800" dirty="0" err="1" smtClean="0"/>
-              <a:t>model_ft</a:t>
-            </a:r>
-            <a:endParaRPr lang="pl-PL" altLang="ko-KR" sz="1800" dirty="0" smtClean="0"/>
-          </a:p>
-          <a:p>
-            <a:endParaRPr lang="pl-PL" altLang="ko-KR" sz="1800" dirty="0"/>
-          </a:p>
-          <a:p>
-            <a:r>
-              <a:rPr lang="pl-PL" altLang="ko-KR" sz="1800" dirty="0" smtClean="0"/>
-              <a:t>2.2 </a:t>
-            </a:r>
-            <a:r>
-              <a:rPr lang="pl-PL" altLang="ko-KR" sz="1800" dirty="0" err="1" smtClean="0"/>
-              <a:t>Define</a:t>
-            </a:r>
-            <a:r>
-              <a:rPr lang="pl-PL" altLang="ko-KR" sz="1800" dirty="0" smtClean="0"/>
-              <a:t> SGD </a:t>
-            </a:r>
-            <a:r>
-              <a:rPr lang="pl-PL" altLang="ko-KR" sz="1800" dirty="0" err="1" smtClean="0"/>
-              <a:t>Optimizer</a:t>
-            </a:r>
-            <a:endParaRPr lang="pl-PL" altLang="ko-KR" sz="1800" dirty="0"/>
-          </a:p>
-        </p:txBody>
-      </p:sp>
       <p:cxnSp>
         <p:nvCxnSpPr>
           <p:cNvPr id="5" name="직선 연결선[R] 4"/>
@@ -5470,11 +5757,17 @@
               <p:cNvGraphicFramePr>
                 <a:graphicFrameLocks noGrp="1"/>
               </p:cNvGraphicFramePr>
-              <p:nvPr/>
+              <p:nvPr>
+                <p:extLst>
+                  <p:ext uri="{D42A27DB-BD31-4B8C-83A1-F6EECF244321}">
+                    <p14:modId xmlns:p14="http://schemas.microsoft.com/office/powerpoint/2010/main" val="409976307"/>
+                  </p:ext>
+                </p:extLst>
+              </p:nvPr>
             </p:nvGraphicFramePr>
             <p:xfrm>
               <a:off x="395416" y="1029878"/>
-              <a:ext cx="6176072" cy="5027136"/>
+              <a:ext cx="11491784" cy="5027136"/>
             </p:xfrm>
             <a:graphic>
               <a:graphicData uri="http://schemas.microsoft.com/office/webextensions/webextension/2010/11">
@@ -5501,7 +5794,7 @@
             <p:spPr>
               <a:xfrm>
                 <a:off x="395416" y="1029878"/>
-                <a:ext cx="6176072" cy="5027136"/>
+                <a:ext cx="11491784" cy="5027136"/>
               </a:xfrm>
               <a:prstGeom prst="rect">
                 <a:avLst/>
@@ -5520,6 +5813,13 @@
   <p:clrMapOvr>
     <a:masterClrMapping/>
   </p:clrMapOvr>
+  <p:timing>
+    <p:tnLst>
+      <p:par>
+        <p:cTn id="1" dur="indefinite" restart="never" nodeType="tmRoot"/>
+      </p:par>
+    </p:tnLst>
+  </p:timing>
 </p:sld>
 </file>
 
@@ -5568,57 +5868,9 @@
                   <a:srgbClr val="1E3DB4"/>
                 </a:solidFill>
               </a:rPr>
-              <a:t>Finetuning</a:t>
-            </a:r>
-            <a:r>
-              <a:rPr kumimoji="1" lang="en-US" altLang="ko-KR" sz="3600" b="1" dirty="0" smtClean="0">
-                <a:solidFill>
-                  <a:srgbClr val="1E3DB4"/>
-                </a:solidFill>
-              </a:rPr>
-              <a:t> &amp; evaluation</a:t>
+              <a:t>Train_model</a:t>
             </a:r>
             <a:endParaRPr kumimoji="1" lang="ko-KR" altLang="en-US" sz="3600" dirty="0"/>
-          </a:p>
-        </p:txBody>
-      </p:sp>
-      <p:sp>
-        <p:nvSpPr>
-          <p:cNvPr id="3" name="내용 개체 틀 2"/>
-          <p:cNvSpPr>
-            <a:spLocks noGrp="1"/>
-          </p:cNvSpPr>
-          <p:nvPr>
-            <p:ph idx="1"/>
-          </p:nvPr>
-        </p:nvSpPr>
-        <p:spPr>
-          <a:xfrm>
-            <a:off x="395416" y="1085303"/>
-            <a:ext cx="11491784" cy="5251561"/>
-          </a:xfrm>
-        </p:spPr>
-        <p:txBody>
-          <a:bodyPr/>
-          <a:lstStyle/>
-          <a:p>
-            <a:pPr latinLnBrk="0">
-              <a:lnSpc>
-                <a:spcPct val="200000"/>
-              </a:lnSpc>
-              <a:spcBef>
-                <a:spcPts val="0"/>
-              </a:spcBef>
-            </a:pPr>
-            <a:r>
-              <a:rPr kumimoji="1" lang="en-US" altLang="ko-KR" dirty="0" smtClean="0"/>
-              <a:t>18 layer </a:t>
-            </a:r>
-            <a:r>
-              <a:rPr kumimoji="1" lang="en-US" altLang="ko-KR" dirty="0" err="1" smtClean="0"/>
-              <a:t>ResNet</a:t>
-            </a:r>
-            <a:endParaRPr kumimoji="1" lang="ko-KR" altLang="en-US" dirty="0"/>
           </a:p>
         </p:txBody>
       </p:sp>
@@ -5728,16 +5980,77 @@
           </a:p>
         </p:txBody>
       </p:sp>
+      <mc:AlternateContent xmlns:mc="http://schemas.openxmlformats.org/markup-compatibility/2006">
+        <mc:Choice xmlns:we="http://schemas.microsoft.com/office/webextensions/webextension/2010/11" xmlns:pca="http://schemas.microsoft.com/office/powerpoint/2013/contentapp" Requires="we pca">
+          <p:graphicFrame>
+            <p:nvGraphicFramePr>
+              <p:cNvPr id="4" name="추가 기능 3" title="Code Presenter Pro"/>
+              <p:cNvGraphicFramePr>
+                <a:graphicFrameLocks noGrp="1"/>
+              </p:cNvGraphicFramePr>
+              <p:nvPr>
+                <p:extLst>
+                  <p:ext uri="{D42A27DB-BD31-4B8C-83A1-F6EECF244321}">
+                    <p14:modId xmlns:p14="http://schemas.microsoft.com/office/powerpoint/2010/main" val="878868853"/>
+                  </p:ext>
+                </p:extLst>
+              </p:nvPr>
+            </p:nvGraphicFramePr>
+            <p:xfrm>
+              <a:off x="395416" y="1029878"/>
+              <a:ext cx="11491784" cy="5027136"/>
+            </p:xfrm>
+            <a:graphic>
+              <a:graphicData uri="http://schemas.microsoft.com/office/webextensions/webextension/2010/11">
+                <we:webextensionref xmlns:we="http://schemas.microsoft.com/office/webextensions/webextension/2010/11" xmlns:r="http://schemas.openxmlformats.org/officeDocument/2006/relationships" r:id="rId4"/>
+              </a:graphicData>
+            </a:graphic>
+          </p:graphicFrame>
+        </mc:Choice>
+        <mc:Fallback>
+          <p:pic>
+            <p:nvPicPr>
+              <p:cNvPr id="4" name="추가 기능 3" title="Code Presenter Pro"/>
+              <p:cNvPicPr>
+                <a:picLocks noGrp="1" noRot="1" noChangeAspect="1" noMove="1" noResize="1" noEditPoints="1" noAdjustHandles="1" noChangeArrowheads="1" noChangeShapeType="1"/>
+              </p:cNvPicPr>
+              <p:nvPr/>
+            </p:nvPicPr>
+            <p:blipFill>
+              <a:blip r:embed="rId5"/>
+              <a:stretch>
+                <a:fillRect/>
+              </a:stretch>
+            </p:blipFill>
+            <p:spPr>
+              <a:xfrm>
+                <a:off x="395416" y="1029878"/>
+                <a:ext cx="11491784" cy="5027136"/>
+              </a:xfrm>
+              <a:prstGeom prst="rect">
+                <a:avLst/>
+              </a:prstGeom>
+            </p:spPr>
+          </p:pic>
+        </mc:Fallback>
+      </mc:AlternateContent>
     </p:spTree>
     <p:extLst>
       <p:ext uri="{BB962C8B-B14F-4D97-AF65-F5344CB8AC3E}">
-        <p14:creationId xmlns:p14="http://schemas.microsoft.com/office/powerpoint/2010/main" val="1122102328"/>
+        <p14:creationId xmlns:p14="http://schemas.microsoft.com/office/powerpoint/2010/main" val="675391484"/>
       </p:ext>
     </p:extLst>
   </p:cSld>
   <p:clrMapOvr>
     <a:masterClrMapping/>
   </p:clrMapOvr>
+  <p:timing>
+    <p:tnLst>
+      <p:par>
+        <p:cTn id="1" dur="indefinite" restart="never" nodeType="tmRoot"/>
+      </p:par>
+    </p:tnLst>
+  </p:timing>
 </p:sld>
 </file>
 
@@ -5786,7 +6099,15 @@
                   <a:srgbClr val="1E3DB4"/>
                 </a:solidFill>
               </a:rPr>
-              <a:t>Pre-trained Model</a:t>
+              <a:t>Task </a:t>
+            </a:r>
+            <a:r>
+              <a:rPr kumimoji="1" lang="en-US" altLang="ko-KR" sz="3600" b="1" dirty="0" smtClean="0">
+                <a:solidFill>
+                  <a:srgbClr val="1E3DB4"/>
+                </a:solidFill>
+              </a:rPr>
+              <a:t>#3</a:t>
             </a:r>
             <a:endParaRPr kumimoji="1" lang="ko-KR" altLang="en-US" sz="3600" dirty="0"/>
           </a:p>
@@ -5804,31 +6125,113 @@
         </p:nvSpPr>
         <p:spPr>
           <a:xfrm>
-            <a:off x="395416" y="1085303"/>
-            <a:ext cx="11491784" cy="5251561"/>
+            <a:off x="6571488" y="2320120"/>
+            <a:ext cx="5554639" cy="3002722"/>
           </a:xfrm>
         </p:spPr>
         <p:txBody>
-          <a:bodyPr/>
-          <a:lstStyle/>
-          <a:p>
-            <a:pPr latinLnBrk="0">
-              <a:lnSpc>
-                <a:spcPct val="200000"/>
-              </a:lnSpc>
-              <a:spcBef>
-                <a:spcPts val="0"/>
-              </a:spcBef>
-            </a:pPr>
-            <a:r>
-              <a:rPr kumimoji="1" lang="en-US" altLang="ko-KR" dirty="0" smtClean="0"/>
-              <a:t>18 layer </a:t>
-            </a:r>
-            <a:r>
-              <a:rPr kumimoji="1" lang="en-US" altLang="ko-KR" smtClean="0"/>
-              <a:t>ResNet</a:t>
-            </a:r>
-            <a:endParaRPr kumimoji="1" lang="ko-KR" altLang="en-US" dirty="0"/>
+          <a:bodyPr>
+            <a:noAutofit/>
+          </a:bodyPr>
+          <a:lstStyle/>
+          <a:p>
+            <a:r>
+              <a:rPr kumimoji="1" lang="en-US" altLang="ko-KR" sz="2400" dirty="0" smtClean="0"/>
+              <a:t>Task 3</a:t>
+            </a:r>
+            <a:r>
+              <a:rPr kumimoji="1" lang="en-US" altLang="ko-KR" sz="2400" dirty="0" smtClean="0"/>
+              <a:t>.1 </a:t>
+            </a:r>
+            <a:br>
+              <a:rPr kumimoji="1" lang="en-US" altLang="ko-KR" sz="2400" dirty="0" smtClean="0"/>
+            </a:br>
+            <a:r>
+              <a:rPr lang="pl-PL" altLang="ko-KR" sz="2400" dirty="0" smtClean="0"/>
+              <a:t>Read </a:t>
+            </a:r>
+            <a:r>
+              <a:rPr lang="pl-PL" altLang="ko-KR" sz="2400" i="1" dirty="0" err="1" smtClean="0"/>
+              <a:t>train_model</a:t>
+            </a:r>
+            <a:r>
+              <a:rPr lang="pl-PL" altLang="ko-KR" sz="2400" i="1" dirty="0" smtClean="0"/>
+              <a:t>() </a:t>
+            </a:r>
+            <a:r>
+              <a:rPr lang="pl-PL" altLang="ko-KR" sz="2400" dirty="0" smtClean="0"/>
+              <a:t>and </a:t>
+            </a:r>
+            <a:r>
+              <a:rPr lang="pl-PL" altLang="ko-KR" sz="2400" i="1" dirty="0" err="1" smtClean="0"/>
+              <a:t>exp_lr_scheduler</a:t>
+            </a:r>
+            <a:r>
+              <a:rPr lang="pl-PL" altLang="ko-KR" sz="2400" i="1" dirty="0" smtClean="0"/>
+              <a:t>() </a:t>
+            </a:r>
+            <a:r>
+              <a:rPr lang="pl-PL" altLang="ko-KR" sz="2400" dirty="0" smtClean="0"/>
+              <a:t>in </a:t>
+            </a:r>
+            <a:r>
+              <a:rPr lang="pl-PL" altLang="ko-KR" sz="2400" dirty="0" err="1" smtClean="0"/>
+              <a:t>functions.py</a:t>
+            </a:r>
+            <a:endParaRPr lang="pl-PL" altLang="ko-KR" sz="2400" dirty="0" smtClean="0"/>
+          </a:p>
+          <a:p>
+            <a:endParaRPr lang="pl-PL" altLang="ko-KR" sz="2400" dirty="0"/>
+          </a:p>
+          <a:p>
+            <a:r>
+              <a:rPr lang="pl-PL" altLang="ko-KR" sz="2400" dirty="0" err="1" smtClean="0"/>
+              <a:t>Task</a:t>
+            </a:r>
+            <a:r>
+              <a:rPr lang="pl-PL" altLang="ko-KR" sz="2400" dirty="0" smtClean="0"/>
+              <a:t> 3</a:t>
+            </a:r>
+            <a:r>
+              <a:rPr lang="pl-PL" altLang="ko-KR" sz="2400" dirty="0" smtClean="0"/>
+              <a:t>.2</a:t>
+            </a:r>
+            <a:br>
+              <a:rPr lang="pl-PL" altLang="ko-KR" sz="2400" dirty="0" smtClean="0"/>
+            </a:br>
+            <a:r>
+              <a:rPr lang="pl-PL" altLang="ko-KR" sz="2400" dirty="0" smtClean="0"/>
+              <a:t>Write </a:t>
+            </a:r>
+            <a:r>
+              <a:rPr lang="pl-PL" altLang="ko-KR" sz="2400" dirty="0" err="1" smtClean="0"/>
+              <a:t>Code</a:t>
+            </a:r>
+            <a:r>
+              <a:rPr lang="pl-PL" altLang="ko-KR" sz="2400" dirty="0" smtClean="0"/>
+              <a:t> to </a:t>
+            </a:r>
+            <a:r>
+              <a:rPr lang="pl-PL" altLang="ko-KR" sz="2400" dirty="0" err="1" smtClean="0"/>
+              <a:t>train</a:t>
+            </a:r>
+            <a:r>
+              <a:rPr lang="pl-PL" altLang="ko-KR" sz="2400" dirty="0" smtClean="0"/>
+              <a:t> </a:t>
+            </a:r>
+            <a:r>
+              <a:rPr lang="pl-PL" altLang="ko-KR" sz="2400" dirty="0" err="1" smtClean="0"/>
+              <a:t>model_ft</a:t>
+            </a:r>
+            <a:r>
+              <a:rPr lang="pl-PL" altLang="ko-KR" sz="2400" dirty="0" smtClean="0"/>
+              <a:t> in </a:t>
+            </a:r>
+            <a:r>
+              <a:rPr lang="pl-PL" altLang="ko-KR" sz="2400" dirty="0" err="1" smtClean="0"/>
+              <a:t>finetuning.py</a:t>
+            </a:r>
+            <a:endParaRPr lang="pl-PL" altLang="ko-KR" sz="2400" dirty="0" smtClean="0"/>
           </a:p>
         </p:txBody>
       </p:sp>
@@ -5938,16 +6341,73 @@
           </a:p>
         </p:txBody>
       </p:sp>
+      <mc:AlternateContent xmlns:mc="http://schemas.openxmlformats.org/markup-compatibility/2006" xmlns:we="http://schemas.microsoft.com/office/webextensions/webextension/2010/11" xmlns:pca="http://schemas.microsoft.com/office/powerpoint/2013/contentapp">
+        <mc:Choice Requires="we pca">
+          <p:graphicFrame>
+            <p:nvGraphicFramePr>
+              <p:cNvPr id="4" name="추가 기능 3" title="Code Presenter Pro"/>
+              <p:cNvGraphicFramePr>
+                <a:graphicFrameLocks noGrp="1"/>
+              </p:cNvGraphicFramePr>
+              <p:nvPr>
+                <p:extLst/>
+              </p:nvPr>
+            </p:nvGraphicFramePr>
+            <p:xfrm>
+              <a:off x="395416" y="1029878"/>
+              <a:ext cx="6176072" cy="5027136"/>
+            </p:xfrm>
+            <a:graphic>
+              <a:graphicData uri="http://schemas.microsoft.com/office/webextensions/webextension/2010/11">
+                <we:webextensionref xmlns:we="http://schemas.microsoft.com/office/webextensions/webextension/2010/11" xmlns:r="http://schemas.openxmlformats.org/officeDocument/2006/relationships" r:id="rId4"/>
+              </a:graphicData>
+            </a:graphic>
+          </p:graphicFrame>
+        </mc:Choice>
+        <mc:Fallback xmlns="">
+          <p:pic>
+            <p:nvPicPr>
+              <p:cNvPr id="4" name="추가 기능 3" title="Code Presenter Pro"/>
+              <p:cNvPicPr>
+                <a:picLocks noGrp="1" noRot="1" noChangeAspect="1" noMove="1" noResize="1" noEditPoints="1" noAdjustHandles="1" noChangeArrowheads="1" noChangeShapeType="1"/>
+              </p:cNvPicPr>
+              <p:nvPr/>
+            </p:nvPicPr>
+            <p:blipFill>
+              <a:blip r:embed="rId5"/>
+              <a:stretch>
+                <a:fillRect/>
+              </a:stretch>
+            </p:blipFill>
+            <p:spPr>
+              <a:xfrm>
+                <a:off x="395416" y="1029878"/>
+                <a:ext cx="6176072" cy="5027136"/>
+              </a:xfrm>
+              <a:prstGeom prst="rect">
+                <a:avLst/>
+              </a:prstGeom>
+            </p:spPr>
+          </p:pic>
+        </mc:Fallback>
+      </mc:AlternateContent>
     </p:spTree>
     <p:extLst>
       <p:ext uri="{BB962C8B-B14F-4D97-AF65-F5344CB8AC3E}">
-        <p14:creationId xmlns:p14="http://schemas.microsoft.com/office/powerpoint/2010/main" val="634404546"/>
+        <p14:creationId xmlns:p14="http://schemas.microsoft.com/office/powerpoint/2010/main" val="509602893"/>
       </p:ext>
     </p:extLst>
   </p:cSld>
   <p:clrMapOvr>
     <a:masterClrMapping/>
   </p:clrMapOvr>
+  <p:timing>
+    <p:tnLst>
+      <p:par>
+        <p:cTn id="1" dur="indefinite" restart="never" nodeType="tmRoot"/>
+      </p:par>
+    </p:tnLst>
+  </p:timing>
 </p:sld>
 </file>
 
@@ -5968,125 +6428,6 @@
           <a:chExt cx="0" cy="0"/>
         </a:xfrm>
       </p:grpSpPr>
-      <p:sp useBgFill="1">
-        <p:nvSpPr>
-          <p:cNvPr id="2" name="제목 1"/>
-          <p:cNvSpPr>
-            <a:spLocks noGrp="1"/>
-          </p:cNvSpPr>
-          <p:nvPr>
-            <p:ph type="title"/>
-          </p:nvPr>
-        </p:nvSpPr>
-        <p:spPr>
-          <a:xfrm>
-            <a:off x="733306" y="2476553"/>
-            <a:ext cx="10515600" cy="1124606"/>
-          </a:xfrm>
-          <a:ln>
-            <a:noFill/>
-          </a:ln>
-          <a:effectLst>
-            <a:outerShdw blurRad="50800" dist="76200" dir="2760000" algn="tl" rotWithShape="0">
-              <a:prstClr val="black">
-                <a:alpha val="40000"/>
-              </a:prstClr>
-            </a:outerShdw>
-          </a:effectLst>
-        </p:spPr>
-        <p:txBody>
-          <a:bodyPr anchor="ctr" anchorCtr="1">
-            <a:noAutofit/>
-          </a:bodyPr>
-          <a:lstStyle/>
-          <a:p>
-            <a:pPr lvl="0" latinLnBrk="0">
-              <a:lnSpc>
-                <a:spcPct val="200000"/>
-              </a:lnSpc>
-              <a:spcBef>
-                <a:spcPts val="0"/>
-              </a:spcBef>
-            </a:pPr>
-            <a:r>
-              <a:rPr kumimoji="1" lang="en-US" altLang="ko-KR" sz="4000" b="1" dirty="0" smtClean="0">
-                <a:solidFill>
-                  <a:srgbClr val="222581"/>
-                </a:solidFill>
-              </a:rPr>
-              <a:t>Pre-trained </a:t>
-            </a:r>
-            <a:r>
-              <a:rPr kumimoji="1" lang="en-US" altLang="ko-KR" sz="4000" b="1" dirty="0">
-                <a:solidFill>
-                  <a:srgbClr val="222581"/>
-                </a:solidFill>
-              </a:rPr>
-              <a:t>model as a feature extractor</a:t>
-            </a:r>
-          </a:p>
-        </p:txBody>
-      </p:sp>
-      <p:pic>
-        <p:nvPicPr>
-          <p:cNvPr id="3" name="그림 2"/>
-          <p:cNvPicPr>
-            <a:picLocks noChangeAspect="1"/>
-          </p:cNvPicPr>
-          <p:nvPr/>
-        </p:nvPicPr>
-        <p:blipFill>
-          <a:blip r:embed="rId3">
-            <a:extLst>
-              <a:ext uri="{28A0092B-C50C-407E-A947-70E740481C1C}">
-                <a14:useLocalDpi xmlns:a14="http://schemas.microsoft.com/office/drawing/2010/main" val="0"/>
-              </a:ext>
-            </a:extLst>
-          </a:blip>
-          <a:stretch>
-            <a:fillRect/>
-          </a:stretch>
-        </p:blipFill>
-        <p:spPr>
-          <a:xfrm>
-            <a:off x="180638" y="6044658"/>
-            <a:ext cx="1105336" cy="667536"/>
-          </a:xfrm>
-          <a:prstGeom prst="rect">
-            <a:avLst/>
-          </a:prstGeom>
-        </p:spPr>
-      </p:pic>
-    </p:spTree>
-    <p:extLst>
-      <p:ext uri="{BB962C8B-B14F-4D97-AF65-F5344CB8AC3E}">
-        <p14:creationId xmlns:p14="http://schemas.microsoft.com/office/powerpoint/2010/main" val="597525634"/>
-      </p:ext>
-    </p:extLst>
-  </p:cSld>
-  <p:clrMapOvr>
-    <a:masterClrMapping/>
-  </p:clrMapOvr>
-</p:sld>
-</file>
-
-<file path=ppt/slides/slide14.xml><?xml version="1.0" encoding="utf-8"?>
-<p:sld xmlns:a="http://schemas.openxmlformats.org/drawingml/2006/main" xmlns:r="http://schemas.openxmlformats.org/officeDocument/2006/relationships" xmlns:p="http://schemas.openxmlformats.org/presentationml/2006/main">
-  <p:cSld>
-    <p:spTree>
-      <p:nvGrpSpPr>
-        <p:cNvPr id="1" name=""/>
-        <p:cNvGrpSpPr/>
-        <p:nvPr/>
-      </p:nvGrpSpPr>
-      <p:grpSpPr>
-        <a:xfrm>
-          <a:off x="0" y="0"/>
-          <a:ext cx="0" cy="0"/>
-          <a:chOff x="0" y="0"/>
-          <a:chExt cx="0" cy="0"/>
-        </a:xfrm>
-      </p:grpSpPr>
       <p:sp>
         <p:nvSpPr>
           <p:cNvPr id="2" name="제목 1"/>
@@ -6110,50 +6451,14 @@
           <a:lstStyle/>
           <a:p>
             <a:r>
-              <a:rPr kumimoji="1" lang="en-US" altLang="ko-KR" sz="3600" b="1" dirty="0" err="1" smtClean="0">
+              <a:rPr kumimoji="1" lang="en-US" altLang="ko-KR" sz="3600" b="1" dirty="0" smtClean="0">
                 <a:solidFill>
                   <a:srgbClr val="1E3DB4"/>
                 </a:solidFill>
               </a:rPr>
-              <a:t>dd</a:t>
+              <a:t>Answer</a:t>
             </a:r>
             <a:endParaRPr kumimoji="1" lang="ko-KR" altLang="en-US" sz="3600" dirty="0"/>
-          </a:p>
-        </p:txBody>
-      </p:sp>
-      <p:sp>
-        <p:nvSpPr>
-          <p:cNvPr id="3" name="내용 개체 틀 2"/>
-          <p:cNvSpPr>
-            <a:spLocks noGrp="1"/>
-          </p:cNvSpPr>
-          <p:nvPr>
-            <p:ph idx="1"/>
-          </p:nvPr>
-        </p:nvSpPr>
-        <p:spPr>
-          <a:xfrm>
-            <a:off x="395416" y="1085303"/>
-            <a:ext cx="11491784" cy="5251561"/>
-          </a:xfrm>
-        </p:spPr>
-        <p:txBody>
-          <a:bodyPr/>
-          <a:lstStyle/>
-          <a:p>
-            <a:pPr latinLnBrk="0">
-              <a:lnSpc>
-                <a:spcPct val="200000"/>
-              </a:lnSpc>
-              <a:spcBef>
-                <a:spcPts val="0"/>
-              </a:spcBef>
-            </a:pPr>
-            <a:r>
-              <a:rPr kumimoji="1" lang="en-US" altLang="ko-KR" dirty="0" err="1" smtClean="0"/>
-              <a:t>dd</a:t>
-            </a:r>
-            <a:endParaRPr kumimoji="1" lang="ko-KR" altLang="en-US" dirty="0"/>
           </a:p>
         </p:txBody>
       </p:sp>
@@ -6257,26 +6562,87 @@
           <a:p>
             <a:fld id="{E3E75774-3282-1C4A-9118-50EA78BFB2AA}" type="slidenum">
               <a:rPr kumimoji="1" lang="ko-KR" altLang="en-US" smtClean="0"/>
-              <a:t>14</a:t>
+              <a:t>13</a:t>
             </a:fld>
             <a:endParaRPr kumimoji="1" lang="ko-KR" altLang="en-US"/>
           </a:p>
         </p:txBody>
       </p:sp>
+      <mc:AlternateContent xmlns:mc="http://schemas.openxmlformats.org/markup-compatibility/2006">
+        <mc:Choice xmlns:we="http://schemas.microsoft.com/office/webextensions/webextension/2010/11" xmlns:pca="http://schemas.microsoft.com/office/powerpoint/2013/contentapp" Requires="we pca">
+          <p:graphicFrame>
+            <p:nvGraphicFramePr>
+              <p:cNvPr id="4" name="추가 기능 3" title="Code Presenter Pro"/>
+              <p:cNvGraphicFramePr>
+                <a:graphicFrameLocks noGrp="1"/>
+              </p:cNvGraphicFramePr>
+              <p:nvPr>
+                <p:extLst>
+                  <p:ext uri="{D42A27DB-BD31-4B8C-83A1-F6EECF244321}">
+                    <p14:modId xmlns:p14="http://schemas.microsoft.com/office/powerpoint/2010/main" val="146851067"/>
+                  </p:ext>
+                </p:extLst>
+              </p:nvPr>
+            </p:nvGraphicFramePr>
+            <p:xfrm>
+              <a:off x="395416" y="1029878"/>
+              <a:ext cx="11491784" cy="5027136"/>
+            </p:xfrm>
+            <a:graphic>
+              <a:graphicData uri="http://schemas.microsoft.com/office/webextensions/webextension/2010/11">
+                <we:webextensionref xmlns:we="http://schemas.microsoft.com/office/webextensions/webextension/2010/11" xmlns:r="http://schemas.openxmlformats.org/officeDocument/2006/relationships" r:id="rId4"/>
+              </a:graphicData>
+            </a:graphic>
+          </p:graphicFrame>
+        </mc:Choice>
+        <mc:Fallback>
+          <p:pic>
+            <p:nvPicPr>
+              <p:cNvPr id="4" name="추가 기능 3" title="Code Presenter Pro"/>
+              <p:cNvPicPr>
+                <a:picLocks noGrp="1" noRot="1" noChangeAspect="1" noMove="1" noResize="1" noEditPoints="1" noAdjustHandles="1" noChangeArrowheads="1" noChangeShapeType="1"/>
+              </p:cNvPicPr>
+              <p:nvPr/>
+            </p:nvPicPr>
+            <p:blipFill>
+              <a:blip r:embed="rId5"/>
+              <a:stretch>
+                <a:fillRect/>
+              </a:stretch>
+            </p:blipFill>
+            <p:spPr>
+              <a:xfrm>
+                <a:off x="395416" y="1029878"/>
+                <a:ext cx="11491784" cy="5027136"/>
+              </a:xfrm>
+              <a:prstGeom prst="rect">
+                <a:avLst/>
+              </a:prstGeom>
+            </p:spPr>
+          </p:pic>
+        </mc:Fallback>
+      </mc:AlternateContent>
     </p:spTree>
     <p:extLst>
       <p:ext uri="{BB962C8B-B14F-4D97-AF65-F5344CB8AC3E}">
-        <p14:creationId xmlns:p14="http://schemas.microsoft.com/office/powerpoint/2010/main" val="3284031"/>
+        <p14:creationId xmlns:p14="http://schemas.microsoft.com/office/powerpoint/2010/main" val="754475013"/>
       </p:ext>
     </p:extLst>
   </p:cSld>
   <p:clrMapOvr>
     <a:masterClrMapping/>
   </p:clrMapOvr>
+  <p:timing>
+    <p:tnLst>
+      <p:par>
+        <p:cTn id="1" dur="indefinite" restart="never" nodeType="tmRoot"/>
+      </p:par>
+    </p:tnLst>
+  </p:timing>
 </p:sld>
 </file>
 
-<file path=ppt/slides/slide15.xml><?xml version="1.0" encoding="utf-8"?>
+<file path=ppt/slides/slide14.xml><?xml version="1.0" encoding="utf-8"?>
 <p:sld xmlns:a="http://schemas.openxmlformats.org/drawingml/2006/main" xmlns:r="http://schemas.openxmlformats.org/officeDocument/2006/relationships" xmlns:p="http://schemas.openxmlformats.org/presentationml/2006/main">
   <p:cSld>
     <p:spTree>
@@ -6295,17 +6661,59 @@
       </p:grpSpPr>
       <p:sp>
         <p:nvSpPr>
-          <p:cNvPr id="3" name="내용 개체 틀 2"/>
-          <p:cNvSpPr>
-            <a:spLocks noGrp="1"/>
-          </p:cNvSpPr>
-          <p:nvPr>
-            <p:ph idx="1"/>
+          <p:cNvPr id="2" name="제목 1"/>
+          <p:cNvSpPr>
+            <a:spLocks noGrp="1"/>
+          </p:cNvSpPr>
+          <p:nvPr>
+            <p:ph type="title"/>
           </p:nvPr>
         </p:nvSpPr>
         <p:spPr>
           <a:xfrm>
-            <a:off x="350108" y="793097"/>
+            <a:off x="395416" y="84696"/>
+            <a:ext cx="10515600" cy="743208"/>
+          </a:xfrm>
+        </p:spPr>
+        <p:txBody>
+          <a:bodyPr>
+            <a:normAutofit/>
+          </a:bodyPr>
+          <a:lstStyle/>
+          <a:p>
+            <a:r>
+              <a:rPr kumimoji="1" lang="en-US" altLang="ko-KR" sz="3600" b="1" dirty="0" err="1" smtClean="0">
+                <a:solidFill>
+                  <a:srgbClr val="1E3DB4"/>
+                </a:solidFill>
+              </a:rPr>
+              <a:t>Finetuning</a:t>
+            </a:r>
+            <a:r>
+              <a:rPr kumimoji="1" lang="en-US" altLang="ko-KR" sz="3600" b="1" dirty="0" smtClean="0">
+                <a:solidFill>
+                  <a:srgbClr val="1E3DB4"/>
+                </a:solidFill>
+              </a:rPr>
+              <a:t> &amp; evaluation</a:t>
+            </a:r>
+            <a:endParaRPr kumimoji="1" lang="ko-KR" altLang="en-US" sz="3600" dirty="0"/>
+          </a:p>
+        </p:txBody>
+      </p:sp>
+      <p:sp>
+        <p:nvSpPr>
+          <p:cNvPr id="3" name="내용 개체 틀 2"/>
+          <p:cNvSpPr>
+            <a:spLocks noGrp="1"/>
+          </p:cNvSpPr>
+          <p:nvPr>
+            <p:ph idx="1"/>
+          </p:nvPr>
+        </p:nvSpPr>
+        <p:spPr>
+          <a:xfrm>
+            <a:off x="395416" y="1085303"/>
             <a:ext cx="11491784" cy="5251561"/>
           </a:xfrm>
         </p:spPr>
@@ -6313,446 +6721,105 @@
           <a:bodyPr/>
           <a:lstStyle/>
           <a:p>
-            <a:pPr marL="514350" marR="0" lvl="0" indent="-514350" algn="ctr" defTabSz="914400" eaLnBrk="1" fontAlgn="auto" latinLnBrk="0" hangingPunct="1">
+            <a:pPr latinLnBrk="0">
               <a:lnSpc>
                 <a:spcPct val="150000"/>
               </a:lnSpc>
               <a:spcBef>
                 <a:spcPts val="0"/>
               </a:spcBef>
-              <a:spcAft>
-                <a:spcPts val="0"/>
-              </a:spcAft>
-              <a:buClrTx/>
-              <a:buSzTx/>
-              <a:buFontTx/>
-              <a:buNone/>
-              <a:tabLst/>
-              <a:defRPr/>
             </a:pPr>
-            <a:endParaRPr kumimoji="1" lang="en-US" altLang="ko-KR" dirty="0">
-              <a:solidFill>
-                <a:srgbClr val="222581"/>
-              </a:solidFill>
-            </a:endParaRPr>
-          </a:p>
-          <a:p>
-            <a:pPr marL="514350" marR="0" lvl="0" indent="-514350" algn="ctr" defTabSz="914400" eaLnBrk="1" fontAlgn="auto" latinLnBrk="0" hangingPunct="1">
+            <a:r>
+              <a:rPr kumimoji="1" lang="en-US" altLang="ko-KR" dirty="0"/>
+              <a:t>Comment </a:t>
+            </a:r>
+          </a:p>
+          <a:p>
+            <a:pPr lvl="1" latinLnBrk="0">
               <a:lnSpc>
                 <a:spcPct val="150000"/>
               </a:lnSpc>
               <a:spcBef>
                 <a:spcPts val="0"/>
               </a:spcBef>
-              <a:spcAft>
-                <a:spcPts val="0"/>
-              </a:spcAft>
-              <a:buClrTx/>
-              <a:buSzTx/>
-              <a:buFontTx/>
-              <a:buNone/>
-              <a:tabLst/>
-              <a:defRPr/>
             </a:pPr>
             <a:r>
-              <a:rPr kumimoji="1" lang="en-US" altLang="ko-KR" sz="4000" dirty="0" smtClean="0">
-                <a:solidFill>
-                  <a:srgbClr val="0020B4"/>
-                </a:solidFill>
-                <a:latin typeface="Cooper Black" charset="0"/>
-                <a:ea typeface="Cooper Black" charset="0"/>
-                <a:cs typeface="Cooper Black" charset="0"/>
-              </a:rPr>
-              <a:t>Thank you</a:t>
-            </a:r>
-          </a:p>
-          <a:p>
-            <a:pPr marL="514350" marR="0" lvl="0" indent="-514350" algn="ctr" defTabSz="914400" eaLnBrk="1" fontAlgn="auto" latinLnBrk="0" hangingPunct="1">
+              <a:rPr kumimoji="1" lang="en-US" altLang="ko-KR" dirty="0" smtClean="0"/>
+              <a:t>#from </a:t>
+            </a:r>
+            <a:r>
+              <a:rPr kumimoji="1" lang="en-US" altLang="ko-KR" dirty="0" err="1"/>
+              <a:t>feature_extractor</a:t>
+            </a:r>
+            <a:r>
+              <a:rPr kumimoji="1" lang="en-US" altLang="ko-KR" dirty="0"/>
+              <a:t> import </a:t>
+            </a:r>
+            <a:r>
+              <a:rPr kumimoji="1" lang="en-US" altLang="ko-KR" dirty="0" err="1" smtClean="0"/>
+              <a:t>feature_extract</a:t>
+            </a:r>
+            <a:endParaRPr kumimoji="1" lang="en-US" altLang="ko-KR" dirty="0" smtClean="0"/>
+          </a:p>
+          <a:p>
+            <a:pPr lvl="1" latinLnBrk="0">
               <a:lnSpc>
                 <a:spcPct val="150000"/>
               </a:lnSpc>
               <a:spcBef>
                 <a:spcPts val="0"/>
               </a:spcBef>
-              <a:spcAft>
-                <a:spcPts val="0"/>
-              </a:spcAft>
-              <a:buClrTx/>
-              <a:buSzTx/>
-              <a:buFontTx/>
-              <a:buNone/>
-              <a:tabLst/>
-              <a:defRPr/>
             </a:pPr>
             <a:r>
-              <a:rPr kumimoji="1" lang="en-US" altLang="ko-KR" sz="4000" dirty="0" smtClean="0">
-                <a:solidFill>
-                  <a:srgbClr val="0020B4"/>
-                </a:solidFill>
-                <a:latin typeface="Cooper Black" charset="0"/>
-                <a:ea typeface="Cooper Black" charset="0"/>
-                <a:cs typeface="Cooper Black" charset="0"/>
-              </a:rPr>
-              <a:t>For your attention!!!</a:t>
-            </a:r>
-          </a:p>
-          <a:p>
-            <a:pPr marL="514350" marR="0" lvl="0" indent="-514350" algn="ctr" defTabSz="914400" eaLnBrk="1" fontAlgn="auto" latinLnBrk="0" hangingPunct="1">
+              <a:rPr kumimoji="1" lang="en-US" altLang="ko-KR" dirty="0" smtClean="0"/>
+              <a:t>#</a:t>
+            </a:r>
+            <a:r>
+              <a:rPr kumimoji="1" lang="en-US" altLang="ko-KR" dirty="0" err="1" smtClean="0"/>
+              <a:t>feature_extract</a:t>
+            </a:r>
+            <a:r>
+              <a:rPr kumimoji="1" lang="en-US" altLang="ko-KR" dirty="0" smtClean="0"/>
+              <a:t>()</a:t>
+            </a:r>
+            <a:br>
+              <a:rPr kumimoji="1" lang="en-US" altLang="ko-KR" dirty="0" smtClean="0"/>
+            </a:br>
+            <a:endParaRPr kumimoji="1" lang="en-US" altLang="ko-KR" dirty="0"/>
+          </a:p>
+          <a:p>
+            <a:pPr latinLnBrk="0">
               <a:lnSpc>
                 <a:spcPct val="150000"/>
               </a:lnSpc>
               <a:spcBef>
                 <a:spcPts val="0"/>
               </a:spcBef>
-              <a:spcAft>
-                <a:spcPts val="0"/>
-              </a:spcAft>
-              <a:buClrTx/>
-              <a:buSzTx/>
-              <a:buFontTx/>
-              <a:buNone/>
-              <a:tabLst/>
-              <a:defRPr/>
             </a:pPr>
             <a:r>
-              <a:rPr kumimoji="1" lang="en-US" altLang="ko-KR" sz="4400" b="1" dirty="0" smtClean="0">
-                <a:latin typeface="Britannic Bold" charset="0"/>
-                <a:ea typeface="Britannic Bold" charset="0"/>
-                <a:cs typeface="Britannic Bold" charset="0"/>
-              </a:rPr>
-              <a:t>(Q &amp; A)</a:t>
-            </a:r>
-          </a:p>
-          <a:p>
-            <a:pPr marL="514350" marR="0" lvl="0" indent="-514350" algn="ctr" defTabSz="914400" eaLnBrk="1" fontAlgn="auto" latinLnBrk="0" hangingPunct="1">
+              <a:rPr kumimoji="1" lang="en-US" altLang="ko-KR" dirty="0" smtClean="0"/>
+              <a:t>Run </a:t>
+            </a:r>
+            <a:r>
+              <a:rPr kumimoji="1" lang="en-US" altLang="ko-KR" dirty="0" err="1" smtClean="0"/>
+              <a:t>main.py</a:t>
+            </a:r>
+            <a:endParaRPr kumimoji="1" lang="en-US" altLang="ko-KR" dirty="0" smtClean="0"/>
+          </a:p>
+          <a:p>
+            <a:pPr lvl="1" latinLnBrk="0">
               <a:lnSpc>
                 <a:spcPct val="150000"/>
               </a:lnSpc>
               <a:spcBef>
                 <a:spcPts val="0"/>
               </a:spcBef>
-              <a:spcAft>
-                <a:spcPts val="0"/>
-              </a:spcAft>
-              <a:buClrTx/>
-              <a:buSzTx/>
-              <a:buFontTx/>
-              <a:buNone/>
-              <a:tabLst/>
-              <a:defRPr/>
             </a:pPr>
             <a:r>
-              <a:rPr kumimoji="1" lang="en-US" altLang="ko-KR" dirty="0" err="1" smtClean="0">
-                <a:solidFill>
-                  <a:srgbClr val="DF227B"/>
-                </a:solidFill>
-                <a:latin typeface="Cooper Black" charset="0"/>
-                <a:ea typeface="Cooper Black" charset="0"/>
-                <a:cs typeface="Cooper Black" charset="0"/>
-              </a:rPr>
-              <a:t>hisuk</a:t>
-            </a:r>
-            <a:r>
-              <a:rPr kumimoji="1" lang="en-US" altLang="ko-KR" dirty="0" smtClean="0">
-                <a:solidFill>
-                  <a:srgbClr val="DF227B"/>
-                </a:solidFill>
-                <a:latin typeface="Cooper Black" charset="0"/>
-                <a:ea typeface="Cooper Black" charset="0"/>
-                <a:cs typeface="Cooper Black" charset="0"/>
-              </a:rPr>
-              <a:t> (AT) </a:t>
-            </a:r>
-            <a:r>
-              <a:rPr kumimoji="1" lang="en-US" altLang="ko-KR" dirty="0" err="1" smtClean="0">
-                <a:solidFill>
-                  <a:srgbClr val="DF227B"/>
-                </a:solidFill>
-                <a:latin typeface="Cooper Black" charset="0"/>
-                <a:ea typeface="Cooper Black" charset="0"/>
-                <a:cs typeface="Cooper Black" charset="0"/>
-              </a:rPr>
-              <a:t>korea.ac.kr</a:t>
-            </a:r>
-            <a:endParaRPr kumimoji="1" lang="en-US" altLang="ko-KR" dirty="0" smtClean="0">
-              <a:solidFill>
-                <a:srgbClr val="DF227B"/>
-              </a:solidFill>
-              <a:latin typeface="Cooper Black" charset="0"/>
-              <a:ea typeface="Cooper Black" charset="0"/>
-              <a:cs typeface="Cooper Black" charset="0"/>
-            </a:endParaRPr>
-          </a:p>
-          <a:p>
-            <a:pPr marL="514350" marR="0" lvl="0" indent="-514350" algn="ctr" defTabSz="914400" eaLnBrk="1" fontAlgn="auto" latinLnBrk="0" hangingPunct="1">
-              <a:lnSpc>
-                <a:spcPct val="150000"/>
-              </a:lnSpc>
-              <a:spcBef>
-                <a:spcPts val="0"/>
-              </a:spcBef>
-              <a:spcAft>
-                <a:spcPts val="0"/>
-              </a:spcAft>
-              <a:buClrTx/>
-              <a:buSzTx/>
-              <a:buFontTx/>
-              <a:buNone/>
-              <a:tabLst/>
-              <a:defRPr/>
-            </a:pPr>
-            <a:r>
-              <a:rPr kumimoji="1" lang="en-US" altLang="ko-KR" sz="2400" dirty="0" smtClean="0">
-                <a:solidFill>
-                  <a:srgbClr val="202481"/>
-                </a:solidFill>
-                <a:latin typeface="Courier" charset="0"/>
-                <a:ea typeface="Courier" charset="0"/>
-                <a:cs typeface="Courier" charset="0"/>
-              </a:rPr>
-              <a:t>http://</a:t>
-            </a:r>
-            <a:r>
-              <a:rPr kumimoji="1" lang="en-US" altLang="ko-KR" sz="2400" dirty="0" err="1" smtClean="0">
-                <a:solidFill>
-                  <a:srgbClr val="202481"/>
-                </a:solidFill>
-                <a:latin typeface="Courier" charset="0"/>
-                <a:ea typeface="Courier" charset="0"/>
-                <a:cs typeface="Courier" charset="0"/>
-              </a:rPr>
-              <a:t>www.ku-milab.org</a:t>
-            </a:r>
-            <a:endParaRPr kumimoji="1" lang="ko-KR" altLang="en-US" sz="2400" dirty="0">
-              <a:solidFill>
-                <a:srgbClr val="202481"/>
-              </a:solidFill>
-              <a:latin typeface="Courier" charset="0"/>
-              <a:ea typeface="Courier" charset="0"/>
-              <a:cs typeface="Courier" charset="0"/>
-            </a:endParaRPr>
-          </a:p>
-        </p:txBody>
-      </p:sp>
-      <p:pic>
-        <p:nvPicPr>
-          <p:cNvPr id="7" name="그림 6"/>
-          <p:cNvPicPr>
-            <a:picLocks noChangeAspect="1"/>
-          </p:cNvPicPr>
-          <p:nvPr/>
-        </p:nvPicPr>
-        <p:blipFill>
-          <a:blip r:embed="rId3">
-            <a:extLst>
-              <a:ext uri="{28A0092B-C50C-407E-A947-70E740481C1C}">
-                <a14:useLocalDpi xmlns:a14="http://schemas.microsoft.com/office/drawing/2010/main" val="0"/>
-              </a:ext>
-            </a:extLst>
-          </a:blip>
-          <a:stretch>
-            <a:fillRect/>
-          </a:stretch>
-        </p:blipFill>
-        <p:spPr>
-          <a:xfrm>
-            <a:off x="180638" y="6044658"/>
-            <a:ext cx="1105336" cy="667536"/>
-          </a:xfrm>
-          <a:prstGeom prst="rect">
-            <a:avLst/>
-          </a:prstGeom>
-        </p:spPr>
-      </p:pic>
-      <p:sp>
-        <p:nvSpPr>
-          <p:cNvPr id="9" name="바닥글 개체 틀 8"/>
-          <p:cNvSpPr>
-            <a:spLocks noGrp="1"/>
-          </p:cNvSpPr>
-          <p:nvPr>
-            <p:ph type="ftr" sz="quarter" idx="11"/>
-          </p:nvPr>
-        </p:nvSpPr>
-        <p:spPr/>
-        <p:txBody>
-          <a:bodyPr/>
-          <a:lstStyle/>
-          <a:p>
-            <a:r>
-              <a:rPr kumimoji="1" lang="en-US" altLang="ko-KR" smtClean="0"/>
-              <a:t>SKT AI Course: Deep Learning Basics by Heung-Il Suk</a:t>
-            </a:r>
-            <a:endParaRPr kumimoji="1" lang="ko-KR" altLang="en-US"/>
-          </a:p>
-        </p:txBody>
-      </p:sp>
-      <p:sp>
-        <p:nvSpPr>
-          <p:cNvPr id="10" name="슬라이드 번호 개체 틀 9"/>
-          <p:cNvSpPr>
-            <a:spLocks noGrp="1"/>
-          </p:cNvSpPr>
-          <p:nvPr>
-            <p:ph type="sldNum" sz="quarter" idx="12"/>
-          </p:nvPr>
-        </p:nvSpPr>
-        <p:spPr/>
-        <p:txBody>
-          <a:bodyPr/>
-          <a:lstStyle/>
-          <a:p>
-            <a:fld id="{E3E75774-3282-1C4A-9118-50EA78BFB2AA}" type="slidenum">
-              <a:rPr kumimoji="1" lang="ko-KR" altLang="en-US" smtClean="0"/>
-              <a:t>15</a:t>
-            </a:fld>
-            <a:endParaRPr kumimoji="1" lang="ko-KR" altLang="en-US"/>
-          </a:p>
-        </p:txBody>
-      </p:sp>
-    </p:spTree>
-    <p:extLst>
-      <p:ext uri="{BB962C8B-B14F-4D97-AF65-F5344CB8AC3E}">
-        <p14:creationId xmlns:p14="http://schemas.microsoft.com/office/powerpoint/2010/main" val="1664303654"/>
-      </p:ext>
-    </p:extLst>
-  </p:cSld>
-  <p:clrMapOvr>
-    <a:masterClrMapping/>
-  </p:clrMapOvr>
-</p:sld>
-</file>
-
-<file path=ppt/slides/slide2.xml><?xml version="1.0" encoding="utf-8"?>
-<p:sld xmlns:a="http://schemas.openxmlformats.org/drawingml/2006/main" xmlns:r="http://schemas.openxmlformats.org/officeDocument/2006/relationships" xmlns:p="http://schemas.openxmlformats.org/presentationml/2006/main">
-  <p:cSld>
-    <p:spTree>
-      <p:nvGrpSpPr>
-        <p:cNvPr id="1" name=""/>
-        <p:cNvGrpSpPr/>
-        <p:nvPr/>
-      </p:nvGrpSpPr>
-      <p:grpSpPr>
-        <a:xfrm>
-          <a:off x="0" y="0"/>
-          <a:ext cx="0" cy="0"/>
-          <a:chOff x="0" y="0"/>
-          <a:chExt cx="0" cy="0"/>
-        </a:xfrm>
-      </p:grpSpPr>
-      <p:sp>
-        <p:nvSpPr>
-          <p:cNvPr id="2" name="제목 1"/>
-          <p:cNvSpPr>
-            <a:spLocks noGrp="1"/>
-          </p:cNvSpPr>
-          <p:nvPr>
-            <p:ph type="title"/>
-          </p:nvPr>
-        </p:nvSpPr>
-        <p:spPr>
-          <a:xfrm>
-            <a:off x="395416" y="84696"/>
-            <a:ext cx="10515600" cy="743208"/>
-          </a:xfrm>
-        </p:spPr>
-        <p:txBody>
-          <a:bodyPr>
-            <a:normAutofit/>
-          </a:bodyPr>
-          <a:lstStyle/>
-          <a:p>
-            <a:r>
-              <a:rPr kumimoji="1" lang="en-US" altLang="ko-KR" sz="3600" b="1" dirty="0" smtClean="0">
-                <a:solidFill>
-                  <a:srgbClr val="1E3DB4"/>
-                </a:solidFill>
-              </a:rPr>
-              <a:t>Contents</a:t>
-            </a:r>
-            <a:endParaRPr kumimoji="1" lang="ko-KR" altLang="en-US" sz="3600" dirty="0"/>
-          </a:p>
-        </p:txBody>
-      </p:sp>
-      <p:sp>
-        <p:nvSpPr>
-          <p:cNvPr id="3" name="내용 개체 틀 2"/>
-          <p:cNvSpPr>
-            <a:spLocks noGrp="1"/>
-          </p:cNvSpPr>
-          <p:nvPr>
-            <p:ph idx="1"/>
-          </p:nvPr>
-        </p:nvSpPr>
-        <p:spPr>
-          <a:xfrm>
-            <a:off x="395416" y="2667985"/>
-            <a:ext cx="11491784" cy="1882994"/>
-          </a:xfrm>
-        </p:spPr>
-        <p:txBody>
-          <a:bodyPr/>
-          <a:lstStyle/>
-          <a:p>
-            <a:pPr marL="514350" lvl="0" indent="-514350" latinLnBrk="0">
-              <a:lnSpc>
-                <a:spcPct val="200000"/>
-              </a:lnSpc>
-              <a:spcBef>
-                <a:spcPts val="0"/>
-              </a:spcBef>
-              <a:buFontTx/>
-              <a:buAutoNum type="arabicPeriod"/>
-            </a:pPr>
-            <a:r>
-              <a:rPr kumimoji="1" lang="en-US" altLang="ko-KR" b="1" dirty="0" smtClean="0">
-                <a:solidFill>
-                  <a:srgbClr val="222581"/>
-                </a:solidFill>
-              </a:rPr>
-              <a:t>Fine-tuning pre-trained </a:t>
-            </a:r>
-            <a:r>
-              <a:rPr kumimoji="1" lang="en-US" altLang="ko-KR" b="1" dirty="0">
-                <a:solidFill>
-                  <a:srgbClr val="222581"/>
-                </a:solidFill>
-              </a:rPr>
-              <a:t>m</a:t>
-            </a:r>
-            <a:r>
-              <a:rPr kumimoji="1" lang="en-US" altLang="ko-KR" b="1" dirty="0" smtClean="0">
-                <a:solidFill>
-                  <a:srgbClr val="222581"/>
-                </a:solidFill>
-              </a:rPr>
-              <a:t>odel</a:t>
-            </a:r>
-          </a:p>
-          <a:p>
-            <a:pPr marL="514350" lvl="0" indent="-514350" latinLnBrk="0">
-              <a:lnSpc>
-                <a:spcPct val="200000"/>
-              </a:lnSpc>
-              <a:spcBef>
-                <a:spcPts val="0"/>
-              </a:spcBef>
-              <a:buFontTx/>
-              <a:buAutoNum type="arabicPeriod"/>
-            </a:pPr>
-            <a:r>
-              <a:rPr kumimoji="1" lang="en-US" altLang="ko-KR" b="1" dirty="0" smtClean="0">
-                <a:solidFill>
-                  <a:srgbClr val="222581"/>
-                </a:solidFill>
-              </a:rPr>
-              <a:t>Pre-trained model as a feature extractor</a:t>
-            </a:r>
-            <a:endParaRPr kumimoji="1" lang="en-US" altLang="ko-KR" b="1" dirty="0" smtClean="0">
-              <a:solidFill>
-                <a:srgbClr val="222581"/>
-              </a:solidFill>
-            </a:endParaRPr>
+              <a:rPr kumimoji="1" lang="en-US" altLang="ko-KR" dirty="0" smtClean="0"/>
+              <a:t>Check the model predict well on new tasks (Bee / Ant Classification)</a:t>
+            </a:r>
+            <a:endParaRPr kumimoji="1" lang="ko-KR" altLang="en-US" dirty="0"/>
           </a:p>
         </p:txBody>
       </p:sp>
@@ -6856,6 +6923,1488 @@
           <a:p>
             <a:fld id="{E3E75774-3282-1C4A-9118-50EA78BFB2AA}" type="slidenum">
               <a:rPr kumimoji="1" lang="ko-KR" altLang="en-US" smtClean="0"/>
+              <a:t>14</a:t>
+            </a:fld>
+            <a:endParaRPr kumimoji="1" lang="ko-KR" altLang="en-US"/>
+          </a:p>
+        </p:txBody>
+      </p:sp>
+    </p:spTree>
+    <p:extLst>
+      <p:ext uri="{BB962C8B-B14F-4D97-AF65-F5344CB8AC3E}">
+        <p14:creationId xmlns:p14="http://schemas.microsoft.com/office/powerpoint/2010/main" val="1122102328"/>
+      </p:ext>
+    </p:extLst>
+  </p:cSld>
+  <p:clrMapOvr>
+    <a:masterClrMapping/>
+  </p:clrMapOvr>
+  <p:timing>
+    <p:tnLst>
+      <p:par>
+        <p:cTn id="1" dur="indefinite" restart="never" nodeType="tmRoot"/>
+      </p:par>
+    </p:tnLst>
+  </p:timing>
+</p:sld>
+</file>
+
+<file path=ppt/slides/slide15.xml><?xml version="1.0" encoding="utf-8"?>
+<p:sld xmlns:a="http://schemas.openxmlformats.org/drawingml/2006/main" xmlns:r="http://schemas.openxmlformats.org/officeDocument/2006/relationships" xmlns:p="http://schemas.openxmlformats.org/presentationml/2006/main">
+  <p:cSld>
+    <p:spTree>
+      <p:nvGrpSpPr>
+        <p:cNvPr id="1" name=""/>
+        <p:cNvGrpSpPr/>
+        <p:nvPr/>
+      </p:nvGrpSpPr>
+      <p:grpSpPr>
+        <a:xfrm>
+          <a:off x="0" y="0"/>
+          <a:ext cx="0" cy="0"/>
+          <a:chOff x="0" y="0"/>
+          <a:chExt cx="0" cy="0"/>
+        </a:xfrm>
+      </p:grpSpPr>
+      <p:sp useBgFill="1">
+        <p:nvSpPr>
+          <p:cNvPr id="2" name="제목 1"/>
+          <p:cNvSpPr>
+            <a:spLocks noGrp="1"/>
+          </p:cNvSpPr>
+          <p:nvPr>
+            <p:ph type="title"/>
+          </p:nvPr>
+        </p:nvSpPr>
+        <p:spPr>
+          <a:xfrm>
+            <a:off x="733306" y="2476553"/>
+            <a:ext cx="10515600" cy="1124606"/>
+          </a:xfrm>
+          <a:ln>
+            <a:noFill/>
+          </a:ln>
+          <a:effectLst>
+            <a:outerShdw blurRad="50800" dist="76200" dir="2760000" algn="tl" rotWithShape="0">
+              <a:prstClr val="black">
+                <a:alpha val="40000"/>
+              </a:prstClr>
+            </a:outerShdw>
+          </a:effectLst>
+        </p:spPr>
+        <p:txBody>
+          <a:bodyPr anchor="ctr" anchorCtr="1">
+            <a:noAutofit/>
+          </a:bodyPr>
+          <a:lstStyle/>
+          <a:p>
+            <a:pPr lvl="0" latinLnBrk="0">
+              <a:lnSpc>
+                <a:spcPct val="200000"/>
+              </a:lnSpc>
+              <a:spcBef>
+                <a:spcPts val="0"/>
+              </a:spcBef>
+            </a:pPr>
+            <a:r>
+              <a:rPr kumimoji="1" lang="en-US" altLang="ko-KR" sz="4000" b="1" dirty="0" smtClean="0">
+                <a:solidFill>
+                  <a:srgbClr val="222581"/>
+                </a:solidFill>
+              </a:rPr>
+              <a:t>Pre-trained </a:t>
+            </a:r>
+            <a:r>
+              <a:rPr kumimoji="1" lang="en-US" altLang="ko-KR" sz="4000" b="1" dirty="0">
+                <a:solidFill>
+                  <a:srgbClr val="222581"/>
+                </a:solidFill>
+              </a:rPr>
+              <a:t>model as a feature extractor</a:t>
+            </a:r>
+          </a:p>
+        </p:txBody>
+      </p:sp>
+      <p:pic>
+        <p:nvPicPr>
+          <p:cNvPr id="3" name="그림 2"/>
+          <p:cNvPicPr>
+            <a:picLocks noChangeAspect="1"/>
+          </p:cNvPicPr>
+          <p:nvPr/>
+        </p:nvPicPr>
+        <p:blipFill>
+          <a:blip r:embed="rId3">
+            <a:extLst>
+              <a:ext uri="{28A0092B-C50C-407E-A947-70E740481C1C}">
+                <a14:useLocalDpi xmlns:a14="http://schemas.microsoft.com/office/drawing/2010/main" val="0"/>
+              </a:ext>
+            </a:extLst>
+          </a:blip>
+          <a:stretch>
+            <a:fillRect/>
+          </a:stretch>
+        </p:blipFill>
+        <p:spPr>
+          <a:xfrm>
+            <a:off x="180638" y="6044658"/>
+            <a:ext cx="1105336" cy="667536"/>
+          </a:xfrm>
+          <a:prstGeom prst="rect">
+            <a:avLst/>
+          </a:prstGeom>
+        </p:spPr>
+      </p:pic>
+    </p:spTree>
+    <p:extLst>
+      <p:ext uri="{BB962C8B-B14F-4D97-AF65-F5344CB8AC3E}">
+        <p14:creationId xmlns:p14="http://schemas.microsoft.com/office/powerpoint/2010/main" val="597525634"/>
+      </p:ext>
+    </p:extLst>
+  </p:cSld>
+  <p:clrMapOvr>
+    <a:masterClrMapping/>
+  </p:clrMapOvr>
+  <p:timing>
+    <p:tnLst>
+      <p:par>
+        <p:cTn id="1" dur="indefinite" restart="never" nodeType="tmRoot"/>
+      </p:par>
+    </p:tnLst>
+  </p:timing>
+</p:sld>
+</file>
+
+<file path=ppt/slides/slide16.xml><?xml version="1.0" encoding="utf-8"?>
+<p:sld xmlns:a="http://schemas.openxmlformats.org/drawingml/2006/main" xmlns:r="http://schemas.openxmlformats.org/officeDocument/2006/relationships" xmlns:p="http://schemas.openxmlformats.org/presentationml/2006/main">
+  <p:cSld>
+    <p:spTree>
+      <p:nvGrpSpPr>
+        <p:cNvPr id="1" name=""/>
+        <p:cNvGrpSpPr/>
+        <p:nvPr/>
+      </p:nvGrpSpPr>
+      <p:grpSpPr>
+        <a:xfrm>
+          <a:off x="0" y="0"/>
+          <a:ext cx="0" cy="0"/>
+          <a:chOff x="0" y="0"/>
+          <a:chExt cx="0" cy="0"/>
+        </a:xfrm>
+      </p:grpSpPr>
+      <p:sp>
+        <p:nvSpPr>
+          <p:cNvPr id="2" name="제목 1"/>
+          <p:cNvSpPr>
+            <a:spLocks noGrp="1"/>
+          </p:cNvSpPr>
+          <p:nvPr>
+            <p:ph type="title"/>
+          </p:nvPr>
+        </p:nvSpPr>
+        <p:spPr>
+          <a:xfrm>
+            <a:off x="395416" y="84696"/>
+            <a:ext cx="10515600" cy="743208"/>
+          </a:xfrm>
+        </p:spPr>
+        <p:txBody>
+          <a:bodyPr>
+            <a:normAutofit/>
+          </a:bodyPr>
+          <a:lstStyle/>
+          <a:p>
+            <a:r>
+              <a:rPr kumimoji="1" lang="en-US" altLang="ko-KR" sz="3600" b="1" dirty="0" smtClean="0">
+                <a:solidFill>
+                  <a:srgbClr val="1E3DB4"/>
+                </a:solidFill>
+              </a:rPr>
+              <a:t>Use </a:t>
+            </a:r>
+            <a:r>
+              <a:rPr kumimoji="1" lang="en-US" altLang="ko-KR" sz="3600" b="1" dirty="0" err="1" smtClean="0">
+                <a:solidFill>
+                  <a:srgbClr val="1E3DB4"/>
+                </a:solidFill>
+              </a:rPr>
+              <a:t>ResNet</a:t>
+            </a:r>
+            <a:r>
+              <a:rPr kumimoji="1" lang="en-US" altLang="ko-KR" sz="3600" b="1" dirty="0" smtClean="0">
+                <a:solidFill>
+                  <a:srgbClr val="1E3DB4"/>
+                </a:solidFill>
+              </a:rPr>
+              <a:t> as Feature Extractor</a:t>
+            </a:r>
+            <a:endParaRPr kumimoji="1" lang="ko-KR" altLang="en-US" sz="3600" dirty="0"/>
+          </a:p>
+        </p:txBody>
+      </p:sp>
+      <p:sp>
+        <p:nvSpPr>
+          <p:cNvPr id="3" name="내용 개체 틀 2"/>
+          <p:cNvSpPr>
+            <a:spLocks noGrp="1"/>
+          </p:cNvSpPr>
+          <p:nvPr>
+            <p:ph idx="1"/>
+          </p:nvPr>
+        </p:nvSpPr>
+        <p:spPr>
+          <a:xfrm>
+            <a:off x="395416" y="1085303"/>
+            <a:ext cx="11491784" cy="5251561"/>
+          </a:xfrm>
+        </p:spPr>
+        <p:txBody>
+          <a:bodyPr/>
+          <a:lstStyle/>
+          <a:p>
+            <a:pPr latinLnBrk="0">
+              <a:lnSpc>
+                <a:spcPct val="200000"/>
+              </a:lnSpc>
+              <a:spcBef>
+                <a:spcPts val="0"/>
+              </a:spcBef>
+            </a:pPr>
+            <a:r>
+              <a:rPr kumimoji="1" lang="en-US" altLang="ko-KR" dirty="0" smtClean="0"/>
+              <a:t>This time, we will use ResNet-18 as a feature extractor.</a:t>
+            </a:r>
+          </a:p>
+          <a:p>
+            <a:pPr lvl="1" latinLnBrk="0">
+              <a:lnSpc>
+                <a:spcPct val="200000"/>
+              </a:lnSpc>
+              <a:spcBef>
+                <a:spcPts val="0"/>
+              </a:spcBef>
+            </a:pPr>
+            <a:r>
+              <a:rPr kumimoji="1" lang="en-US" altLang="ko-KR" dirty="0" smtClean="0"/>
+              <a:t>Not fine-tuning existing model, we freeze the ResNet-18 except the last layer..</a:t>
+            </a:r>
+          </a:p>
+          <a:p>
+            <a:pPr lvl="1" latinLnBrk="0">
+              <a:lnSpc>
+                <a:spcPct val="200000"/>
+              </a:lnSpc>
+              <a:spcBef>
+                <a:spcPts val="0"/>
+              </a:spcBef>
+            </a:pPr>
+            <a:r>
+              <a:rPr kumimoji="1" lang="en-US" altLang="ko-KR" dirty="0" smtClean="0"/>
+              <a:t>The pre-trained model only act as a feature extractor.</a:t>
+            </a:r>
+          </a:p>
+          <a:p>
+            <a:pPr lvl="1" latinLnBrk="0">
+              <a:lnSpc>
+                <a:spcPct val="200000"/>
+              </a:lnSpc>
+              <a:spcBef>
+                <a:spcPts val="0"/>
+              </a:spcBef>
+            </a:pPr>
+            <a:r>
+              <a:rPr kumimoji="1" lang="en-US" altLang="ko-KR" dirty="0" smtClean="0"/>
+              <a:t>The last layer (fully-connected layer) is the only layer to be trained.</a:t>
+            </a:r>
+            <a:endParaRPr kumimoji="1" lang="en-US" altLang="ko-KR" dirty="0" smtClean="0"/>
+          </a:p>
+          <a:p>
+            <a:pPr lvl="1" latinLnBrk="0">
+              <a:lnSpc>
+                <a:spcPct val="200000"/>
+              </a:lnSpc>
+              <a:spcBef>
+                <a:spcPts val="0"/>
+              </a:spcBef>
+            </a:pPr>
+            <a:endParaRPr kumimoji="1" lang="ko-KR" altLang="en-US" dirty="0"/>
+          </a:p>
+        </p:txBody>
+      </p:sp>
+      <p:cxnSp>
+        <p:nvCxnSpPr>
+          <p:cNvPr id="5" name="직선 연결선[R] 4"/>
+          <p:cNvCxnSpPr/>
+          <p:nvPr/>
+        </p:nvCxnSpPr>
+        <p:spPr>
+          <a:xfrm flipV="1">
+            <a:off x="395416" y="827904"/>
+            <a:ext cx="11491784" cy="12356"/>
+          </a:xfrm>
+          <a:prstGeom prst="line">
+            <a:avLst/>
+          </a:prstGeom>
+        </p:spPr>
+        <p:style>
+          <a:lnRef idx="1">
+            <a:schemeClr val="accent1"/>
+          </a:lnRef>
+          <a:fillRef idx="0">
+            <a:schemeClr val="accent1"/>
+          </a:fillRef>
+          <a:effectRef idx="0">
+            <a:schemeClr val="accent1"/>
+          </a:effectRef>
+          <a:fontRef idx="minor">
+            <a:schemeClr val="tx1"/>
+          </a:fontRef>
+        </p:style>
+      </p:cxnSp>
+      <p:pic>
+        <p:nvPicPr>
+          <p:cNvPr id="7" name="그림 6"/>
+          <p:cNvPicPr>
+            <a:picLocks noChangeAspect="1"/>
+          </p:cNvPicPr>
+          <p:nvPr/>
+        </p:nvPicPr>
+        <p:blipFill>
+          <a:blip r:embed="rId3">
+            <a:extLst>
+              <a:ext uri="{28A0092B-C50C-407E-A947-70E740481C1C}">
+                <a14:useLocalDpi xmlns:a14="http://schemas.microsoft.com/office/drawing/2010/main" val="0"/>
+              </a:ext>
+            </a:extLst>
+          </a:blip>
+          <a:stretch>
+            <a:fillRect/>
+          </a:stretch>
+        </p:blipFill>
+        <p:spPr>
+          <a:xfrm>
+            <a:off x="180638" y="6044658"/>
+            <a:ext cx="1105336" cy="667536"/>
+          </a:xfrm>
+          <a:prstGeom prst="rect">
+            <a:avLst/>
+          </a:prstGeom>
+        </p:spPr>
+      </p:pic>
+      <p:sp>
+        <p:nvSpPr>
+          <p:cNvPr id="9" name="바닥글 개체 틀 8"/>
+          <p:cNvSpPr>
+            <a:spLocks noGrp="1"/>
+          </p:cNvSpPr>
+          <p:nvPr>
+            <p:ph type="ftr" sz="quarter" idx="11"/>
+          </p:nvPr>
+        </p:nvSpPr>
+        <p:spPr/>
+        <p:txBody>
+          <a:bodyPr/>
+          <a:lstStyle/>
+          <a:p>
+            <a:r>
+              <a:rPr kumimoji="1" lang="en-US" altLang="ko-KR" smtClean="0"/>
+              <a:t>SKT AI Course: Deep Learning Basics by Heung-Il Suk</a:t>
+            </a:r>
+            <a:endParaRPr kumimoji="1" lang="ko-KR" altLang="en-US"/>
+          </a:p>
+        </p:txBody>
+      </p:sp>
+      <p:sp>
+        <p:nvSpPr>
+          <p:cNvPr id="10" name="슬라이드 번호 개체 틀 9"/>
+          <p:cNvSpPr>
+            <a:spLocks noGrp="1"/>
+          </p:cNvSpPr>
+          <p:nvPr>
+            <p:ph type="sldNum" sz="quarter" idx="12"/>
+          </p:nvPr>
+        </p:nvSpPr>
+        <p:spPr/>
+        <p:txBody>
+          <a:bodyPr/>
+          <a:lstStyle/>
+          <a:p>
+            <a:fld id="{E3E75774-3282-1C4A-9118-50EA78BFB2AA}" type="slidenum">
+              <a:rPr kumimoji="1" lang="ko-KR" altLang="en-US" smtClean="0"/>
+              <a:t>16</a:t>
+            </a:fld>
+            <a:endParaRPr kumimoji="1" lang="ko-KR" altLang="en-US"/>
+          </a:p>
+        </p:txBody>
+      </p:sp>
+    </p:spTree>
+    <p:extLst>
+      <p:ext uri="{BB962C8B-B14F-4D97-AF65-F5344CB8AC3E}">
+        <p14:creationId xmlns:p14="http://schemas.microsoft.com/office/powerpoint/2010/main" val="3284031"/>
+      </p:ext>
+    </p:extLst>
+  </p:cSld>
+  <p:clrMapOvr>
+    <a:masterClrMapping/>
+  </p:clrMapOvr>
+  <p:timing>
+    <p:tnLst>
+      <p:par>
+        <p:cTn id="1" dur="indefinite" restart="never" nodeType="tmRoot"/>
+      </p:par>
+    </p:tnLst>
+  </p:timing>
+</p:sld>
+</file>
+
+<file path=ppt/slides/slide17.xml><?xml version="1.0" encoding="utf-8"?>
+<p:sld xmlns:a="http://schemas.openxmlformats.org/drawingml/2006/main" xmlns:r="http://schemas.openxmlformats.org/officeDocument/2006/relationships" xmlns:p="http://schemas.openxmlformats.org/presentationml/2006/main">
+  <p:cSld>
+    <p:spTree>
+      <p:nvGrpSpPr>
+        <p:cNvPr id="1" name=""/>
+        <p:cNvGrpSpPr/>
+        <p:nvPr/>
+      </p:nvGrpSpPr>
+      <p:grpSpPr>
+        <a:xfrm>
+          <a:off x="0" y="0"/>
+          <a:ext cx="0" cy="0"/>
+          <a:chOff x="0" y="0"/>
+          <a:chExt cx="0" cy="0"/>
+        </a:xfrm>
+      </p:grpSpPr>
+      <p:sp>
+        <p:nvSpPr>
+          <p:cNvPr id="2" name="제목 1"/>
+          <p:cNvSpPr>
+            <a:spLocks noGrp="1"/>
+          </p:cNvSpPr>
+          <p:nvPr>
+            <p:ph type="title"/>
+          </p:nvPr>
+        </p:nvSpPr>
+        <p:spPr>
+          <a:xfrm>
+            <a:off x="395416" y="84696"/>
+            <a:ext cx="10515600" cy="743208"/>
+          </a:xfrm>
+        </p:spPr>
+        <p:txBody>
+          <a:bodyPr>
+            <a:normAutofit/>
+          </a:bodyPr>
+          <a:lstStyle/>
+          <a:p>
+            <a:r>
+              <a:rPr kumimoji="1" lang="en-US" altLang="ko-KR" sz="3600" b="1" dirty="0" smtClean="0">
+                <a:solidFill>
+                  <a:srgbClr val="1E3DB4"/>
+                </a:solidFill>
+              </a:rPr>
+              <a:t>Task </a:t>
+            </a:r>
+            <a:r>
+              <a:rPr kumimoji="1" lang="en-US" altLang="ko-KR" sz="3600" b="1" dirty="0" smtClean="0">
+                <a:solidFill>
+                  <a:srgbClr val="1E3DB4"/>
+                </a:solidFill>
+              </a:rPr>
+              <a:t>#4 </a:t>
+            </a:r>
+            <a:r>
+              <a:rPr kumimoji="1" lang="en-US" altLang="ko-KR" sz="3600" b="1" dirty="0" err="1" smtClean="0">
+                <a:solidFill>
+                  <a:srgbClr val="1E3DB4"/>
+                </a:solidFill>
+              </a:rPr>
+              <a:t>feature_extractor.py</a:t>
+            </a:r>
+            <a:endParaRPr kumimoji="1" lang="ko-KR" altLang="en-US" sz="3600" dirty="0"/>
+          </a:p>
+        </p:txBody>
+      </p:sp>
+      <p:sp>
+        <p:nvSpPr>
+          <p:cNvPr id="3" name="내용 개체 틀 2"/>
+          <p:cNvSpPr>
+            <a:spLocks noGrp="1"/>
+          </p:cNvSpPr>
+          <p:nvPr>
+            <p:ph idx="1"/>
+          </p:nvPr>
+        </p:nvSpPr>
+        <p:spPr>
+          <a:xfrm>
+            <a:off x="395416" y="912129"/>
+            <a:ext cx="11491784" cy="772929"/>
+          </a:xfrm>
+        </p:spPr>
+        <p:txBody>
+          <a:bodyPr>
+            <a:noAutofit/>
+          </a:bodyPr>
+          <a:lstStyle/>
+          <a:p>
+            <a:r>
+              <a:rPr kumimoji="1" lang="en-US" altLang="ko-KR" sz="2400" dirty="0" smtClean="0"/>
+              <a:t>If </a:t>
+            </a:r>
+            <a:r>
+              <a:rPr kumimoji="1" lang="en-US" altLang="ko-KR" sz="2400" b="1" i="1" dirty="0" err="1" smtClean="0"/>
+              <a:t>requires_grad</a:t>
+            </a:r>
+            <a:r>
+              <a:rPr kumimoji="1" lang="en-US" altLang="ko-KR" sz="2400" b="1" i="1" dirty="0" smtClean="0"/>
+              <a:t> = False </a:t>
+            </a:r>
+            <a:r>
+              <a:rPr kumimoji="1" lang="en-US" altLang="ko-KR" sz="2400" dirty="0" smtClean="0"/>
+              <a:t>for a certain parameter, the parameter is not affected during backpropagation.</a:t>
+            </a:r>
+          </a:p>
+          <a:p>
+            <a:r>
+              <a:rPr kumimoji="1" lang="en-US" altLang="ko-KR" sz="2400" dirty="0" smtClean="0"/>
+              <a:t>You can see the parameters of the model through </a:t>
+            </a:r>
+            <a:r>
+              <a:rPr kumimoji="1" lang="en-US" altLang="ko-KR" sz="2400" b="1" i="1" dirty="0" err="1" smtClean="0"/>
+              <a:t>model.parameters</a:t>
+            </a:r>
+            <a:r>
+              <a:rPr kumimoji="1" lang="en-US" altLang="ko-KR" sz="2400" b="1" i="1" dirty="0" smtClean="0"/>
+              <a:t>()</a:t>
+            </a:r>
+            <a:endParaRPr lang="pl-PL" altLang="ko-KR" sz="2400" b="1" i="1" dirty="0" smtClean="0"/>
+          </a:p>
+        </p:txBody>
+      </p:sp>
+      <p:cxnSp>
+        <p:nvCxnSpPr>
+          <p:cNvPr id="5" name="직선 연결선[R] 4"/>
+          <p:cNvCxnSpPr/>
+          <p:nvPr/>
+        </p:nvCxnSpPr>
+        <p:spPr>
+          <a:xfrm flipV="1">
+            <a:off x="395416" y="827904"/>
+            <a:ext cx="11491784" cy="12356"/>
+          </a:xfrm>
+          <a:prstGeom prst="line">
+            <a:avLst/>
+          </a:prstGeom>
+        </p:spPr>
+        <p:style>
+          <a:lnRef idx="1">
+            <a:schemeClr val="accent1"/>
+          </a:lnRef>
+          <a:fillRef idx="0">
+            <a:schemeClr val="accent1"/>
+          </a:fillRef>
+          <a:effectRef idx="0">
+            <a:schemeClr val="accent1"/>
+          </a:effectRef>
+          <a:fontRef idx="minor">
+            <a:schemeClr val="tx1"/>
+          </a:fontRef>
+        </p:style>
+      </p:cxnSp>
+      <p:pic>
+        <p:nvPicPr>
+          <p:cNvPr id="7" name="그림 6"/>
+          <p:cNvPicPr>
+            <a:picLocks noChangeAspect="1"/>
+          </p:cNvPicPr>
+          <p:nvPr/>
+        </p:nvPicPr>
+        <p:blipFill>
+          <a:blip r:embed="rId3">
+            <a:extLst>
+              <a:ext uri="{28A0092B-C50C-407E-A947-70E740481C1C}">
+                <a14:useLocalDpi xmlns:a14="http://schemas.microsoft.com/office/drawing/2010/main" val="0"/>
+              </a:ext>
+            </a:extLst>
+          </a:blip>
+          <a:stretch>
+            <a:fillRect/>
+          </a:stretch>
+        </p:blipFill>
+        <p:spPr>
+          <a:xfrm>
+            <a:off x="180638" y="6044658"/>
+            <a:ext cx="1105336" cy="667536"/>
+          </a:xfrm>
+          <a:prstGeom prst="rect">
+            <a:avLst/>
+          </a:prstGeom>
+        </p:spPr>
+      </p:pic>
+      <p:sp>
+        <p:nvSpPr>
+          <p:cNvPr id="9" name="바닥글 개체 틀 8"/>
+          <p:cNvSpPr>
+            <a:spLocks noGrp="1"/>
+          </p:cNvSpPr>
+          <p:nvPr>
+            <p:ph type="ftr" sz="quarter" idx="11"/>
+          </p:nvPr>
+        </p:nvSpPr>
+        <p:spPr/>
+        <p:txBody>
+          <a:bodyPr/>
+          <a:lstStyle/>
+          <a:p>
+            <a:r>
+              <a:rPr kumimoji="1" lang="en-US" altLang="ko-KR" smtClean="0"/>
+              <a:t>SKT AI Course: Deep Learning Basics by Heung-Il Suk</a:t>
+            </a:r>
+            <a:endParaRPr kumimoji="1" lang="ko-KR" altLang="en-US"/>
+          </a:p>
+        </p:txBody>
+      </p:sp>
+      <p:sp>
+        <p:nvSpPr>
+          <p:cNvPr id="10" name="슬라이드 번호 개체 틀 9"/>
+          <p:cNvSpPr>
+            <a:spLocks noGrp="1"/>
+          </p:cNvSpPr>
+          <p:nvPr>
+            <p:ph type="sldNum" sz="quarter" idx="12"/>
+          </p:nvPr>
+        </p:nvSpPr>
+        <p:spPr/>
+        <p:txBody>
+          <a:bodyPr/>
+          <a:lstStyle/>
+          <a:p>
+            <a:fld id="{E3E75774-3282-1C4A-9118-50EA78BFB2AA}" type="slidenum">
+              <a:rPr kumimoji="1" lang="ko-KR" altLang="en-US" smtClean="0"/>
+              <a:t>17</a:t>
+            </a:fld>
+            <a:endParaRPr kumimoji="1" lang="ko-KR" altLang="en-US"/>
+          </a:p>
+        </p:txBody>
+      </p:sp>
+      <mc:AlternateContent xmlns:mc="http://schemas.openxmlformats.org/markup-compatibility/2006">
+        <mc:Choice xmlns:we="http://schemas.microsoft.com/office/webextensions/webextension/2010/11" xmlns:pca="http://schemas.microsoft.com/office/powerpoint/2013/contentapp" Requires="we pca">
+          <p:graphicFrame>
+            <p:nvGraphicFramePr>
+              <p:cNvPr id="4" name="추가 기능 3" title="Code Presenter Pro"/>
+              <p:cNvGraphicFramePr>
+                <a:graphicFrameLocks noGrp="1"/>
+              </p:cNvGraphicFramePr>
+              <p:nvPr>
+                <p:extLst>
+                  <p:ext uri="{D42A27DB-BD31-4B8C-83A1-F6EECF244321}">
+                    <p14:modId xmlns:p14="http://schemas.microsoft.com/office/powerpoint/2010/main" val="1024169226"/>
+                  </p:ext>
+                </p:extLst>
+              </p:nvPr>
+            </p:nvGraphicFramePr>
+            <p:xfrm>
+              <a:off x="395416" y="2244529"/>
+              <a:ext cx="11491784" cy="4320044"/>
+            </p:xfrm>
+            <a:graphic>
+              <a:graphicData uri="http://schemas.microsoft.com/office/webextensions/webextension/2010/11">
+                <we:webextensionref xmlns:we="http://schemas.microsoft.com/office/webextensions/webextension/2010/11" xmlns:r="http://schemas.openxmlformats.org/officeDocument/2006/relationships" r:id="rId4"/>
+              </a:graphicData>
+            </a:graphic>
+          </p:graphicFrame>
+        </mc:Choice>
+        <mc:Fallback>
+          <p:pic>
+            <p:nvPicPr>
+              <p:cNvPr id="4" name="추가 기능 3" title="Code Presenter Pro"/>
+              <p:cNvPicPr>
+                <a:picLocks noGrp="1" noRot="1" noChangeAspect="1" noMove="1" noResize="1" noEditPoints="1" noAdjustHandles="1" noChangeArrowheads="1" noChangeShapeType="1"/>
+              </p:cNvPicPr>
+              <p:nvPr/>
+            </p:nvPicPr>
+            <p:blipFill>
+              <a:blip r:embed="rId5"/>
+              <a:stretch>
+                <a:fillRect/>
+              </a:stretch>
+            </p:blipFill>
+            <p:spPr>
+              <a:xfrm>
+                <a:off x="395416" y="2244529"/>
+                <a:ext cx="11491784" cy="4320044"/>
+              </a:xfrm>
+              <a:prstGeom prst="rect">
+                <a:avLst/>
+              </a:prstGeom>
+            </p:spPr>
+          </p:pic>
+        </mc:Fallback>
+      </mc:AlternateContent>
+    </p:spTree>
+    <p:extLst>
+      <p:ext uri="{BB962C8B-B14F-4D97-AF65-F5344CB8AC3E}">
+        <p14:creationId xmlns:p14="http://schemas.microsoft.com/office/powerpoint/2010/main" val="362315157"/>
+      </p:ext>
+    </p:extLst>
+  </p:cSld>
+  <p:clrMapOvr>
+    <a:masterClrMapping/>
+  </p:clrMapOvr>
+  <p:timing>
+    <p:tnLst>
+      <p:par>
+        <p:cTn id="1" dur="indefinite" restart="never" nodeType="tmRoot"/>
+      </p:par>
+    </p:tnLst>
+  </p:timing>
+</p:sld>
+</file>
+
+<file path=ppt/slides/slide18.xml><?xml version="1.0" encoding="utf-8"?>
+<p:sld xmlns:a="http://schemas.openxmlformats.org/drawingml/2006/main" xmlns:r="http://schemas.openxmlformats.org/officeDocument/2006/relationships" xmlns:p="http://schemas.openxmlformats.org/presentationml/2006/main">
+  <p:cSld>
+    <p:spTree>
+      <p:nvGrpSpPr>
+        <p:cNvPr id="1" name=""/>
+        <p:cNvGrpSpPr/>
+        <p:nvPr/>
+      </p:nvGrpSpPr>
+      <p:grpSpPr>
+        <a:xfrm>
+          <a:off x="0" y="0"/>
+          <a:ext cx="0" cy="0"/>
+          <a:chOff x="0" y="0"/>
+          <a:chExt cx="0" cy="0"/>
+        </a:xfrm>
+      </p:grpSpPr>
+      <p:sp>
+        <p:nvSpPr>
+          <p:cNvPr id="2" name="제목 1"/>
+          <p:cNvSpPr>
+            <a:spLocks noGrp="1"/>
+          </p:cNvSpPr>
+          <p:nvPr>
+            <p:ph type="title"/>
+          </p:nvPr>
+        </p:nvSpPr>
+        <p:spPr>
+          <a:xfrm>
+            <a:off x="395416" y="84696"/>
+            <a:ext cx="10515600" cy="743208"/>
+          </a:xfrm>
+        </p:spPr>
+        <p:txBody>
+          <a:bodyPr>
+            <a:normAutofit/>
+          </a:bodyPr>
+          <a:lstStyle/>
+          <a:p>
+            <a:r>
+              <a:rPr kumimoji="1" lang="en-US" altLang="ko-KR" sz="3600" b="1" dirty="0" smtClean="0">
+                <a:solidFill>
+                  <a:srgbClr val="1E3DB4"/>
+                </a:solidFill>
+              </a:rPr>
+              <a:t>Answer</a:t>
+            </a:r>
+            <a:endParaRPr kumimoji="1" lang="ko-KR" altLang="en-US" sz="3600" dirty="0"/>
+          </a:p>
+        </p:txBody>
+      </p:sp>
+      <p:cxnSp>
+        <p:nvCxnSpPr>
+          <p:cNvPr id="5" name="직선 연결선[R] 4"/>
+          <p:cNvCxnSpPr/>
+          <p:nvPr/>
+        </p:nvCxnSpPr>
+        <p:spPr>
+          <a:xfrm flipV="1">
+            <a:off x="395416" y="827904"/>
+            <a:ext cx="11491784" cy="12356"/>
+          </a:xfrm>
+          <a:prstGeom prst="line">
+            <a:avLst/>
+          </a:prstGeom>
+        </p:spPr>
+        <p:style>
+          <a:lnRef idx="1">
+            <a:schemeClr val="accent1"/>
+          </a:lnRef>
+          <a:fillRef idx="0">
+            <a:schemeClr val="accent1"/>
+          </a:fillRef>
+          <a:effectRef idx="0">
+            <a:schemeClr val="accent1"/>
+          </a:effectRef>
+          <a:fontRef idx="minor">
+            <a:schemeClr val="tx1"/>
+          </a:fontRef>
+        </p:style>
+      </p:cxnSp>
+      <p:pic>
+        <p:nvPicPr>
+          <p:cNvPr id="7" name="그림 6"/>
+          <p:cNvPicPr>
+            <a:picLocks noChangeAspect="1"/>
+          </p:cNvPicPr>
+          <p:nvPr/>
+        </p:nvPicPr>
+        <p:blipFill>
+          <a:blip r:embed="rId3">
+            <a:extLst>
+              <a:ext uri="{28A0092B-C50C-407E-A947-70E740481C1C}">
+                <a14:useLocalDpi xmlns:a14="http://schemas.microsoft.com/office/drawing/2010/main" val="0"/>
+              </a:ext>
+            </a:extLst>
+          </a:blip>
+          <a:stretch>
+            <a:fillRect/>
+          </a:stretch>
+        </p:blipFill>
+        <p:spPr>
+          <a:xfrm>
+            <a:off x="180638" y="6044658"/>
+            <a:ext cx="1105336" cy="667536"/>
+          </a:xfrm>
+          <a:prstGeom prst="rect">
+            <a:avLst/>
+          </a:prstGeom>
+        </p:spPr>
+      </p:pic>
+      <p:sp>
+        <p:nvSpPr>
+          <p:cNvPr id="9" name="바닥글 개체 틀 8"/>
+          <p:cNvSpPr>
+            <a:spLocks noGrp="1"/>
+          </p:cNvSpPr>
+          <p:nvPr>
+            <p:ph type="ftr" sz="quarter" idx="11"/>
+          </p:nvPr>
+        </p:nvSpPr>
+        <p:spPr/>
+        <p:txBody>
+          <a:bodyPr/>
+          <a:lstStyle/>
+          <a:p>
+            <a:r>
+              <a:rPr kumimoji="1" lang="en-US" altLang="ko-KR" smtClean="0"/>
+              <a:t>SKT AI Course: Deep Learning Basics by Heung-Il Suk</a:t>
+            </a:r>
+            <a:endParaRPr kumimoji="1" lang="ko-KR" altLang="en-US"/>
+          </a:p>
+        </p:txBody>
+      </p:sp>
+      <p:sp>
+        <p:nvSpPr>
+          <p:cNvPr id="10" name="슬라이드 번호 개체 틀 9"/>
+          <p:cNvSpPr>
+            <a:spLocks noGrp="1"/>
+          </p:cNvSpPr>
+          <p:nvPr>
+            <p:ph type="sldNum" sz="quarter" idx="12"/>
+          </p:nvPr>
+        </p:nvSpPr>
+        <p:spPr/>
+        <p:txBody>
+          <a:bodyPr/>
+          <a:lstStyle/>
+          <a:p>
+            <a:fld id="{E3E75774-3282-1C4A-9118-50EA78BFB2AA}" type="slidenum">
+              <a:rPr kumimoji="1" lang="ko-KR" altLang="en-US" smtClean="0"/>
+              <a:t>18</a:t>
+            </a:fld>
+            <a:endParaRPr kumimoji="1" lang="ko-KR" altLang="en-US"/>
+          </a:p>
+        </p:txBody>
+      </p:sp>
+      <mc:AlternateContent xmlns:mc="http://schemas.openxmlformats.org/markup-compatibility/2006">
+        <mc:Choice xmlns:we="http://schemas.microsoft.com/office/webextensions/webextension/2010/11" xmlns:pca="http://schemas.microsoft.com/office/powerpoint/2013/contentapp" Requires="we pca">
+          <p:graphicFrame>
+            <p:nvGraphicFramePr>
+              <p:cNvPr id="4" name="추가 기능 3" title="Code Presenter Pro"/>
+              <p:cNvGraphicFramePr>
+                <a:graphicFrameLocks noGrp="1"/>
+              </p:cNvGraphicFramePr>
+              <p:nvPr>
+                <p:extLst/>
+              </p:nvPr>
+            </p:nvGraphicFramePr>
+            <p:xfrm>
+              <a:off x="395416" y="1029878"/>
+              <a:ext cx="11491784" cy="5027136"/>
+            </p:xfrm>
+            <a:graphic>
+              <a:graphicData uri="http://schemas.microsoft.com/office/webextensions/webextension/2010/11">
+                <we:webextensionref xmlns:we="http://schemas.microsoft.com/office/webextensions/webextension/2010/11" xmlns:r="http://schemas.openxmlformats.org/officeDocument/2006/relationships" r:id="rId4"/>
+              </a:graphicData>
+            </a:graphic>
+          </p:graphicFrame>
+        </mc:Choice>
+        <mc:Fallback>
+          <p:pic>
+            <p:nvPicPr>
+              <p:cNvPr id="4" name="추가 기능 3" title="Code Presenter Pro"/>
+              <p:cNvPicPr>
+                <a:picLocks noGrp="1" noRot="1" noChangeAspect="1" noMove="1" noResize="1" noEditPoints="1" noAdjustHandles="1" noChangeArrowheads="1" noChangeShapeType="1"/>
+              </p:cNvPicPr>
+              <p:nvPr/>
+            </p:nvPicPr>
+            <p:blipFill>
+              <a:blip r:embed="rId5"/>
+              <a:stretch>
+                <a:fillRect/>
+              </a:stretch>
+            </p:blipFill>
+            <p:spPr>
+              <a:xfrm>
+                <a:off x="395416" y="1029878"/>
+                <a:ext cx="11491784" cy="5027136"/>
+              </a:xfrm>
+              <a:prstGeom prst="rect">
+                <a:avLst/>
+              </a:prstGeom>
+            </p:spPr>
+          </p:pic>
+        </mc:Fallback>
+      </mc:AlternateContent>
+    </p:spTree>
+    <p:extLst>
+      <p:ext uri="{BB962C8B-B14F-4D97-AF65-F5344CB8AC3E}">
+        <p14:creationId xmlns:p14="http://schemas.microsoft.com/office/powerpoint/2010/main" val="778514395"/>
+      </p:ext>
+    </p:extLst>
+  </p:cSld>
+  <p:clrMapOvr>
+    <a:masterClrMapping/>
+  </p:clrMapOvr>
+  <p:timing>
+    <p:tnLst>
+      <p:par>
+        <p:cTn id="1" dur="indefinite" restart="never" nodeType="tmRoot"/>
+      </p:par>
+    </p:tnLst>
+  </p:timing>
+</p:sld>
+</file>
+
+<file path=ppt/slides/slide19.xml><?xml version="1.0" encoding="utf-8"?>
+<p:sld xmlns:a="http://schemas.openxmlformats.org/drawingml/2006/main" xmlns:r="http://schemas.openxmlformats.org/officeDocument/2006/relationships" xmlns:p="http://schemas.openxmlformats.org/presentationml/2006/main">
+  <p:cSld>
+    <p:spTree>
+      <p:nvGrpSpPr>
+        <p:cNvPr id="1" name=""/>
+        <p:cNvGrpSpPr/>
+        <p:nvPr/>
+      </p:nvGrpSpPr>
+      <p:grpSpPr>
+        <a:xfrm>
+          <a:off x="0" y="0"/>
+          <a:ext cx="0" cy="0"/>
+          <a:chOff x="0" y="0"/>
+          <a:chExt cx="0" cy="0"/>
+        </a:xfrm>
+      </p:grpSpPr>
+      <p:sp>
+        <p:nvSpPr>
+          <p:cNvPr id="2" name="제목 1"/>
+          <p:cNvSpPr>
+            <a:spLocks noGrp="1"/>
+          </p:cNvSpPr>
+          <p:nvPr>
+            <p:ph type="title"/>
+          </p:nvPr>
+        </p:nvSpPr>
+        <p:spPr>
+          <a:xfrm>
+            <a:off x="395416" y="84696"/>
+            <a:ext cx="10515600" cy="743208"/>
+          </a:xfrm>
+        </p:spPr>
+        <p:txBody>
+          <a:bodyPr>
+            <a:normAutofit/>
+          </a:bodyPr>
+          <a:lstStyle/>
+          <a:p>
+            <a:r>
+              <a:rPr kumimoji="1" lang="en-US" altLang="ko-KR" sz="3600" b="1" dirty="0" smtClean="0">
+                <a:solidFill>
+                  <a:srgbClr val="1E3DB4"/>
+                </a:solidFill>
+              </a:rPr>
+              <a:t>Training the last layer</a:t>
+            </a:r>
+            <a:endParaRPr kumimoji="1" lang="ko-KR" altLang="en-US" sz="3600" dirty="0"/>
+          </a:p>
+        </p:txBody>
+      </p:sp>
+      <p:sp>
+        <p:nvSpPr>
+          <p:cNvPr id="3" name="내용 개체 틀 2"/>
+          <p:cNvSpPr>
+            <a:spLocks noGrp="1"/>
+          </p:cNvSpPr>
+          <p:nvPr>
+            <p:ph idx="1"/>
+          </p:nvPr>
+        </p:nvSpPr>
+        <p:spPr>
+          <a:xfrm>
+            <a:off x="395416" y="1085303"/>
+            <a:ext cx="11491784" cy="5251561"/>
+          </a:xfrm>
+        </p:spPr>
+        <p:txBody>
+          <a:bodyPr/>
+          <a:lstStyle/>
+          <a:p>
+            <a:pPr latinLnBrk="0">
+              <a:lnSpc>
+                <a:spcPct val="150000"/>
+              </a:lnSpc>
+              <a:spcBef>
+                <a:spcPts val="0"/>
+              </a:spcBef>
+            </a:pPr>
+            <a:r>
+              <a:rPr kumimoji="1" lang="en-US" altLang="ko-KR" dirty="0"/>
+              <a:t>Comment </a:t>
+            </a:r>
+          </a:p>
+          <a:p>
+            <a:pPr lvl="1" latinLnBrk="0">
+              <a:lnSpc>
+                <a:spcPct val="150000"/>
+              </a:lnSpc>
+              <a:spcBef>
+                <a:spcPts val="0"/>
+              </a:spcBef>
+            </a:pPr>
+            <a:r>
+              <a:rPr kumimoji="1" lang="en-US" altLang="ko-KR" dirty="0"/>
+              <a:t> #</a:t>
+            </a:r>
+            <a:r>
+              <a:rPr kumimoji="1" lang="en-US" altLang="ko-KR" dirty="0" err="1"/>
+              <a:t>finetuning</a:t>
+            </a:r>
+            <a:r>
+              <a:rPr kumimoji="1" lang="en-US" altLang="ko-KR" dirty="0" smtClean="0"/>
+              <a:t>()</a:t>
+            </a:r>
+          </a:p>
+          <a:p>
+            <a:pPr lvl="1" latinLnBrk="0">
+              <a:lnSpc>
+                <a:spcPct val="150000"/>
+              </a:lnSpc>
+              <a:spcBef>
+                <a:spcPts val="0"/>
+              </a:spcBef>
+            </a:pPr>
+            <a:endParaRPr kumimoji="1" lang="en-US" altLang="ko-KR" dirty="0"/>
+          </a:p>
+          <a:p>
+            <a:pPr latinLnBrk="0">
+              <a:lnSpc>
+                <a:spcPct val="150000"/>
+              </a:lnSpc>
+              <a:spcBef>
+                <a:spcPts val="0"/>
+              </a:spcBef>
+            </a:pPr>
+            <a:r>
+              <a:rPr kumimoji="1" lang="en-US" altLang="ko-KR" dirty="0" smtClean="0"/>
+              <a:t>Run </a:t>
+            </a:r>
+            <a:r>
+              <a:rPr kumimoji="1" lang="en-US" altLang="ko-KR" dirty="0" err="1" smtClean="0"/>
+              <a:t>main.py</a:t>
+            </a:r>
+            <a:endParaRPr kumimoji="1" lang="en-US" altLang="ko-KR" dirty="0" smtClean="0"/>
+          </a:p>
+          <a:p>
+            <a:pPr latinLnBrk="0">
+              <a:lnSpc>
+                <a:spcPct val="150000"/>
+              </a:lnSpc>
+              <a:spcBef>
+                <a:spcPts val="0"/>
+              </a:spcBef>
+            </a:pPr>
+            <a:endParaRPr kumimoji="1" lang="en-US" altLang="ko-KR" dirty="0"/>
+          </a:p>
+          <a:p>
+            <a:pPr latinLnBrk="0">
+              <a:lnSpc>
+                <a:spcPct val="150000"/>
+              </a:lnSpc>
+              <a:spcBef>
+                <a:spcPts val="0"/>
+              </a:spcBef>
+            </a:pPr>
+            <a:r>
+              <a:rPr kumimoji="1" lang="en-US" altLang="ko-KR" dirty="0"/>
+              <a:t>Check the model predict well on new tasks (Bee / Ant Classification)</a:t>
+            </a:r>
+            <a:endParaRPr kumimoji="1" lang="ko-KR" altLang="en-US" dirty="0"/>
+          </a:p>
+        </p:txBody>
+      </p:sp>
+      <p:cxnSp>
+        <p:nvCxnSpPr>
+          <p:cNvPr id="5" name="직선 연결선[R] 4"/>
+          <p:cNvCxnSpPr/>
+          <p:nvPr/>
+        </p:nvCxnSpPr>
+        <p:spPr>
+          <a:xfrm flipV="1">
+            <a:off x="395416" y="827904"/>
+            <a:ext cx="11491784" cy="12356"/>
+          </a:xfrm>
+          <a:prstGeom prst="line">
+            <a:avLst/>
+          </a:prstGeom>
+        </p:spPr>
+        <p:style>
+          <a:lnRef idx="1">
+            <a:schemeClr val="accent1"/>
+          </a:lnRef>
+          <a:fillRef idx="0">
+            <a:schemeClr val="accent1"/>
+          </a:fillRef>
+          <a:effectRef idx="0">
+            <a:schemeClr val="accent1"/>
+          </a:effectRef>
+          <a:fontRef idx="minor">
+            <a:schemeClr val="tx1"/>
+          </a:fontRef>
+        </p:style>
+      </p:cxnSp>
+      <p:pic>
+        <p:nvPicPr>
+          <p:cNvPr id="7" name="그림 6"/>
+          <p:cNvPicPr>
+            <a:picLocks noChangeAspect="1"/>
+          </p:cNvPicPr>
+          <p:nvPr/>
+        </p:nvPicPr>
+        <p:blipFill>
+          <a:blip r:embed="rId3">
+            <a:extLst>
+              <a:ext uri="{28A0092B-C50C-407E-A947-70E740481C1C}">
+                <a14:useLocalDpi xmlns:a14="http://schemas.microsoft.com/office/drawing/2010/main" val="0"/>
+              </a:ext>
+            </a:extLst>
+          </a:blip>
+          <a:stretch>
+            <a:fillRect/>
+          </a:stretch>
+        </p:blipFill>
+        <p:spPr>
+          <a:xfrm>
+            <a:off x="180638" y="6044658"/>
+            <a:ext cx="1105336" cy="667536"/>
+          </a:xfrm>
+          <a:prstGeom prst="rect">
+            <a:avLst/>
+          </a:prstGeom>
+        </p:spPr>
+      </p:pic>
+      <p:sp>
+        <p:nvSpPr>
+          <p:cNvPr id="9" name="바닥글 개체 틀 8"/>
+          <p:cNvSpPr>
+            <a:spLocks noGrp="1"/>
+          </p:cNvSpPr>
+          <p:nvPr>
+            <p:ph type="ftr" sz="quarter" idx="11"/>
+          </p:nvPr>
+        </p:nvSpPr>
+        <p:spPr/>
+        <p:txBody>
+          <a:bodyPr/>
+          <a:lstStyle/>
+          <a:p>
+            <a:r>
+              <a:rPr kumimoji="1" lang="en-US" altLang="ko-KR" smtClean="0"/>
+              <a:t>SKT AI Course: Deep Learning Basics by Heung-Il Suk</a:t>
+            </a:r>
+            <a:endParaRPr kumimoji="1" lang="ko-KR" altLang="en-US"/>
+          </a:p>
+        </p:txBody>
+      </p:sp>
+      <p:sp>
+        <p:nvSpPr>
+          <p:cNvPr id="10" name="슬라이드 번호 개체 틀 9"/>
+          <p:cNvSpPr>
+            <a:spLocks noGrp="1"/>
+          </p:cNvSpPr>
+          <p:nvPr>
+            <p:ph type="sldNum" sz="quarter" idx="12"/>
+          </p:nvPr>
+        </p:nvSpPr>
+        <p:spPr/>
+        <p:txBody>
+          <a:bodyPr/>
+          <a:lstStyle/>
+          <a:p>
+            <a:fld id="{E3E75774-3282-1C4A-9118-50EA78BFB2AA}" type="slidenum">
+              <a:rPr kumimoji="1" lang="ko-KR" altLang="en-US" smtClean="0"/>
+              <a:t>19</a:t>
+            </a:fld>
+            <a:endParaRPr kumimoji="1" lang="ko-KR" altLang="en-US"/>
+          </a:p>
+        </p:txBody>
+      </p:sp>
+    </p:spTree>
+    <p:extLst>
+      <p:ext uri="{BB962C8B-B14F-4D97-AF65-F5344CB8AC3E}">
+        <p14:creationId xmlns:p14="http://schemas.microsoft.com/office/powerpoint/2010/main" val="1616121129"/>
+      </p:ext>
+    </p:extLst>
+  </p:cSld>
+  <p:clrMapOvr>
+    <a:masterClrMapping/>
+  </p:clrMapOvr>
+  <p:timing>
+    <p:tnLst>
+      <p:par>
+        <p:cTn id="1" dur="indefinite" restart="never" nodeType="tmRoot"/>
+      </p:par>
+    </p:tnLst>
+  </p:timing>
+</p:sld>
+</file>
+
+<file path=ppt/slides/slide2.xml><?xml version="1.0" encoding="utf-8"?>
+<p:sld xmlns:a="http://schemas.openxmlformats.org/drawingml/2006/main" xmlns:r="http://schemas.openxmlformats.org/officeDocument/2006/relationships" xmlns:p="http://schemas.openxmlformats.org/presentationml/2006/main">
+  <p:cSld>
+    <p:spTree>
+      <p:nvGrpSpPr>
+        <p:cNvPr id="1" name=""/>
+        <p:cNvGrpSpPr/>
+        <p:nvPr/>
+      </p:nvGrpSpPr>
+      <p:grpSpPr>
+        <a:xfrm>
+          <a:off x="0" y="0"/>
+          <a:ext cx="0" cy="0"/>
+          <a:chOff x="0" y="0"/>
+          <a:chExt cx="0" cy="0"/>
+        </a:xfrm>
+      </p:grpSpPr>
+      <p:sp>
+        <p:nvSpPr>
+          <p:cNvPr id="2" name="제목 1"/>
+          <p:cNvSpPr>
+            <a:spLocks noGrp="1"/>
+          </p:cNvSpPr>
+          <p:nvPr>
+            <p:ph type="title"/>
+          </p:nvPr>
+        </p:nvSpPr>
+        <p:spPr>
+          <a:xfrm>
+            <a:off x="395416" y="84696"/>
+            <a:ext cx="10515600" cy="743208"/>
+          </a:xfrm>
+        </p:spPr>
+        <p:txBody>
+          <a:bodyPr>
+            <a:normAutofit/>
+          </a:bodyPr>
+          <a:lstStyle/>
+          <a:p>
+            <a:r>
+              <a:rPr kumimoji="1" lang="en-US" altLang="ko-KR" sz="3600" b="1" dirty="0" smtClean="0">
+                <a:solidFill>
+                  <a:srgbClr val="1E3DB4"/>
+                </a:solidFill>
+              </a:rPr>
+              <a:t>Contents</a:t>
+            </a:r>
+            <a:endParaRPr kumimoji="1" lang="ko-KR" altLang="en-US" sz="3600" dirty="0"/>
+          </a:p>
+        </p:txBody>
+      </p:sp>
+      <p:sp>
+        <p:nvSpPr>
+          <p:cNvPr id="3" name="내용 개체 틀 2"/>
+          <p:cNvSpPr>
+            <a:spLocks noGrp="1"/>
+          </p:cNvSpPr>
+          <p:nvPr>
+            <p:ph idx="1"/>
+          </p:nvPr>
+        </p:nvSpPr>
+        <p:spPr>
+          <a:xfrm>
+            <a:off x="395416" y="2667985"/>
+            <a:ext cx="11491784" cy="1882994"/>
+          </a:xfrm>
+        </p:spPr>
+        <p:txBody>
+          <a:bodyPr/>
+          <a:lstStyle/>
+          <a:p>
+            <a:pPr marL="514350" lvl="0" indent="-514350" latinLnBrk="0">
+              <a:lnSpc>
+                <a:spcPct val="200000"/>
+              </a:lnSpc>
+              <a:spcBef>
+                <a:spcPts val="0"/>
+              </a:spcBef>
+              <a:buFontTx/>
+              <a:buAutoNum type="arabicPeriod"/>
+            </a:pPr>
+            <a:r>
+              <a:rPr kumimoji="1" lang="en-US" altLang="ko-KR" b="1" dirty="0" smtClean="0">
+                <a:solidFill>
+                  <a:srgbClr val="222581"/>
+                </a:solidFill>
+              </a:rPr>
+              <a:t>Fine-tuning pre-trained </a:t>
+            </a:r>
+            <a:r>
+              <a:rPr kumimoji="1" lang="en-US" altLang="ko-KR" b="1" dirty="0">
+                <a:solidFill>
+                  <a:srgbClr val="222581"/>
+                </a:solidFill>
+              </a:rPr>
+              <a:t>m</a:t>
+            </a:r>
+            <a:r>
+              <a:rPr kumimoji="1" lang="en-US" altLang="ko-KR" b="1" dirty="0" smtClean="0">
+                <a:solidFill>
+                  <a:srgbClr val="222581"/>
+                </a:solidFill>
+              </a:rPr>
+              <a:t>odel</a:t>
+            </a:r>
+          </a:p>
+          <a:p>
+            <a:pPr marL="514350" lvl="0" indent="-514350" latinLnBrk="0">
+              <a:lnSpc>
+                <a:spcPct val="200000"/>
+              </a:lnSpc>
+              <a:spcBef>
+                <a:spcPts val="0"/>
+              </a:spcBef>
+              <a:buFontTx/>
+              <a:buAutoNum type="arabicPeriod"/>
+            </a:pPr>
+            <a:r>
+              <a:rPr kumimoji="1" lang="en-US" altLang="ko-KR" b="1" dirty="0" smtClean="0">
+                <a:solidFill>
+                  <a:srgbClr val="222581"/>
+                </a:solidFill>
+              </a:rPr>
+              <a:t>Pre-trained model as a feature extractor</a:t>
+            </a:r>
+          </a:p>
+        </p:txBody>
+      </p:sp>
+      <p:cxnSp>
+        <p:nvCxnSpPr>
+          <p:cNvPr id="5" name="직선 연결선[R] 4"/>
+          <p:cNvCxnSpPr/>
+          <p:nvPr/>
+        </p:nvCxnSpPr>
+        <p:spPr>
+          <a:xfrm flipV="1">
+            <a:off x="395416" y="827904"/>
+            <a:ext cx="11491784" cy="12356"/>
+          </a:xfrm>
+          <a:prstGeom prst="line">
+            <a:avLst/>
+          </a:prstGeom>
+        </p:spPr>
+        <p:style>
+          <a:lnRef idx="1">
+            <a:schemeClr val="accent1"/>
+          </a:lnRef>
+          <a:fillRef idx="0">
+            <a:schemeClr val="accent1"/>
+          </a:fillRef>
+          <a:effectRef idx="0">
+            <a:schemeClr val="accent1"/>
+          </a:effectRef>
+          <a:fontRef idx="minor">
+            <a:schemeClr val="tx1"/>
+          </a:fontRef>
+        </p:style>
+      </p:cxnSp>
+      <p:pic>
+        <p:nvPicPr>
+          <p:cNvPr id="7" name="그림 6"/>
+          <p:cNvPicPr>
+            <a:picLocks noChangeAspect="1"/>
+          </p:cNvPicPr>
+          <p:nvPr/>
+        </p:nvPicPr>
+        <p:blipFill>
+          <a:blip r:embed="rId3">
+            <a:extLst>
+              <a:ext uri="{28A0092B-C50C-407E-A947-70E740481C1C}">
+                <a14:useLocalDpi xmlns:a14="http://schemas.microsoft.com/office/drawing/2010/main" val="0"/>
+              </a:ext>
+            </a:extLst>
+          </a:blip>
+          <a:stretch>
+            <a:fillRect/>
+          </a:stretch>
+        </p:blipFill>
+        <p:spPr>
+          <a:xfrm>
+            <a:off x="180638" y="6044658"/>
+            <a:ext cx="1105336" cy="667536"/>
+          </a:xfrm>
+          <a:prstGeom prst="rect">
+            <a:avLst/>
+          </a:prstGeom>
+        </p:spPr>
+      </p:pic>
+      <p:sp>
+        <p:nvSpPr>
+          <p:cNvPr id="9" name="바닥글 개체 틀 8"/>
+          <p:cNvSpPr>
+            <a:spLocks noGrp="1"/>
+          </p:cNvSpPr>
+          <p:nvPr>
+            <p:ph type="ftr" sz="quarter" idx="11"/>
+          </p:nvPr>
+        </p:nvSpPr>
+        <p:spPr/>
+        <p:txBody>
+          <a:bodyPr/>
+          <a:lstStyle/>
+          <a:p>
+            <a:r>
+              <a:rPr kumimoji="1" lang="en-US" altLang="ko-KR" smtClean="0"/>
+              <a:t>SKT AI Course: Deep Learning Basics by Heung-Il Suk</a:t>
+            </a:r>
+            <a:endParaRPr kumimoji="1" lang="ko-KR" altLang="en-US"/>
+          </a:p>
+        </p:txBody>
+      </p:sp>
+      <p:sp>
+        <p:nvSpPr>
+          <p:cNvPr id="10" name="슬라이드 번호 개체 틀 9"/>
+          <p:cNvSpPr>
+            <a:spLocks noGrp="1"/>
+          </p:cNvSpPr>
+          <p:nvPr>
+            <p:ph type="sldNum" sz="quarter" idx="12"/>
+          </p:nvPr>
+        </p:nvSpPr>
+        <p:spPr/>
+        <p:txBody>
+          <a:bodyPr/>
+          <a:lstStyle/>
+          <a:p>
+            <a:fld id="{E3E75774-3282-1C4A-9118-50EA78BFB2AA}" type="slidenum">
+              <a:rPr kumimoji="1" lang="ko-KR" altLang="en-US" smtClean="0"/>
               <a:t>2</a:t>
             </a:fld>
             <a:endParaRPr kumimoji="1" lang="ko-KR" altLang="en-US"/>
@@ -6866,6 +8415,360 @@
     <p:extLst>
       <p:ext uri="{BB962C8B-B14F-4D97-AF65-F5344CB8AC3E}">
         <p14:creationId xmlns:p14="http://schemas.microsoft.com/office/powerpoint/2010/main" val="2081454257"/>
+      </p:ext>
+    </p:extLst>
+  </p:cSld>
+  <p:clrMapOvr>
+    <a:masterClrMapping/>
+  </p:clrMapOvr>
+  <p:timing>
+    <p:tnLst>
+      <p:par>
+        <p:cTn id="1" dur="indefinite" restart="never" nodeType="tmRoot"/>
+      </p:par>
+    </p:tnLst>
+  </p:timing>
+</p:sld>
+</file>
+
+<file path=ppt/slides/slide20.xml><?xml version="1.0" encoding="utf-8"?>
+<p:sld xmlns:a="http://schemas.openxmlformats.org/drawingml/2006/main" xmlns:r="http://schemas.openxmlformats.org/officeDocument/2006/relationships" xmlns:p="http://schemas.openxmlformats.org/presentationml/2006/main">
+  <p:cSld>
+    <p:spTree>
+      <p:nvGrpSpPr>
+        <p:cNvPr id="1" name=""/>
+        <p:cNvGrpSpPr/>
+        <p:nvPr/>
+      </p:nvGrpSpPr>
+      <p:grpSpPr>
+        <a:xfrm>
+          <a:off x="0" y="0"/>
+          <a:ext cx="0" cy="0"/>
+          <a:chOff x="0" y="0"/>
+          <a:chExt cx="0" cy="0"/>
+        </a:xfrm>
+      </p:grpSpPr>
+      <p:sp>
+        <p:nvSpPr>
+          <p:cNvPr id="3" name="내용 개체 틀 2"/>
+          <p:cNvSpPr>
+            <a:spLocks noGrp="1"/>
+          </p:cNvSpPr>
+          <p:nvPr>
+            <p:ph idx="1"/>
+          </p:nvPr>
+        </p:nvSpPr>
+        <p:spPr>
+          <a:xfrm>
+            <a:off x="350108" y="793097"/>
+            <a:ext cx="11491784" cy="5251561"/>
+          </a:xfrm>
+        </p:spPr>
+        <p:txBody>
+          <a:bodyPr/>
+          <a:lstStyle/>
+          <a:p>
+            <a:pPr marL="514350" marR="0" lvl="0" indent="-514350" algn="ctr" defTabSz="914400" eaLnBrk="1" fontAlgn="auto" latinLnBrk="0" hangingPunct="1">
+              <a:lnSpc>
+                <a:spcPct val="150000"/>
+              </a:lnSpc>
+              <a:spcBef>
+                <a:spcPts val="0"/>
+              </a:spcBef>
+              <a:spcAft>
+                <a:spcPts val="0"/>
+              </a:spcAft>
+              <a:buClrTx/>
+              <a:buSzTx/>
+              <a:buFontTx/>
+              <a:buNone/>
+              <a:tabLst/>
+              <a:defRPr/>
+            </a:pPr>
+            <a:endParaRPr kumimoji="1" lang="en-US" altLang="ko-KR" dirty="0">
+              <a:solidFill>
+                <a:srgbClr val="222581"/>
+              </a:solidFill>
+            </a:endParaRPr>
+          </a:p>
+          <a:p>
+            <a:pPr marL="514350" marR="0" lvl="0" indent="-514350" algn="ctr" defTabSz="914400" eaLnBrk="1" fontAlgn="auto" latinLnBrk="0" hangingPunct="1">
+              <a:lnSpc>
+                <a:spcPct val="150000"/>
+              </a:lnSpc>
+              <a:spcBef>
+                <a:spcPts val="0"/>
+              </a:spcBef>
+              <a:spcAft>
+                <a:spcPts val="0"/>
+              </a:spcAft>
+              <a:buClrTx/>
+              <a:buSzTx/>
+              <a:buFontTx/>
+              <a:buNone/>
+              <a:tabLst/>
+              <a:defRPr/>
+            </a:pPr>
+            <a:r>
+              <a:rPr kumimoji="1" lang="en-US" altLang="ko-KR" sz="4000" dirty="0" smtClean="0">
+                <a:solidFill>
+                  <a:srgbClr val="0020B4"/>
+                </a:solidFill>
+                <a:latin typeface="Cooper Black" charset="0"/>
+                <a:ea typeface="Cooper Black" charset="0"/>
+                <a:cs typeface="Cooper Black" charset="0"/>
+              </a:rPr>
+              <a:t>Thank you</a:t>
+            </a:r>
+          </a:p>
+          <a:p>
+            <a:pPr marL="514350" marR="0" lvl="0" indent="-514350" algn="ctr" defTabSz="914400" eaLnBrk="1" fontAlgn="auto" latinLnBrk="0" hangingPunct="1">
+              <a:lnSpc>
+                <a:spcPct val="150000"/>
+              </a:lnSpc>
+              <a:spcBef>
+                <a:spcPts val="0"/>
+              </a:spcBef>
+              <a:spcAft>
+                <a:spcPts val="0"/>
+              </a:spcAft>
+              <a:buClrTx/>
+              <a:buSzTx/>
+              <a:buFontTx/>
+              <a:buNone/>
+              <a:tabLst/>
+              <a:defRPr/>
+            </a:pPr>
+            <a:r>
+              <a:rPr kumimoji="1" lang="en-US" altLang="ko-KR" sz="4000" dirty="0" smtClean="0">
+                <a:solidFill>
+                  <a:srgbClr val="0020B4"/>
+                </a:solidFill>
+                <a:latin typeface="Cooper Black" charset="0"/>
+                <a:ea typeface="Cooper Black" charset="0"/>
+                <a:cs typeface="Cooper Black" charset="0"/>
+              </a:rPr>
+              <a:t>For your attention!!!</a:t>
+            </a:r>
+          </a:p>
+          <a:p>
+            <a:pPr marL="514350" marR="0" lvl="0" indent="-514350" algn="ctr" defTabSz="914400" eaLnBrk="1" fontAlgn="auto" latinLnBrk="0" hangingPunct="1">
+              <a:lnSpc>
+                <a:spcPct val="150000"/>
+              </a:lnSpc>
+              <a:spcBef>
+                <a:spcPts val="0"/>
+              </a:spcBef>
+              <a:spcAft>
+                <a:spcPts val="0"/>
+              </a:spcAft>
+              <a:buClrTx/>
+              <a:buSzTx/>
+              <a:buFontTx/>
+              <a:buNone/>
+              <a:tabLst/>
+              <a:defRPr/>
+            </a:pPr>
+            <a:r>
+              <a:rPr kumimoji="1" lang="en-US" altLang="ko-KR" sz="4400" b="1" dirty="0" smtClean="0">
+                <a:latin typeface="Britannic Bold" charset="0"/>
+                <a:ea typeface="Britannic Bold" charset="0"/>
+                <a:cs typeface="Britannic Bold" charset="0"/>
+              </a:rPr>
+              <a:t>(Q &amp; A)</a:t>
+            </a:r>
+          </a:p>
+          <a:p>
+            <a:pPr marL="514350" marR="0" lvl="0" indent="-514350" algn="ctr" defTabSz="914400" eaLnBrk="1" fontAlgn="auto" latinLnBrk="0" hangingPunct="1">
+              <a:lnSpc>
+                <a:spcPct val="150000"/>
+              </a:lnSpc>
+              <a:spcBef>
+                <a:spcPts val="0"/>
+              </a:spcBef>
+              <a:spcAft>
+                <a:spcPts val="0"/>
+              </a:spcAft>
+              <a:buClrTx/>
+              <a:buSzTx/>
+              <a:buFontTx/>
+              <a:buNone/>
+              <a:tabLst/>
+              <a:defRPr/>
+            </a:pPr>
+            <a:r>
+              <a:rPr kumimoji="1" lang="en-US" altLang="ko-KR" dirty="0" err="1" smtClean="0">
+                <a:solidFill>
+                  <a:srgbClr val="DF227B"/>
+                </a:solidFill>
+                <a:latin typeface="Cooper Black" charset="0"/>
+                <a:ea typeface="Cooper Black" charset="0"/>
+                <a:cs typeface="Cooper Black" charset="0"/>
+              </a:rPr>
+              <a:t>hisuk</a:t>
+            </a:r>
+            <a:r>
+              <a:rPr kumimoji="1" lang="en-US" altLang="ko-KR" dirty="0" smtClean="0">
+                <a:solidFill>
+                  <a:srgbClr val="DF227B"/>
+                </a:solidFill>
+                <a:latin typeface="Cooper Black" charset="0"/>
+                <a:ea typeface="Cooper Black" charset="0"/>
+                <a:cs typeface="Cooper Black" charset="0"/>
+              </a:rPr>
+              <a:t> (AT) </a:t>
+            </a:r>
+            <a:r>
+              <a:rPr kumimoji="1" lang="en-US" altLang="ko-KR" dirty="0" err="1" smtClean="0">
+                <a:solidFill>
+                  <a:srgbClr val="DF227B"/>
+                </a:solidFill>
+                <a:latin typeface="Cooper Black" charset="0"/>
+                <a:ea typeface="Cooper Black" charset="0"/>
+                <a:cs typeface="Cooper Black" charset="0"/>
+              </a:rPr>
+              <a:t>korea.ac.kr</a:t>
+            </a:r>
+            <a:endParaRPr kumimoji="1" lang="en-US" altLang="ko-KR" dirty="0" smtClean="0">
+              <a:solidFill>
+                <a:srgbClr val="DF227B"/>
+              </a:solidFill>
+              <a:latin typeface="Cooper Black" charset="0"/>
+              <a:ea typeface="Cooper Black" charset="0"/>
+              <a:cs typeface="Cooper Black" charset="0"/>
+            </a:endParaRPr>
+          </a:p>
+          <a:p>
+            <a:pPr marL="514350" marR="0" lvl="0" indent="-514350" algn="ctr" defTabSz="914400" eaLnBrk="1" fontAlgn="auto" latinLnBrk="0" hangingPunct="1">
+              <a:lnSpc>
+                <a:spcPct val="150000"/>
+              </a:lnSpc>
+              <a:spcBef>
+                <a:spcPts val="0"/>
+              </a:spcBef>
+              <a:spcAft>
+                <a:spcPts val="0"/>
+              </a:spcAft>
+              <a:buClrTx/>
+              <a:buSzTx/>
+              <a:buFontTx/>
+              <a:buNone/>
+              <a:tabLst/>
+              <a:defRPr/>
+            </a:pPr>
+            <a:r>
+              <a:rPr kumimoji="1" lang="en-US" altLang="ko-KR" sz="2400" dirty="0" smtClean="0">
+                <a:solidFill>
+                  <a:srgbClr val="202481"/>
+                </a:solidFill>
+                <a:latin typeface="Courier" charset="0"/>
+                <a:ea typeface="Courier" charset="0"/>
+                <a:cs typeface="Courier" charset="0"/>
+              </a:rPr>
+              <a:t>http://</a:t>
+            </a:r>
+            <a:r>
+              <a:rPr kumimoji="1" lang="en-US" altLang="ko-KR" sz="2400" dirty="0" err="1" smtClean="0">
+                <a:solidFill>
+                  <a:srgbClr val="202481"/>
+                </a:solidFill>
+                <a:latin typeface="Courier" charset="0"/>
+                <a:ea typeface="Courier" charset="0"/>
+                <a:cs typeface="Courier" charset="0"/>
+              </a:rPr>
+              <a:t>www.ku-milab.org</a:t>
+            </a:r>
+            <a:endParaRPr kumimoji="1" lang="ko-KR" altLang="en-US" sz="2400" dirty="0">
+              <a:solidFill>
+                <a:srgbClr val="202481"/>
+              </a:solidFill>
+              <a:latin typeface="Courier" charset="0"/>
+              <a:ea typeface="Courier" charset="0"/>
+              <a:cs typeface="Courier" charset="0"/>
+            </a:endParaRPr>
+          </a:p>
+        </p:txBody>
+      </p:sp>
+      <p:pic>
+        <p:nvPicPr>
+          <p:cNvPr id="7" name="그림 6"/>
+          <p:cNvPicPr>
+            <a:picLocks noChangeAspect="1"/>
+          </p:cNvPicPr>
+          <p:nvPr/>
+        </p:nvPicPr>
+        <p:blipFill>
+          <a:blip r:embed="rId3">
+            <a:extLst>
+              <a:ext uri="{28A0092B-C50C-407E-A947-70E740481C1C}">
+                <a14:useLocalDpi xmlns:a14="http://schemas.microsoft.com/office/drawing/2010/main" val="0"/>
+              </a:ext>
+            </a:extLst>
+          </a:blip>
+          <a:stretch>
+            <a:fillRect/>
+          </a:stretch>
+        </p:blipFill>
+        <p:spPr>
+          <a:xfrm>
+            <a:off x="180638" y="6044658"/>
+            <a:ext cx="1105336" cy="667536"/>
+          </a:xfrm>
+          <a:prstGeom prst="rect">
+            <a:avLst/>
+          </a:prstGeom>
+        </p:spPr>
+      </p:pic>
+      <p:sp>
+        <p:nvSpPr>
+          <p:cNvPr id="9" name="바닥글 개체 틀 8"/>
+          <p:cNvSpPr>
+            <a:spLocks noGrp="1"/>
+          </p:cNvSpPr>
+          <p:nvPr>
+            <p:ph type="ftr" sz="quarter" idx="11"/>
+          </p:nvPr>
+        </p:nvSpPr>
+        <p:spPr/>
+        <p:txBody>
+          <a:bodyPr/>
+          <a:lstStyle/>
+          <a:p>
+            <a:r>
+              <a:rPr kumimoji="1" lang="en-US" altLang="ko-KR" smtClean="0"/>
+              <a:t>SKT AI Course: Deep Learning Basics by Heung-Il Suk</a:t>
+            </a:r>
+            <a:endParaRPr kumimoji="1" lang="ko-KR" altLang="en-US"/>
+          </a:p>
+        </p:txBody>
+      </p:sp>
+      <p:sp>
+        <p:nvSpPr>
+          <p:cNvPr id="10" name="슬라이드 번호 개체 틀 9"/>
+          <p:cNvSpPr>
+            <a:spLocks noGrp="1"/>
+          </p:cNvSpPr>
+          <p:nvPr>
+            <p:ph type="sldNum" sz="quarter" idx="12"/>
+          </p:nvPr>
+        </p:nvSpPr>
+        <p:spPr/>
+        <p:txBody>
+          <a:bodyPr/>
+          <a:lstStyle/>
+          <a:p>
+            <a:fld id="{E3E75774-3282-1C4A-9118-50EA78BFB2AA}" type="slidenum">
+              <a:rPr kumimoji="1" lang="ko-KR" altLang="en-US" smtClean="0"/>
+              <a:t>20</a:t>
+            </a:fld>
+            <a:endParaRPr kumimoji="1" lang="ko-KR" altLang="en-US"/>
+          </a:p>
+        </p:txBody>
+      </p:sp>
+    </p:spTree>
+    <p:extLst>
+      <p:ext uri="{BB962C8B-B14F-4D97-AF65-F5344CB8AC3E}">
+        <p14:creationId xmlns:p14="http://schemas.microsoft.com/office/powerpoint/2010/main" val="1664303654"/>
       </p:ext>
     </p:extLst>
   </p:cSld>
@@ -7086,13 +8989,711 @@
             </a:pPr>
             <a:r>
               <a:rPr kumimoji="1" lang="en-US" altLang="ko-KR" dirty="0" smtClean="0"/>
-              <a:t>18 layer </a:t>
+              <a:t>18-layer </a:t>
             </a:r>
             <a:r>
               <a:rPr kumimoji="1" lang="en-US" altLang="ko-KR" dirty="0" err="1" smtClean="0"/>
               <a:t>ResNet</a:t>
             </a:r>
+            <a:endParaRPr kumimoji="1" lang="en-US" altLang="ko-KR" dirty="0" smtClean="0"/>
+          </a:p>
+          <a:p>
+            <a:pPr lvl="1" latinLnBrk="0">
+              <a:lnSpc>
+                <a:spcPct val="200000"/>
+              </a:lnSpc>
+              <a:spcBef>
+                <a:spcPts val="0"/>
+              </a:spcBef>
+            </a:pPr>
+            <a:r>
+              <a:rPr kumimoji="1" lang="en-US" altLang="ko-KR" dirty="0" smtClean="0"/>
+              <a:t>Originally Trained with ImageNet with 1000 Classes</a:t>
+            </a:r>
+          </a:p>
+          <a:p>
+            <a:pPr lvl="1" latinLnBrk="0">
+              <a:lnSpc>
+                <a:spcPct val="200000"/>
+              </a:lnSpc>
+              <a:spcBef>
+                <a:spcPts val="0"/>
+              </a:spcBef>
+            </a:pPr>
+            <a:r>
+              <a:rPr kumimoji="1" lang="en-US" altLang="ko-KR" dirty="0" smtClean="0"/>
+              <a:t>Use Residual Connection for efficient training and better performance</a:t>
+            </a:r>
+          </a:p>
+          <a:p>
+            <a:pPr lvl="1" latinLnBrk="0">
+              <a:lnSpc>
+                <a:spcPct val="200000"/>
+              </a:lnSpc>
+              <a:spcBef>
+                <a:spcPts val="0"/>
+              </a:spcBef>
+            </a:pPr>
+            <a:r>
+              <a:rPr kumimoji="1" lang="en-US" altLang="ko-KR" dirty="0" smtClean="0"/>
+              <a:t>Top-1 error on ImageNet validation : 27.88%</a:t>
+            </a:r>
+            <a:endParaRPr kumimoji="1" lang="en-US" altLang="ko-KR" dirty="0" smtClean="0"/>
+          </a:p>
+          <a:p>
+            <a:pPr lvl="1" latinLnBrk="0">
+              <a:lnSpc>
+                <a:spcPct val="200000"/>
+              </a:lnSpc>
+              <a:spcBef>
+                <a:spcPts val="0"/>
+              </a:spcBef>
+            </a:pPr>
+            <a:r>
+              <a:rPr kumimoji="1" lang="en-US" altLang="ko-KR" dirty="0" smtClean="0"/>
+              <a:t>For detailed Structure </a:t>
+            </a:r>
+            <a:r>
+              <a:rPr kumimoji="1" lang="en-US" altLang="ko-KR" dirty="0">
+                <a:sym typeface="Wingdings"/>
+              </a:rPr>
+              <a:t> </a:t>
+            </a:r>
+            <a:r>
+              <a:rPr kumimoji="1" lang="en-US" altLang="ko-KR" dirty="0" smtClean="0">
+                <a:sym typeface="Wingdings"/>
+                <a:hlinkClick r:id="rId3" invalidUrl="https://www.dropbox.com/s/a3pfdpb4pls8n8g/ResNet-18 %E2%80%94 Netscope CNN Analyzer.pdf?dl=0"/>
+              </a:rPr>
+              <a:t>Pretrained_ResNet_Structure</a:t>
+            </a:r>
+            <a:endParaRPr kumimoji="1" lang="en-US" altLang="ko-KR" dirty="0" smtClean="0">
+              <a:sym typeface="Wingdings"/>
+            </a:endParaRPr>
+          </a:p>
+          <a:p>
+            <a:pPr lvl="1" latinLnBrk="0">
+              <a:lnSpc>
+                <a:spcPct val="200000"/>
+              </a:lnSpc>
+              <a:spcBef>
+                <a:spcPts val="0"/>
+              </a:spcBef>
+            </a:pPr>
+            <a:r>
+              <a:rPr kumimoji="1" lang="en-US" altLang="ko-KR" dirty="0" smtClean="0">
+                <a:sym typeface="Wingdings"/>
+              </a:rPr>
+              <a:t>We will fine-tune this model to classify Bee/Ant</a:t>
+            </a:r>
+            <a:br>
+              <a:rPr kumimoji="1" lang="en-US" altLang="ko-KR" dirty="0" smtClean="0">
+                <a:sym typeface="Wingdings"/>
+              </a:rPr>
+            </a:br>
+            <a:r>
+              <a:rPr kumimoji="1" lang="en-US" altLang="ko-KR" dirty="0" smtClean="0">
+                <a:sym typeface="Wingdings"/>
+              </a:rPr>
+              <a:t>(two Classes)</a:t>
+            </a:r>
+            <a:r>
+              <a:rPr kumimoji="1" lang="en-US" altLang="ko-KR" dirty="0" smtClean="0"/>
+              <a:t/>
+            </a:r>
+            <a:br>
+              <a:rPr kumimoji="1" lang="en-US" altLang="ko-KR" dirty="0" smtClean="0"/>
+            </a:br>
             <a:endParaRPr kumimoji="1" lang="ko-KR" altLang="en-US" dirty="0"/>
+          </a:p>
+        </p:txBody>
+      </p:sp>
+      <p:cxnSp>
+        <p:nvCxnSpPr>
+          <p:cNvPr id="5" name="직선 연결선[R] 4"/>
+          <p:cNvCxnSpPr/>
+          <p:nvPr/>
+        </p:nvCxnSpPr>
+        <p:spPr>
+          <a:xfrm flipV="1">
+            <a:off x="395416" y="827904"/>
+            <a:ext cx="11491784" cy="12356"/>
+          </a:xfrm>
+          <a:prstGeom prst="line">
+            <a:avLst/>
+          </a:prstGeom>
+        </p:spPr>
+        <p:style>
+          <a:lnRef idx="1">
+            <a:schemeClr val="accent1"/>
+          </a:lnRef>
+          <a:fillRef idx="0">
+            <a:schemeClr val="accent1"/>
+          </a:fillRef>
+          <a:effectRef idx="0">
+            <a:schemeClr val="accent1"/>
+          </a:effectRef>
+          <a:fontRef idx="minor">
+            <a:schemeClr val="tx1"/>
+          </a:fontRef>
+        </p:style>
+      </p:cxnSp>
+      <p:pic>
+        <p:nvPicPr>
+          <p:cNvPr id="7" name="그림 6"/>
+          <p:cNvPicPr>
+            <a:picLocks noChangeAspect="1"/>
+          </p:cNvPicPr>
+          <p:nvPr/>
+        </p:nvPicPr>
+        <p:blipFill>
+          <a:blip r:embed="rId4">
+            <a:extLst>
+              <a:ext uri="{28A0092B-C50C-407E-A947-70E740481C1C}">
+                <a14:useLocalDpi xmlns:a14="http://schemas.microsoft.com/office/drawing/2010/main" val="0"/>
+              </a:ext>
+            </a:extLst>
+          </a:blip>
+          <a:stretch>
+            <a:fillRect/>
+          </a:stretch>
+        </p:blipFill>
+        <p:spPr>
+          <a:xfrm>
+            <a:off x="180638" y="6044658"/>
+            <a:ext cx="1105336" cy="667536"/>
+          </a:xfrm>
+          <a:prstGeom prst="rect">
+            <a:avLst/>
+          </a:prstGeom>
+        </p:spPr>
+      </p:pic>
+      <p:sp>
+        <p:nvSpPr>
+          <p:cNvPr id="9" name="바닥글 개체 틀 8"/>
+          <p:cNvSpPr>
+            <a:spLocks noGrp="1"/>
+          </p:cNvSpPr>
+          <p:nvPr>
+            <p:ph type="ftr" sz="quarter" idx="11"/>
+          </p:nvPr>
+        </p:nvSpPr>
+        <p:spPr/>
+        <p:txBody>
+          <a:bodyPr/>
+          <a:lstStyle/>
+          <a:p>
+            <a:r>
+              <a:rPr kumimoji="1" lang="en-US" altLang="ko-KR" smtClean="0"/>
+              <a:t>SKT AI Course: Deep Learning Basics by Heung-Il Suk</a:t>
+            </a:r>
+            <a:endParaRPr kumimoji="1" lang="ko-KR" altLang="en-US"/>
+          </a:p>
+        </p:txBody>
+      </p:sp>
+      <p:sp>
+        <p:nvSpPr>
+          <p:cNvPr id="10" name="슬라이드 번호 개체 틀 9"/>
+          <p:cNvSpPr>
+            <a:spLocks noGrp="1"/>
+          </p:cNvSpPr>
+          <p:nvPr>
+            <p:ph type="sldNum" sz="quarter" idx="12"/>
+          </p:nvPr>
+        </p:nvSpPr>
+        <p:spPr/>
+        <p:txBody>
+          <a:bodyPr/>
+          <a:lstStyle/>
+          <a:p>
+            <a:fld id="{E3E75774-3282-1C4A-9118-50EA78BFB2AA}" type="slidenum">
+              <a:rPr kumimoji="1" lang="ko-KR" altLang="en-US" smtClean="0"/>
+              <a:t>4</a:t>
+            </a:fld>
+            <a:endParaRPr kumimoji="1" lang="ko-KR" altLang="en-US"/>
+          </a:p>
+        </p:txBody>
+      </p:sp>
+      <p:pic>
+        <p:nvPicPr>
+          <p:cNvPr id="4" name="그림 3"/>
+          <p:cNvPicPr>
+            <a:picLocks noChangeAspect="1"/>
+          </p:cNvPicPr>
+          <p:nvPr/>
+        </p:nvPicPr>
+        <p:blipFill>
+          <a:blip r:embed="rId5"/>
+          <a:stretch>
+            <a:fillRect/>
+          </a:stretch>
+        </p:blipFill>
+        <p:spPr>
+          <a:xfrm>
+            <a:off x="8988429" y="4081789"/>
+            <a:ext cx="3013071" cy="1804784"/>
+          </a:xfrm>
+          <a:prstGeom prst="rect">
+            <a:avLst/>
+          </a:prstGeom>
+        </p:spPr>
+      </p:pic>
+      <p:sp>
+        <p:nvSpPr>
+          <p:cNvPr id="6" name="텍스트 상자 5"/>
+          <p:cNvSpPr txBox="1"/>
+          <p:nvPr/>
+        </p:nvSpPr>
+        <p:spPr>
+          <a:xfrm>
+            <a:off x="8643888" y="6009094"/>
+            <a:ext cx="3471912" cy="369332"/>
+          </a:xfrm>
+          <a:prstGeom prst="rect">
+            <a:avLst/>
+          </a:prstGeom>
+          <a:noFill/>
+        </p:spPr>
+        <p:txBody>
+          <a:bodyPr wrap="none" rtlCol="0">
+            <a:spAutoFit/>
+          </a:bodyPr>
+          <a:lstStyle/>
+          <a:p>
+            <a:r>
+              <a:rPr kumimoji="1" lang="en-US" altLang="ko-KR" dirty="0" smtClean="0"/>
+              <a:t>Figure 1. Residual </a:t>
+            </a:r>
+            <a:r>
+              <a:rPr kumimoji="1" lang="en-US" altLang="ko-KR" dirty="0" err="1" smtClean="0"/>
+              <a:t>connectionm</a:t>
+            </a:r>
+            <a:endParaRPr kumimoji="1" lang="ko-KR" altLang="en-US" dirty="0"/>
+          </a:p>
+        </p:txBody>
+      </p:sp>
+    </p:spTree>
+    <p:extLst>
+      <p:ext uri="{BB962C8B-B14F-4D97-AF65-F5344CB8AC3E}">
+        <p14:creationId xmlns:p14="http://schemas.microsoft.com/office/powerpoint/2010/main" val="861462404"/>
+      </p:ext>
+    </p:extLst>
+  </p:cSld>
+  <p:clrMapOvr>
+    <a:masterClrMapping/>
+  </p:clrMapOvr>
+  <p:timing>
+    <p:tnLst>
+      <p:par>
+        <p:cTn id="1" dur="indefinite" restart="never" nodeType="tmRoot"/>
+      </p:par>
+    </p:tnLst>
+  </p:timing>
+</p:sld>
+</file>
+
+<file path=ppt/slides/slide5.xml><?xml version="1.0" encoding="utf-8"?>
+<p:sld xmlns:a="http://schemas.openxmlformats.org/drawingml/2006/main" xmlns:r="http://schemas.openxmlformats.org/officeDocument/2006/relationships" xmlns:p="http://schemas.openxmlformats.org/presentationml/2006/main">
+  <p:cSld>
+    <p:spTree>
+      <p:nvGrpSpPr>
+        <p:cNvPr id="1" name=""/>
+        <p:cNvGrpSpPr/>
+        <p:nvPr/>
+      </p:nvGrpSpPr>
+      <p:grpSpPr>
+        <a:xfrm>
+          <a:off x="0" y="0"/>
+          <a:ext cx="0" cy="0"/>
+          <a:chOff x="0" y="0"/>
+          <a:chExt cx="0" cy="0"/>
+        </a:xfrm>
+      </p:grpSpPr>
+      <p:sp>
+        <p:nvSpPr>
+          <p:cNvPr id="2" name="제목 1"/>
+          <p:cNvSpPr>
+            <a:spLocks noGrp="1"/>
+          </p:cNvSpPr>
+          <p:nvPr>
+            <p:ph type="title"/>
+          </p:nvPr>
+        </p:nvSpPr>
+        <p:spPr>
+          <a:xfrm>
+            <a:off x="395416" y="84696"/>
+            <a:ext cx="10515600" cy="743208"/>
+          </a:xfrm>
+        </p:spPr>
+        <p:txBody>
+          <a:bodyPr>
+            <a:normAutofit/>
+          </a:bodyPr>
+          <a:lstStyle/>
+          <a:p>
+            <a:r>
+              <a:rPr kumimoji="1" lang="en-US" altLang="ko-KR" sz="3600" b="1" dirty="0" err="1" smtClean="0">
+                <a:solidFill>
+                  <a:srgbClr val="1E3DB4"/>
+                </a:solidFill>
+              </a:rPr>
+              <a:t>torchvision.transforms</a:t>
+            </a:r>
+            <a:endParaRPr kumimoji="1" lang="ko-KR" altLang="en-US" sz="3600" dirty="0"/>
+          </a:p>
+        </p:txBody>
+      </p:sp>
+      <p:sp>
+        <p:nvSpPr>
+          <p:cNvPr id="3" name="내용 개체 틀 2"/>
+          <p:cNvSpPr>
+            <a:spLocks noGrp="1"/>
+          </p:cNvSpPr>
+          <p:nvPr>
+            <p:ph idx="1"/>
+          </p:nvPr>
+        </p:nvSpPr>
+        <p:spPr>
+          <a:xfrm>
+            <a:off x="395416" y="840260"/>
+            <a:ext cx="11491784" cy="5251561"/>
+          </a:xfrm>
+        </p:spPr>
+        <p:txBody>
+          <a:bodyPr/>
+          <a:lstStyle/>
+          <a:p>
+            <a:pPr latinLnBrk="0">
+              <a:lnSpc>
+                <a:spcPct val="150000"/>
+              </a:lnSpc>
+              <a:spcBef>
+                <a:spcPts val="0"/>
+              </a:spcBef>
+            </a:pPr>
+            <a:r>
+              <a:rPr kumimoji="1" lang="en-US" altLang="ko-KR" b="1" dirty="0" err="1" smtClean="0"/>
+              <a:t>Torchvision</a:t>
+            </a:r>
+            <a:r>
+              <a:rPr kumimoji="1" lang="en-US" altLang="ko-KR" dirty="0" smtClean="0"/>
+              <a:t> provides simple ways to transform images and tensors.</a:t>
+            </a:r>
+          </a:p>
+          <a:p>
+            <a:pPr lvl="1" latinLnBrk="0">
+              <a:lnSpc>
+                <a:spcPct val="150000"/>
+              </a:lnSpc>
+              <a:spcBef>
+                <a:spcPts val="0"/>
+              </a:spcBef>
+            </a:pPr>
+            <a:r>
+              <a:rPr kumimoji="1" lang="en-US" altLang="ko-KR" sz="2000" dirty="0" err="1" smtClean="0"/>
+              <a:t>transforms.</a:t>
+            </a:r>
+            <a:r>
+              <a:rPr kumimoji="1" lang="en-US" altLang="ko-KR" sz="2000" b="1" dirty="0" err="1" smtClean="0"/>
+              <a:t>Compose</a:t>
+            </a:r>
+            <a:r>
+              <a:rPr kumimoji="1" lang="en-US" altLang="ko-KR" sz="2000" dirty="0" smtClean="0"/>
+              <a:t> : Composes transforms together</a:t>
+            </a:r>
+          </a:p>
+          <a:p>
+            <a:pPr lvl="1" latinLnBrk="0">
+              <a:lnSpc>
+                <a:spcPct val="150000"/>
+              </a:lnSpc>
+              <a:spcBef>
+                <a:spcPts val="0"/>
+              </a:spcBef>
+            </a:pPr>
+            <a:r>
+              <a:rPr kumimoji="1" lang="en-US" altLang="ko-KR" sz="2000" dirty="0" err="1" smtClean="0"/>
+              <a:t>transforms.</a:t>
+            </a:r>
+            <a:r>
+              <a:rPr kumimoji="1" lang="en-US" altLang="ko-KR" sz="2000" b="1" dirty="0" err="1" smtClean="0"/>
+              <a:t>Scale</a:t>
+            </a:r>
+            <a:r>
+              <a:rPr kumimoji="1" lang="en-US" altLang="ko-KR" sz="2000" dirty="0" smtClean="0"/>
+              <a:t> : </a:t>
+            </a:r>
+            <a:r>
+              <a:rPr lang="en-US" altLang="ko-KR" sz="2000" dirty="0"/>
+              <a:t>Rescale the input </a:t>
+            </a:r>
+            <a:r>
+              <a:rPr lang="en-US" altLang="ko-KR" sz="2000" dirty="0" err="1"/>
+              <a:t>PIL.Image</a:t>
+            </a:r>
+            <a:r>
+              <a:rPr lang="en-US" altLang="ko-KR" sz="2000" dirty="0"/>
+              <a:t> to the given size.</a:t>
+            </a:r>
+            <a:endParaRPr kumimoji="1" lang="en-US" altLang="ko-KR" sz="2000" dirty="0" smtClean="0"/>
+          </a:p>
+          <a:p>
+            <a:pPr lvl="1" latinLnBrk="0">
+              <a:lnSpc>
+                <a:spcPct val="150000"/>
+              </a:lnSpc>
+              <a:spcBef>
+                <a:spcPts val="0"/>
+              </a:spcBef>
+            </a:pPr>
+            <a:r>
+              <a:rPr kumimoji="1" lang="en-US" altLang="ko-KR" sz="2000" dirty="0" err="1" smtClean="0"/>
+              <a:t>transforms.</a:t>
+            </a:r>
+            <a:r>
+              <a:rPr kumimoji="1" lang="en-US" altLang="ko-KR" sz="2000" b="1" dirty="0" err="1" smtClean="0"/>
+              <a:t>CenterCrop</a:t>
+            </a:r>
+            <a:r>
+              <a:rPr kumimoji="1" lang="en-US" altLang="ko-KR" sz="2000" dirty="0" smtClean="0"/>
+              <a:t> : </a:t>
+            </a:r>
+            <a:r>
+              <a:rPr lang="en-US" altLang="ko-KR" sz="2000" dirty="0"/>
+              <a:t>Crops the given </a:t>
+            </a:r>
+            <a:r>
+              <a:rPr lang="en-US" altLang="ko-KR" sz="2000" dirty="0" err="1"/>
+              <a:t>PIL.Image</a:t>
+            </a:r>
+            <a:r>
+              <a:rPr lang="en-US" altLang="ko-KR" sz="2000" dirty="0"/>
+              <a:t> at the center.</a:t>
+            </a:r>
+            <a:endParaRPr kumimoji="1" lang="en-US" altLang="ko-KR" sz="2000" dirty="0" smtClean="0"/>
+          </a:p>
+          <a:p>
+            <a:pPr lvl="1" latinLnBrk="0">
+              <a:lnSpc>
+                <a:spcPct val="150000"/>
+              </a:lnSpc>
+              <a:spcBef>
+                <a:spcPts val="0"/>
+              </a:spcBef>
+            </a:pPr>
+            <a:r>
+              <a:rPr kumimoji="1" lang="en-US" altLang="ko-KR" sz="2000" dirty="0" err="1" smtClean="0"/>
+              <a:t>transforms.</a:t>
+            </a:r>
+            <a:r>
+              <a:rPr kumimoji="1" lang="en-US" altLang="ko-KR" sz="2000" b="1" dirty="0" err="1" smtClean="0"/>
+              <a:t>RandomCrop</a:t>
+            </a:r>
+            <a:r>
+              <a:rPr kumimoji="1" lang="en-US" altLang="ko-KR" sz="2000" dirty="0" smtClean="0"/>
+              <a:t> : </a:t>
+            </a:r>
+            <a:r>
+              <a:rPr lang="en-US" altLang="ko-KR" sz="2000" dirty="0"/>
+              <a:t>Crop the given </a:t>
+            </a:r>
+            <a:r>
+              <a:rPr lang="en-US" altLang="ko-KR" sz="2000" dirty="0" err="1"/>
+              <a:t>PIL.Image</a:t>
+            </a:r>
+            <a:r>
+              <a:rPr lang="en-US" altLang="ko-KR" sz="2000" dirty="0"/>
+              <a:t> at a random location.</a:t>
+            </a:r>
+            <a:endParaRPr kumimoji="1" lang="en-US" altLang="ko-KR" sz="2000" dirty="0" smtClean="0"/>
+          </a:p>
+          <a:p>
+            <a:pPr lvl="1" latinLnBrk="0">
+              <a:lnSpc>
+                <a:spcPct val="150000"/>
+              </a:lnSpc>
+              <a:spcBef>
+                <a:spcPts val="0"/>
+              </a:spcBef>
+            </a:pPr>
+            <a:r>
+              <a:rPr kumimoji="1" lang="en-US" altLang="ko-KR" sz="2000" dirty="0" err="1" smtClean="0"/>
+              <a:t>transforms.</a:t>
+            </a:r>
+            <a:r>
+              <a:rPr kumimoji="1" lang="en-US" altLang="ko-KR" sz="2000" b="1" dirty="0" err="1" smtClean="0"/>
+              <a:t>RandomSizedCrop</a:t>
+            </a:r>
+            <a:r>
+              <a:rPr kumimoji="1" lang="en-US" altLang="ko-KR" sz="2000" dirty="0" smtClean="0"/>
+              <a:t> : </a:t>
+            </a:r>
+            <a:r>
+              <a:rPr lang="en-US" altLang="ko-KR" sz="2000" dirty="0"/>
+              <a:t>Crop the given </a:t>
+            </a:r>
+            <a:r>
+              <a:rPr lang="en-US" altLang="ko-KR" sz="2000" dirty="0" err="1"/>
+              <a:t>PIL.Image</a:t>
+            </a:r>
+            <a:r>
+              <a:rPr lang="en-US" altLang="ko-KR" sz="2000" dirty="0"/>
+              <a:t> to random size and aspect ratio.</a:t>
+            </a:r>
+            <a:endParaRPr kumimoji="1" lang="en-US" altLang="ko-KR" sz="2000" dirty="0" smtClean="0"/>
+          </a:p>
+          <a:p>
+            <a:pPr lvl="1" latinLnBrk="0">
+              <a:lnSpc>
+                <a:spcPct val="150000"/>
+              </a:lnSpc>
+              <a:spcBef>
+                <a:spcPts val="0"/>
+              </a:spcBef>
+            </a:pPr>
+            <a:r>
+              <a:rPr kumimoji="1" lang="en-US" altLang="ko-KR" sz="2000" dirty="0" err="1" smtClean="0"/>
+              <a:t>transforms.</a:t>
+            </a:r>
+            <a:r>
+              <a:rPr kumimoji="1" lang="en-US" altLang="ko-KR" sz="2000" b="1" dirty="0" err="1" smtClean="0"/>
+              <a:t>Pad</a:t>
+            </a:r>
+            <a:r>
+              <a:rPr kumimoji="1" lang="en-US" altLang="ko-KR" sz="2000" dirty="0" smtClean="0"/>
+              <a:t> </a:t>
+            </a:r>
+            <a:r>
+              <a:rPr kumimoji="1" lang="en-US" altLang="ko-KR" sz="2000" dirty="0"/>
+              <a:t>: Pad the given </a:t>
+            </a:r>
+            <a:r>
+              <a:rPr kumimoji="1" lang="en-US" altLang="ko-KR" sz="2000" dirty="0" err="1"/>
+              <a:t>PIL.Image</a:t>
+            </a:r>
+            <a:r>
+              <a:rPr kumimoji="1" lang="en-US" altLang="ko-KR" sz="2000" dirty="0"/>
+              <a:t> on all sides with the given “pad” value</a:t>
+            </a:r>
+            <a:r>
+              <a:rPr kumimoji="1" lang="en-US" altLang="ko-KR" sz="2000" dirty="0" smtClean="0"/>
+              <a:t>.</a:t>
+            </a:r>
+          </a:p>
+          <a:p>
+            <a:pPr lvl="1" latinLnBrk="0">
+              <a:lnSpc>
+                <a:spcPct val="150000"/>
+              </a:lnSpc>
+              <a:spcBef>
+                <a:spcPts val="0"/>
+              </a:spcBef>
+            </a:pPr>
+            <a:r>
+              <a:rPr kumimoji="1" lang="en-US" altLang="ko-KR" sz="2000" dirty="0" err="1" smtClean="0"/>
+              <a:t>transforms.</a:t>
+            </a:r>
+            <a:r>
+              <a:rPr kumimoji="1" lang="en-US" altLang="ko-KR" sz="2000" b="1" dirty="0" err="1" smtClean="0"/>
+              <a:t>Normalize</a:t>
+            </a:r>
+            <a:r>
+              <a:rPr kumimoji="1" lang="en-US" altLang="ko-KR" sz="2000" dirty="0" smtClean="0"/>
+              <a:t> : </a:t>
+            </a:r>
+            <a:r>
+              <a:rPr lang="en-US" altLang="ko-KR" sz="2000" dirty="0"/>
+              <a:t>Normalize an tensor image with mean and standard deviation.</a:t>
+            </a:r>
+            <a:endParaRPr kumimoji="1" lang="en-US" altLang="ko-KR" sz="2000" dirty="0"/>
+          </a:p>
+          <a:p>
+            <a:pPr lvl="1" latinLnBrk="0">
+              <a:lnSpc>
+                <a:spcPct val="150000"/>
+              </a:lnSpc>
+              <a:spcBef>
+                <a:spcPts val="0"/>
+              </a:spcBef>
+            </a:pPr>
+            <a:r>
+              <a:rPr kumimoji="1" lang="en-US" altLang="ko-KR" sz="2000" dirty="0" err="1" smtClean="0"/>
+              <a:t>transforms.</a:t>
+            </a:r>
+            <a:r>
+              <a:rPr kumimoji="1" lang="en-US" altLang="ko-KR" sz="2000" b="1" dirty="0" err="1" smtClean="0"/>
+              <a:t>ToTensor</a:t>
+            </a:r>
+            <a:r>
+              <a:rPr kumimoji="1" lang="en-US" altLang="ko-KR" sz="2000" dirty="0" smtClean="0"/>
+              <a:t> : </a:t>
+            </a:r>
+            <a:r>
+              <a:rPr lang="en-US" altLang="ko-KR" sz="2000" dirty="0"/>
+              <a:t>Convert a </a:t>
+            </a:r>
+            <a:r>
+              <a:rPr lang="en-US" altLang="ko-KR" sz="2000" dirty="0" err="1"/>
+              <a:t>PIL.Image</a:t>
+            </a:r>
+            <a:r>
+              <a:rPr lang="en-US" altLang="ko-KR" sz="2000" dirty="0"/>
+              <a:t> or </a:t>
+            </a:r>
+            <a:r>
+              <a:rPr lang="en-US" altLang="ko-KR" sz="2000" dirty="0" err="1"/>
+              <a:t>numpy.ndarray</a:t>
+            </a:r>
+            <a:r>
+              <a:rPr lang="en-US" altLang="ko-KR" sz="2000" dirty="0"/>
+              <a:t> to tensor.</a:t>
+            </a:r>
+            <a:endParaRPr kumimoji="1" lang="en-US" altLang="ko-KR" sz="2000" dirty="0" smtClean="0"/>
+          </a:p>
+          <a:p>
+            <a:pPr lvl="1" latinLnBrk="0">
+              <a:lnSpc>
+                <a:spcPct val="150000"/>
+              </a:lnSpc>
+              <a:spcBef>
+                <a:spcPts val="0"/>
+              </a:spcBef>
+            </a:pPr>
+            <a:r>
+              <a:rPr kumimoji="1" lang="en-US" altLang="ko-KR" sz="2000" dirty="0" err="1" smtClean="0"/>
+              <a:t>transforms.</a:t>
+            </a:r>
+            <a:r>
+              <a:rPr kumimoji="1" lang="en-US" altLang="ko-KR" sz="2000" b="1" dirty="0" err="1" smtClean="0"/>
+              <a:t>ToPILImage</a:t>
+            </a:r>
+            <a:r>
+              <a:rPr kumimoji="1" lang="en-US" altLang="ko-KR" sz="2000" dirty="0" smtClean="0"/>
+              <a:t> : </a:t>
+            </a:r>
+            <a:r>
+              <a:rPr lang="en-US" altLang="ko-KR" sz="2000" dirty="0"/>
+              <a:t>Convert a tensor to PIL </a:t>
+            </a:r>
+            <a:r>
+              <a:rPr lang="en-US" altLang="ko-KR" sz="2000" dirty="0" smtClean="0"/>
+              <a:t>Image.</a:t>
+            </a:r>
+            <a:br>
+              <a:rPr lang="en-US" altLang="ko-KR" sz="2000" dirty="0" smtClean="0"/>
+            </a:br>
+            <a:r>
+              <a:rPr lang="en-US" altLang="ko-KR" sz="2000" dirty="0" smtClean="0">
+                <a:sym typeface="Wingdings"/>
+              </a:rPr>
+              <a:t> You can apply several transformations together to given dataset using </a:t>
+            </a:r>
+            <a:r>
+              <a:rPr lang="en-US" altLang="ko-KR" sz="2000" b="1" dirty="0" smtClean="0">
+                <a:sym typeface="Wingdings"/>
+              </a:rPr>
+              <a:t>Compose</a:t>
+            </a:r>
+            <a:endParaRPr kumimoji="1" lang="en-US" altLang="ko-KR" sz="2000" b="1" dirty="0" smtClean="0"/>
           </a:p>
         </p:txBody>
       </p:sp>
@@ -7196,7 +9797,7 @@
           <a:p>
             <a:fld id="{E3E75774-3282-1C4A-9118-50EA78BFB2AA}" type="slidenum">
               <a:rPr kumimoji="1" lang="ko-KR" altLang="en-US" smtClean="0"/>
-              <a:t>4</a:t>
+              <a:t>5</a:t>
             </a:fld>
             <a:endParaRPr kumimoji="1" lang="ko-KR" altLang="en-US"/>
           </a:p>
@@ -7205,7 +9806,7 @@
     </p:spTree>
     <p:extLst>
       <p:ext uri="{BB962C8B-B14F-4D97-AF65-F5344CB8AC3E}">
-        <p14:creationId xmlns:p14="http://schemas.microsoft.com/office/powerpoint/2010/main" val="800270911"/>
+        <p14:creationId xmlns:p14="http://schemas.microsoft.com/office/powerpoint/2010/main" val="1290763198"/>
       </p:ext>
     </p:extLst>
   </p:cSld>
@@ -7222,7 +9823,7 @@
 </p:sld>
 </file>
 
-<file path=ppt/slides/slide5.xml><?xml version="1.0" encoding="utf-8"?>
+<file path=ppt/slides/slide6.xml><?xml version="1.0" encoding="utf-8"?>
 <p:sld xmlns:a="http://schemas.openxmlformats.org/drawingml/2006/main" xmlns:r="http://schemas.openxmlformats.org/officeDocument/2006/relationships" xmlns:p="http://schemas.openxmlformats.org/presentationml/2006/main">
   <p:cSld>
     <p:spTree>
@@ -7262,14 +9863,30 @@
           <a:lstStyle/>
           <a:p>
             <a:r>
+              <a:rPr kumimoji="1" lang="en-US" altLang="ko-KR" sz="3600" b="1" dirty="0" smtClean="0">
+                <a:solidFill>
+                  <a:srgbClr val="1E3DB4"/>
+                </a:solidFill>
+              </a:rPr>
+              <a:t>Task #</a:t>
+            </a:r>
+            <a:r>
+              <a:rPr kumimoji="1" lang="en-US" altLang="ko-KR" sz="3600" b="1" dirty="0" smtClean="0">
+                <a:solidFill>
+                  <a:srgbClr val="1E3DB4"/>
+                </a:solidFill>
+              </a:rPr>
+              <a:t>1 </a:t>
+            </a:r>
+            <a:r>
               <a:rPr kumimoji="1" lang="en-US" altLang="ko-KR" sz="3600" b="1" dirty="0" err="1" smtClean="0">
                 <a:solidFill>
                   <a:srgbClr val="1E3DB4"/>
                 </a:solidFill>
               </a:rPr>
-              <a:t>torchvision.transforms</a:t>
-            </a:r>
-            <a:endParaRPr kumimoji="1" lang="ko-KR" altLang="en-US" sz="3600" dirty="0"/>
+              <a:t>data_load.py</a:t>
+            </a:r>
+            <a:endParaRPr kumimoji="1" lang="ko-KR" altLang="en-US" sz="3600" b="1" dirty="0"/>
           </a:p>
         </p:txBody>
       </p:sp>
@@ -7285,346 +9902,45 @@
         </p:nvSpPr>
         <p:spPr>
           <a:xfrm>
-            <a:off x="395416" y="840260"/>
-            <a:ext cx="11491784" cy="5251561"/>
+            <a:off x="395416" y="936293"/>
+            <a:ext cx="11582400" cy="601165"/>
           </a:xfrm>
         </p:spPr>
         <p:txBody>
-          <a:bodyPr/>
+          <a:bodyPr>
+            <a:normAutofit/>
+          </a:bodyPr>
           <a:lstStyle/>
           <a:p>
             <a:pPr latinLnBrk="0">
               <a:lnSpc>
-                <a:spcPct val="150000"/>
+                <a:spcPct val="100000"/>
               </a:lnSpc>
               <a:spcBef>
                 <a:spcPts val="0"/>
               </a:spcBef>
             </a:pPr>
             <a:r>
-              <a:rPr kumimoji="1" lang="en-US" altLang="ko-KR" b="1" dirty="0" err="1" smtClean="0"/>
-              <a:t>Torchvision</a:t>
-            </a:r>
-            <a:r>
-              <a:rPr kumimoji="1" lang="en-US" altLang="ko-KR" dirty="0" smtClean="0"/>
-              <a:t> provides simple ways to transform images and tensors.</a:t>
-            </a:r>
-          </a:p>
-          <a:p>
-            <a:pPr lvl="1" latinLnBrk="0">
-              <a:lnSpc>
-                <a:spcPct val="150000"/>
-              </a:lnSpc>
-              <a:spcBef>
-                <a:spcPts val="0"/>
-              </a:spcBef>
-            </a:pPr>
+              <a:rPr kumimoji="1" lang="en-US" altLang="ko-KR" sz="2000" dirty="0" smtClean="0"/>
+              <a:t>Apply transforms (Scale, </a:t>
+            </a:r>
             <a:r>
               <a:rPr kumimoji="1" lang="en-US" altLang="ko-KR" sz="2000" dirty="0" err="1" smtClean="0"/>
-              <a:t>transforms.</a:t>
-            </a:r>
-            <a:r>
-              <a:rPr kumimoji="1" lang="en-US" altLang="ko-KR" sz="2000" b="1" dirty="0" err="1" smtClean="0"/>
-              <a:t>Compose</a:t>
+              <a:t>Centorcrop</a:t>
             </a:r>
             <a:r>
               <a:rPr kumimoji="1" lang="en-US" altLang="ko-KR" sz="2000" dirty="0" smtClean="0"/>
-              <a:t> : Composes transforms together</a:t>
-            </a:r>
-          </a:p>
-          <a:p>
-            <a:pPr lvl="1" latinLnBrk="0">
-              <a:lnSpc>
-                <a:spcPct val="150000"/>
-              </a:lnSpc>
-              <a:spcBef>
-                <a:spcPts val="0"/>
-              </a:spcBef>
-            </a:pPr>
+              <a:t>, </a:t>
+            </a:r>
             <a:r>
               <a:rPr kumimoji="1" lang="en-US" altLang="ko-KR" sz="2000" dirty="0" err="1" smtClean="0"/>
-              <a:t>transforms.</a:t>
-            </a:r>
-            <a:r>
-              <a:rPr kumimoji="1" lang="en-US" altLang="ko-KR" sz="2000" b="1" dirty="0" err="1" smtClean="0"/>
-              <a:t>Scale</a:t>
+              <a:t>ToTensor</a:t>
             </a:r>
             <a:r>
               <a:rPr kumimoji="1" lang="en-US" altLang="ko-KR" sz="2000" dirty="0" smtClean="0"/>
-              <a:t> : </a:t>
-            </a:r>
-            <a:r>
-              <a:rPr lang="en-US" altLang="ko-KR" sz="2000" dirty="0"/>
-              <a:t>Rescale the input </a:t>
-            </a:r>
-            <a:r>
-              <a:rPr lang="en-US" altLang="ko-KR" sz="2000" dirty="0" err="1"/>
-              <a:t>PIL.Image</a:t>
-            </a:r>
-            <a:r>
-              <a:rPr lang="en-US" altLang="ko-KR" sz="2000" dirty="0"/>
-              <a:t> to the given size.</a:t>
-            </a:r>
-            <a:endParaRPr kumimoji="1" lang="en-US" altLang="ko-KR" sz="2000" dirty="0" smtClean="0"/>
-          </a:p>
-          <a:p>
-            <a:pPr lvl="1" latinLnBrk="0">
-              <a:lnSpc>
-                <a:spcPct val="150000"/>
-              </a:lnSpc>
-              <a:spcBef>
-                <a:spcPts val="0"/>
-              </a:spcBef>
-            </a:pPr>
-            <a:r>
-              <a:rPr kumimoji="1" lang="en-US" altLang="ko-KR" sz="2000" dirty="0" err="1" smtClean="0"/>
-              <a:t>transforms.</a:t>
-            </a:r>
-            <a:r>
-              <a:rPr kumimoji="1" lang="en-US" altLang="ko-KR" sz="2000" b="1" dirty="0" err="1" smtClean="0"/>
-              <a:t>CenterCrop</a:t>
-            </a:r>
-            <a:r>
-              <a:rPr kumimoji="1" lang="en-US" altLang="ko-KR" sz="2000" dirty="0" smtClean="0"/>
-              <a:t> : </a:t>
-            </a:r>
-            <a:r>
-              <a:rPr lang="en-US" altLang="ko-KR" sz="2000" dirty="0"/>
-              <a:t>Crops the given </a:t>
-            </a:r>
-            <a:r>
-              <a:rPr lang="en-US" altLang="ko-KR" sz="2000" dirty="0" err="1"/>
-              <a:t>PIL.Image</a:t>
-            </a:r>
-            <a:r>
-              <a:rPr lang="en-US" altLang="ko-KR" sz="2000" dirty="0"/>
-              <a:t> at the center.</a:t>
-            </a:r>
-            <a:endParaRPr kumimoji="1" lang="en-US" altLang="ko-KR" sz="2000" dirty="0" smtClean="0"/>
-          </a:p>
-          <a:p>
-            <a:pPr lvl="1" latinLnBrk="0">
-              <a:lnSpc>
-                <a:spcPct val="150000"/>
-              </a:lnSpc>
-              <a:spcBef>
-                <a:spcPts val="0"/>
-              </a:spcBef>
-            </a:pPr>
-            <a:r>
-              <a:rPr kumimoji="1" lang="en-US" altLang="ko-KR" sz="2000" dirty="0" err="1" smtClean="0"/>
-              <a:t>transforms.</a:t>
-            </a:r>
-            <a:r>
-              <a:rPr kumimoji="1" lang="en-US" altLang="ko-KR" sz="2000" b="1" dirty="0" err="1" smtClean="0"/>
-              <a:t>RandomCrop</a:t>
-            </a:r>
-            <a:r>
-              <a:rPr kumimoji="1" lang="en-US" altLang="ko-KR" sz="2000" dirty="0" smtClean="0"/>
-              <a:t> : </a:t>
-            </a:r>
-            <a:r>
-              <a:rPr lang="en-US" altLang="ko-KR" sz="2000" dirty="0"/>
-              <a:t>Crop the given </a:t>
-            </a:r>
-            <a:r>
-              <a:rPr lang="en-US" altLang="ko-KR" sz="2000" dirty="0" err="1"/>
-              <a:t>PIL.Image</a:t>
-            </a:r>
-            <a:r>
-              <a:rPr lang="en-US" altLang="ko-KR" sz="2000" dirty="0"/>
-              <a:t> at a random location.</a:t>
-            </a:r>
-            <a:endParaRPr kumimoji="1" lang="en-US" altLang="ko-KR" sz="2000" dirty="0" smtClean="0"/>
-          </a:p>
-          <a:p>
-            <a:pPr lvl="1" latinLnBrk="0">
-              <a:lnSpc>
-                <a:spcPct val="150000"/>
-              </a:lnSpc>
-              <a:spcBef>
-                <a:spcPts val="0"/>
-              </a:spcBef>
-            </a:pPr>
-            <a:r>
-              <a:rPr kumimoji="1" lang="en-US" altLang="ko-KR" sz="2000" dirty="0" err="1" smtClean="0"/>
-              <a:t>transforms.</a:t>
-            </a:r>
-            <a:r>
-              <a:rPr kumimoji="1" lang="en-US" altLang="ko-KR" sz="2000" b="1" dirty="0" err="1" smtClean="0"/>
-              <a:t>RandomSizedCrop</a:t>
-            </a:r>
-            <a:r>
-              <a:rPr kumimoji="1" lang="en-US" altLang="ko-KR" sz="2000" dirty="0" smtClean="0"/>
-              <a:t> : </a:t>
-            </a:r>
-            <a:r>
-              <a:rPr lang="en-US" altLang="ko-KR" sz="2000" dirty="0"/>
-              <a:t>Crop the given </a:t>
-            </a:r>
-            <a:r>
-              <a:rPr lang="en-US" altLang="ko-KR" sz="2000" dirty="0" err="1"/>
-              <a:t>PIL.Image</a:t>
-            </a:r>
-            <a:r>
-              <a:rPr lang="en-US" altLang="ko-KR" sz="2000" dirty="0"/>
-              <a:t> to random size and aspect ratio.</a:t>
-            </a:r>
-            <a:endParaRPr kumimoji="1" lang="en-US" altLang="ko-KR" sz="2000" dirty="0" smtClean="0"/>
-          </a:p>
-          <a:p>
-            <a:pPr lvl="1" latinLnBrk="0">
-              <a:lnSpc>
-                <a:spcPct val="150000"/>
-              </a:lnSpc>
-              <a:spcBef>
-                <a:spcPts val="0"/>
-              </a:spcBef>
-            </a:pPr>
-            <a:r>
-              <a:rPr kumimoji="1" lang="en-US" altLang="ko-KR" sz="2000" dirty="0" err="1" smtClean="0"/>
-              <a:t>transforms.</a:t>
-            </a:r>
-            <a:r>
-              <a:rPr kumimoji="1" lang="en-US" altLang="ko-KR" sz="2000" b="1" dirty="0" err="1" smtClean="0"/>
-              <a:t>Pad</a:t>
-            </a:r>
-            <a:r>
-              <a:rPr kumimoji="1" lang="en-US" altLang="ko-KR" sz="2000" dirty="0" smtClean="0"/>
-              <a:t> </a:t>
-            </a:r>
-            <a:r>
-              <a:rPr kumimoji="1" lang="en-US" altLang="ko-KR" sz="2000" dirty="0"/>
-              <a:t>: Pad the given </a:t>
-            </a:r>
-            <a:r>
-              <a:rPr kumimoji="1" lang="en-US" altLang="ko-KR" sz="2000" dirty="0" err="1"/>
-              <a:t>PIL.Image</a:t>
-            </a:r>
-            <a:r>
-              <a:rPr kumimoji="1" lang="en-US" altLang="ko-KR" sz="2000" dirty="0"/>
-              <a:t> on all sides with the given “pad” value</a:t>
-            </a:r>
-            <a:r>
-              <a:rPr kumimoji="1" lang="en-US" altLang="ko-KR" sz="2000" dirty="0" smtClean="0"/>
-              <a:t>.</a:t>
-            </a:r>
-          </a:p>
-          <a:p>
-            <a:pPr lvl="1" latinLnBrk="0">
-              <a:lnSpc>
-                <a:spcPct val="150000"/>
-              </a:lnSpc>
-              <a:spcBef>
-                <a:spcPts val="0"/>
-              </a:spcBef>
-            </a:pPr>
-            <a:r>
-              <a:rPr kumimoji="1" lang="en-US" altLang="ko-KR" sz="2000" dirty="0" err="1" smtClean="0"/>
-              <a:t>transforms.</a:t>
-            </a:r>
-            <a:r>
-              <a:rPr kumimoji="1" lang="en-US" altLang="ko-KR" sz="2000" b="1" dirty="0" err="1" smtClean="0"/>
-              <a:t>Normalize</a:t>
-            </a:r>
-            <a:r>
-              <a:rPr kumimoji="1" lang="en-US" altLang="ko-KR" sz="2000" dirty="0" smtClean="0"/>
-              <a:t> : </a:t>
-            </a:r>
-            <a:r>
-              <a:rPr lang="en-US" altLang="ko-KR" sz="2000" dirty="0"/>
-              <a:t>Normalize an tensor image with mean and standard deviation.</a:t>
-            </a:r>
-            <a:endParaRPr kumimoji="1" lang="en-US" altLang="ko-KR" sz="2000" dirty="0"/>
-          </a:p>
-          <a:p>
-            <a:pPr lvl="1" latinLnBrk="0">
-              <a:lnSpc>
-                <a:spcPct val="150000"/>
-              </a:lnSpc>
-              <a:spcBef>
-                <a:spcPts val="0"/>
-              </a:spcBef>
-            </a:pPr>
-            <a:r>
-              <a:rPr kumimoji="1" lang="en-US" altLang="ko-KR" sz="2000" dirty="0" err="1" smtClean="0"/>
-              <a:t>transforms.</a:t>
-            </a:r>
-            <a:r>
-              <a:rPr kumimoji="1" lang="en-US" altLang="ko-KR" sz="2000" b="1" dirty="0" err="1" smtClean="0"/>
-              <a:t>ToTensor</a:t>
-            </a:r>
-            <a:r>
-              <a:rPr kumimoji="1" lang="en-US" altLang="ko-KR" sz="2000" dirty="0" smtClean="0"/>
-              <a:t> : </a:t>
-            </a:r>
-            <a:r>
-              <a:rPr lang="en-US" altLang="ko-KR" sz="2000" dirty="0"/>
-              <a:t>Convert a </a:t>
-            </a:r>
-            <a:r>
-              <a:rPr lang="en-US" altLang="ko-KR" sz="2000" dirty="0" err="1"/>
-              <a:t>PIL.Image</a:t>
-            </a:r>
-            <a:r>
-              <a:rPr lang="en-US" altLang="ko-KR" sz="2000" dirty="0"/>
-              <a:t> or </a:t>
-            </a:r>
-            <a:r>
-              <a:rPr lang="en-US" altLang="ko-KR" sz="2000" dirty="0" err="1"/>
-              <a:t>numpy.ndarray</a:t>
-            </a:r>
-            <a:r>
-              <a:rPr lang="en-US" altLang="ko-KR" sz="2000" dirty="0"/>
-              <a:t> to tensor.</a:t>
-            </a:r>
-            <a:endParaRPr kumimoji="1" lang="en-US" altLang="ko-KR" sz="2000" dirty="0" smtClean="0"/>
-          </a:p>
-          <a:p>
-            <a:pPr lvl="1" latinLnBrk="0">
-              <a:lnSpc>
-                <a:spcPct val="150000"/>
-              </a:lnSpc>
-              <a:spcBef>
-                <a:spcPts val="0"/>
-              </a:spcBef>
-            </a:pPr>
-            <a:r>
-              <a:rPr kumimoji="1" lang="en-US" altLang="ko-KR" sz="2000" dirty="0" err="1" smtClean="0"/>
-              <a:t>transforms.</a:t>
-            </a:r>
-            <a:r>
-              <a:rPr kumimoji="1" lang="en-US" altLang="ko-KR" sz="2000" b="1" dirty="0" err="1" smtClean="0"/>
-              <a:t>ToPILImage</a:t>
-            </a:r>
-            <a:r>
-              <a:rPr kumimoji="1" lang="en-US" altLang="ko-KR" sz="2000" dirty="0" smtClean="0"/>
-              <a:t> : </a:t>
-            </a:r>
-            <a:r>
-              <a:rPr lang="en-US" altLang="ko-KR" sz="2000" dirty="0"/>
-              <a:t>Convert a tensor to PIL </a:t>
-            </a:r>
-            <a:r>
-              <a:rPr lang="en-US" altLang="ko-KR" sz="2000" dirty="0" smtClean="0"/>
-              <a:t>Image.</a:t>
-            </a:r>
-            <a:br>
-              <a:rPr lang="en-US" altLang="ko-KR" sz="2000" dirty="0" smtClean="0"/>
-            </a:br>
-            <a:r>
-              <a:rPr lang="en-US" altLang="ko-KR" sz="2000" dirty="0" smtClean="0">
-                <a:sym typeface="Wingdings"/>
-              </a:rPr>
-              <a:t> You can apply several transformations together to given dataset using </a:t>
-            </a:r>
-            <a:r>
-              <a:rPr lang="en-US" altLang="ko-KR" sz="2000" b="1" dirty="0" smtClean="0">
-                <a:sym typeface="Wingdings"/>
-              </a:rPr>
-              <a:t>Compose</a:t>
-            </a:r>
-            <a:endParaRPr kumimoji="1" lang="en-US" altLang="ko-KR" sz="2000" b="1" dirty="0" smtClean="0"/>
+              <a:t>, Normalize) to 'Validation' Dataset</a:t>
+            </a:r>
+            <a:endParaRPr kumimoji="1" lang="ko-KR" altLang="en-US" sz="1600" b="1" dirty="0"/>
           </a:p>
         </p:txBody>
       </p:sp>
@@ -7728,16 +10044,192 @@
           <a:p>
             <a:fld id="{E3E75774-3282-1C4A-9118-50EA78BFB2AA}" type="slidenum">
               <a:rPr kumimoji="1" lang="ko-KR" altLang="en-US" smtClean="0"/>
-              <a:t>5</a:t>
+              <a:t>6</a:t>
             </a:fld>
             <a:endParaRPr kumimoji="1" lang="ko-KR" altLang="en-US"/>
+          </a:p>
+        </p:txBody>
+      </p:sp>
+      <mc:AlternateContent xmlns:mc="http://schemas.openxmlformats.org/markup-compatibility/2006" xmlns:we="http://schemas.microsoft.com/office/webextensions/webextension/2010/11" xmlns:pca="http://schemas.microsoft.com/office/powerpoint/2013/contentapp">
+        <mc:Choice Requires="we pca">
+          <p:graphicFrame>
+            <p:nvGraphicFramePr>
+              <p:cNvPr id="6" name="추가 기능 5" title="Code Presenter Pro"/>
+              <p:cNvGraphicFramePr>
+                <a:graphicFrameLocks noGrp="1"/>
+              </p:cNvGraphicFramePr>
+              <p:nvPr>
+                <p:extLst>
+                  <p:ext uri="{D42A27DB-BD31-4B8C-83A1-F6EECF244321}">
+                    <p14:modId xmlns:p14="http://schemas.microsoft.com/office/powerpoint/2010/main" val="1788173798"/>
+                  </p:ext>
+                </p:extLst>
+              </p:nvPr>
+            </p:nvGraphicFramePr>
+            <p:xfrm>
+              <a:off x="395416" y="1537458"/>
+              <a:ext cx="6224840" cy="4494843"/>
+            </p:xfrm>
+            <a:graphic>
+              <a:graphicData uri="http://schemas.microsoft.com/office/webextensions/webextension/2010/11">
+                <we:webextensionref xmlns:we="http://schemas.microsoft.com/office/webextensions/webextension/2010/11" xmlns:r="http://schemas.openxmlformats.org/officeDocument/2006/relationships" r:id="rId4"/>
+              </a:graphicData>
+            </a:graphic>
+          </p:graphicFrame>
+        </mc:Choice>
+        <mc:Fallback xmlns="">
+          <p:pic>
+            <p:nvPicPr>
+              <p:cNvPr id="6" name="추가 기능 5" title="Code Presenter Pro"/>
+              <p:cNvPicPr>
+                <a:picLocks noGrp="1" noRot="1" noChangeAspect="1" noMove="1" noResize="1" noEditPoints="1" noAdjustHandles="1" noChangeArrowheads="1" noChangeShapeType="1"/>
+              </p:cNvPicPr>
+              <p:nvPr/>
+            </p:nvPicPr>
+            <p:blipFill>
+              <a:blip r:embed="rId5"/>
+              <a:stretch>
+                <a:fillRect/>
+              </a:stretch>
+            </p:blipFill>
+            <p:spPr>
+              <a:xfrm>
+                <a:off x="395416" y="1537458"/>
+                <a:ext cx="6224840" cy="4494843"/>
+              </a:xfrm>
+              <a:prstGeom prst="rect">
+                <a:avLst/>
+              </a:prstGeom>
+            </p:spPr>
+          </p:pic>
+        </mc:Fallback>
+      </mc:AlternateContent>
+      <p:sp>
+        <p:nvSpPr>
+          <p:cNvPr id="8" name="텍스트 상자 7"/>
+          <p:cNvSpPr txBox="1"/>
+          <p:nvPr/>
+        </p:nvSpPr>
+        <p:spPr>
+          <a:xfrm>
+            <a:off x="6827485" y="1957864"/>
+            <a:ext cx="4626075" cy="3416320"/>
+          </a:xfrm>
+          <a:prstGeom prst="rect">
+            <a:avLst/>
+          </a:prstGeom>
+          <a:noFill/>
+        </p:spPr>
+        <p:txBody>
+          <a:bodyPr wrap="none" rtlCol="0">
+            <a:spAutoFit/>
+          </a:bodyPr>
+          <a:lstStyle/>
+          <a:p>
+            <a:pPr marL="285750" indent="-285750">
+              <a:lnSpc>
+                <a:spcPct val="200000"/>
+              </a:lnSpc>
+              <a:buFont typeface="Arial" charset="0"/>
+              <a:buChar char="•"/>
+            </a:pPr>
+            <a:r>
+              <a:rPr kumimoji="1" lang="en-US" altLang="ko-KR" dirty="0" smtClean="0"/>
+              <a:t>Scale Image to size 256 x 256 x 3</a:t>
+            </a:r>
+          </a:p>
+          <a:p>
+            <a:pPr marL="285750" indent="-285750">
+              <a:lnSpc>
+                <a:spcPct val="200000"/>
+              </a:lnSpc>
+              <a:buFont typeface="Arial" charset="0"/>
+              <a:buChar char="•"/>
+            </a:pPr>
+            <a:r>
+              <a:rPr kumimoji="1" lang="en-US" altLang="ko-KR" dirty="0" err="1" smtClean="0"/>
+              <a:t>Centercrop</a:t>
+            </a:r>
+            <a:r>
+              <a:rPr kumimoji="1" lang="en-US" altLang="ko-KR" dirty="0" smtClean="0"/>
+              <a:t> Image to size 224 x 224 x 3</a:t>
+            </a:r>
+          </a:p>
+          <a:p>
+            <a:pPr marL="285750" indent="-285750">
+              <a:lnSpc>
+                <a:spcPct val="200000"/>
+              </a:lnSpc>
+              <a:buFont typeface="Arial" charset="0"/>
+              <a:buChar char="•"/>
+            </a:pPr>
+            <a:r>
+              <a:rPr kumimoji="1" lang="en-US" altLang="ko-KR" dirty="0" smtClean="0"/>
+              <a:t>Transform Image to Tensor</a:t>
+            </a:r>
+          </a:p>
+          <a:p>
+            <a:pPr marL="285750" indent="-285750">
+              <a:lnSpc>
+                <a:spcPct val="200000"/>
+              </a:lnSpc>
+              <a:buFont typeface="Arial" charset="0"/>
+              <a:buChar char="•"/>
+            </a:pPr>
+            <a:r>
+              <a:rPr kumimoji="1" lang="en-US" altLang="ko-KR" dirty="0" smtClean="0"/>
+              <a:t>Normalize Tensor</a:t>
+            </a:r>
+          </a:p>
+          <a:p>
+            <a:pPr marL="742950" lvl="1" indent="-285750">
+              <a:lnSpc>
+                <a:spcPct val="200000"/>
+              </a:lnSpc>
+              <a:buFont typeface="Arial" charset="0"/>
+              <a:buChar char="•"/>
+            </a:pPr>
+            <a:r>
+              <a:rPr kumimoji="1" lang="en-US" altLang="ko-KR" dirty="0" smtClean="0"/>
+              <a:t>Mean : [</a:t>
+            </a:r>
+            <a:r>
+              <a:rPr kumimoji="1" lang="pt-BR" altLang="ko-KR" dirty="0"/>
+              <a:t>0.485, 0.456, 0.406</a:t>
+            </a:r>
+            <a:r>
+              <a:rPr kumimoji="1" lang="pt-BR" altLang="ko-KR" dirty="0" smtClean="0"/>
+              <a:t>]</a:t>
+            </a:r>
+          </a:p>
+          <a:p>
+            <a:pPr marL="742950" lvl="1" indent="-285750">
+              <a:lnSpc>
+                <a:spcPct val="200000"/>
+              </a:lnSpc>
+              <a:buFont typeface="Arial" charset="0"/>
+              <a:buChar char="•"/>
+            </a:pPr>
+            <a:r>
+              <a:rPr kumimoji="1" lang="pt-BR" altLang="ko-KR" dirty="0" err="1" smtClean="0"/>
+              <a:t>Std</a:t>
+            </a:r>
+            <a:r>
+              <a:rPr kumimoji="1" lang="pt-BR" altLang="ko-KR" dirty="0"/>
+              <a:t> : [0.229, 0.224, 0.225</a:t>
+            </a:r>
+            <a:r>
+              <a:rPr kumimoji="1" lang="pt-BR" altLang="ko-KR" dirty="0" smtClean="0"/>
+              <a:t>]</a:t>
+            </a:r>
+            <a:endParaRPr kumimoji="1" lang="en-US" altLang="ko-KR" dirty="0" smtClean="0"/>
           </a:p>
         </p:txBody>
       </p:sp>
     </p:spTree>
     <p:extLst>
       <p:ext uri="{BB962C8B-B14F-4D97-AF65-F5344CB8AC3E}">
-        <p14:creationId xmlns:p14="http://schemas.microsoft.com/office/powerpoint/2010/main" val="1290763198"/>
+        <p14:creationId xmlns:p14="http://schemas.microsoft.com/office/powerpoint/2010/main" val="2115178442"/>
       </p:ext>
     </p:extLst>
   </p:cSld>
@@ -7754,7 +10246,7 @@
 </p:sld>
 </file>
 
-<file path=ppt/slides/slide6.xml><?xml version="1.0" encoding="utf-8"?>
+<file path=ppt/slides/slide7.xml><?xml version="1.0" encoding="utf-8"?>
 <p:sld xmlns:a="http://schemas.openxmlformats.org/drawingml/2006/main" xmlns:r="http://schemas.openxmlformats.org/officeDocument/2006/relationships" xmlns:p="http://schemas.openxmlformats.org/presentationml/2006/main">
   <p:cSld>
     <p:spTree>
@@ -7799,63 +10291,9 @@
                   <a:srgbClr val="1E3DB4"/>
                 </a:solidFill>
               </a:rPr>
-              <a:t>Task #1</a:t>
+              <a:t>Answer</a:t>
             </a:r>
             <a:endParaRPr kumimoji="1" lang="ko-KR" altLang="en-US" sz="3600" dirty="0"/>
-          </a:p>
-        </p:txBody>
-      </p:sp>
-      <p:sp>
-        <p:nvSpPr>
-          <p:cNvPr id="3" name="내용 개체 틀 2"/>
-          <p:cNvSpPr>
-            <a:spLocks noGrp="1"/>
-          </p:cNvSpPr>
-          <p:nvPr>
-            <p:ph idx="1"/>
-          </p:nvPr>
-        </p:nvSpPr>
-        <p:spPr>
-          <a:xfrm>
-            <a:off x="395416" y="936293"/>
-            <a:ext cx="11582400" cy="601165"/>
-          </a:xfrm>
-        </p:spPr>
-        <p:txBody>
-          <a:bodyPr>
-            <a:normAutofit/>
-          </a:bodyPr>
-          <a:lstStyle/>
-          <a:p>
-            <a:pPr latinLnBrk="0">
-              <a:lnSpc>
-                <a:spcPct val="100000"/>
-              </a:lnSpc>
-              <a:spcBef>
-                <a:spcPts val="0"/>
-              </a:spcBef>
-            </a:pPr>
-            <a:r>
-              <a:rPr kumimoji="1" lang="en-US" altLang="ko-KR" sz="2000" dirty="0" smtClean="0"/>
-              <a:t>Apply transforms (Scale, </a:t>
-            </a:r>
-            <a:r>
-              <a:rPr kumimoji="1" lang="en-US" altLang="ko-KR" sz="2000" dirty="0" err="1" smtClean="0"/>
-              <a:t>Centorcrop</a:t>
-            </a:r>
-            <a:r>
-              <a:rPr kumimoji="1" lang="en-US" altLang="ko-KR" sz="2000" dirty="0" smtClean="0"/>
-              <a:t>, </a:t>
-            </a:r>
-            <a:r>
-              <a:rPr kumimoji="1" lang="en-US" altLang="ko-KR" sz="2000" dirty="0" err="1" smtClean="0"/>
-              <a:t>ToTensor</a:t>
-            </a:r>
-            <a:r>
-              <a:rPr kumimoji="1" lang="en-US" altLang="ko-KR" sz="2000" dirty="0" smtClean="0"/>
-              <a:t>, Normalize) to 'Validation' Dataset</a:t>
-            </a:r>
-            <a:endParaRPr kumimoji="1" lang="ko-KR" altLang="en-US" sz="1600" b="1" dirty="0"/>
           </a:p>
         </p:txBody>
       </p:sp>
@@ -7959,7 +10397,7 @@
           <a:p>
             <a:fld id="{E3E75774-3282-1C4A-9118-50EA78BFB2AA}" type="slidenum">
               <a:rPr kumimoji="1" lang="ko-KR" altLang="en-US" smtClean="0"/>
-              <a:t>6</a:t>
+              <a:t>7</a:t>
             </a:fld>
             <a:endParaRPr kumimoji="1" lang="ko-KR" altLang="en-US"/>
           </a:p>
@@ -7976,14 +10414,14 @@
               <p:nvPr>
                 <p:extLst>
                   <p:ext uri="{D42A27DB-BD31-4B8C-83A1-F6EECF244321}">
-                    <p14:modId xmlns:p14="http://schemas.microsoft.com/office/powerpoint/2010/main" val="1788173798"/>
+                    <p14:modId xmlns:p14="http://schemas.microsoft.com/office/powerpoint/2010/main" val="1931842556"/>
                   </p:ext>
                 </p:extLst>
               </p:nvPr>
             </p:nvGraphicFramePr>
             <p:xfrm>
-              <a:off x="395416" y="1537458"/>
-              <a:ext cx="6224840" cy="4494843"/>
+              <a:off x="395416" y="924909"/>
+              <a:ext cx="11491784" cy="5107391"/>
             </p:xfrm>
             <a:graphic>
               <a:graphicData uri="http://schemas.microsoft.com/office/webextensions/webextension/2010/11">
@@ -8009,8 +10447,8 @@
             </p:blipFill>
             <p:spPr>
               <a:xfrm>
-                <a:off x="395416" y="1537458"/>
-                <a:ext cx="6224840" cy="4494843"/>
+                <a:off x="395416" y="924909"/>
+                <a:ext cx="11491784" cy="5107391"/>
               </a:xfrm>
               <a:prstGeom prst="rect">
                 <a:avLst/>
@@ -8019,132 +10457,10 @@
           </p:pic>
         </mc:Fallback>
       </mc:AlternateContent>
-      <p:sp>
-        <p:nvSpPr>
-          <p:cNvPr id="8" name="텍스트 상자 7"/>
-          <p:cNvSpPr txBox="1"/>
-          <p:nvPr/>
-        </p:nvSpPr>
-        <p:spPr>
-          <a:xfrm>
-            <a:off x="6827485" y="1957864"/>
-            <a:ext cx="4626075" cy="3416320"/>
-          </a:xfrm>
-          <a:prstGeom prst="rect">
-            <a:avLst/>
-          </a:prstGeom>
-          <a:noFill/>
-        </p:spPr>
-        <p:txBody>
-          <a:bodyPr wrap="none" rtlCol="0">
-            <a:spAutoFit/>
-          </a:bodyPr>
-          <a:lstStyle/>
-          <a:p>
-            <a:pPr marL="285750" indent="-285750">
-              <a:lnSpc>
-                <a:spcPct val="200000"/>
-              </a:lnSpc>
-              <a:buFont typeface="Arial" charset="0"/>
-              <a:buChar char="•"/>
-            </a:pPr>
-            <a:r>
-              <a:rPr kumimoji="1" lang="en-US" altLang="ko-KR" dirty="0" smtClean="0"/>
-              <a:t>Scale Image to size 256 x 256 x 3</a:t>
-            </a:r>
-          </a:p>
-          <a:p>
-            <a:pPr marL="285750" indent="-285750">
-              <a:lnSpc>
-                <a:spcPct val="200000"/>
-              </a:lnSpc>
-              <a:buFont typeface="Arial" charset="0"/>
-              <a:buChar char="•"/>
-            </a:pPr>
-            <a:r>
-              <a:rPr kumimoji="1" lang="en-US" altLang="ko-KR" dirty="0" err="1" smtClean="0"/>
-              <a:t>Centercrop</a:t>
-            </a:r>
-            <a:r>
-              <a:rPr kumimoji="1" lang="en-US" altLang="ko-KR" dirty="0" smtClean="0"/>
-              <a:t> Image to size 224 x 224 x 3</a:t>
-            </a:r>
-          </a:p>
-          <a:p>
-            <a:pPr marL="285750" indent="-285750">
-              <a:lnSpc>
-                <a:spcPct val="200000"/>
-              </a:lnSpc>
-              <a:buFont typeface="Arial" charset="0"/>
-              <a:buChar char="•"/>
-            </a:pPr>
-            <a:r>
-              <a:rPr kumimoji="1" lang="en-US" altLang="ko-KR" dirty="0" smtClean="0"/>
-              <a:t>Transform Image to Tensor</a:t>
-            </a:r>
-          </a:p>
-          <a:p>
-            <a:pPr marL="285750" indent="-285750">
-              <a:lnSpc>
-                <a:spcPct val="200000"/>
-              </a:lnSpc>
-              <a:buFont typeface="Arial" charset="0"/>
-              <a:buChar char="•"/>
-            </a:pPr>
-            <a:r>
-              <a:rPr kumimoji="1" lang="en-US" altLang="ko-KR" dirty="0" smtClean="0"/>
-              <a:t>Normalize Tensor</a:t>
-            </a:r>
-          </a:p>
-          <a:p>
-            <a:pPr marL="742950" lvl="1" indent="-285750">
-              <a:lnSpc>
-                <a:spcPct val="200000"/>
-              </a:lnSpc>
-              <a:buFont typeface="Arial" charset="0"/>
-              <a:buChar char="•"/>
-            </a:pPr>
-            <a:r>
-              <a:rPr kumimoji="1" lang="en-US" altLang="ko-KR" dirty="0" smtClean="0"/>
-              <a:t>Mean : [</a:t>
-            </a:r>
-            <a:r>
-              <a:rPr kumimoji="1" lang="pt-BR" altLang="ko-KR" dirty="0"/>
-              <a:t>0.485, 0.456, 0.406</a:t>
-            </a:r>
-            <a:r>
-              <a:rPr kumimoji="1" lang="pt-BR" altLang="ko-KR" dirty="0" smtClean="0"/>
-              <a:t>]</a:t>
-            </a:r>
-          </a:p>
-          <a:p>
-            <a:pPr marL="742950" lvl="1" indent="-285750">
-              <a:lnSpc>
-                <a:spcPct val="200000"/>
-              </a:lnSpc>
-              <a:buFont typeface="Arial" charset="0"/>
-              <a:buChar char="•"/>
-            </a:pPr>
-            <a:r>
-              <a:rPr kumimoji="1" lang="pt-BR" altLang="ko-KR" dirty="0" err="1" smtClean="0"/>
-              <a:t>Std</a:t>
-            </a:r>
-            <a:r>
-              <a:rPr kumimoji="1" lang="pt-BR" altLang="ko-KR" dirty="0"/>
-              <a:t> : [0.229, 0.224, 0.225</a:t>
-            </a:r>
-            <a:r>
-              <a:rPr kumimoji="1" lang="pt-BR" altLang="ko-KR" dirty="0" smtClean="0"/>
-              <a:t>]</a:t>
-            </a:r>
-            <a:endParaRPr kumimoji="1" lang="en-US" altLang="ko-KR" dirty="0" smtClean="0"/>
-          </a:p>
-        </p:txBody>
-      </p:sp>
     </p:spTree>
     <p:extLst>
       <p:ext uri="{BB962C8B-B14F-4D97-AF65-F5344CB8AC3E}">
-        <p14:creationId xmlns:p14="http://schemas.microsoft.com/office/powerpoint/2010/main" val="2115178442"/>
+        <p14:creationId xmlns:p14="http://schemas.microsoft.com/office/powerpoint/2010/main" val="439128080"/>
       </p:ext>
     </p:extLst>
   </p:cSld>
@@ -8161,7 +10477,7 @@
 </p:sld>
 </file>
 
-<file path=ppt/slides/slide7.xml><?xml version="1.0" encoding="utf-8"?>
+<file path=ppt/slides/slide8.xml><?xml version="1.0" encoding="utf-8"?>
 <p:sld xmlns:a="http://schemas.openxmlformats.org/drawingml/2006/main" xmlns:r="http://schemas.openxmlformats.org/officeDocument/2006/relationships" xmlns:p="http://schemas.openxmlformats.org/presentationml/2006/main">
   <p:cSld>
     <p:spTree>
@@ -8206,7 +10522,7 @@
                   <a:srgbClr val="1E3DB4"/>
                 </a:solidFill>
               </a:rPr>
-              <a:t>Answer</a:t>
+              <a:t>Load and modify model</a:t>
             </a:r>
             <a:endParaRPr kumimoji="1" lang="ko-KR" altLang="en-US" sz="3600" dirty="0"/>
           </a:p>
@@ -8224,17 +10540,42 @@
         </p:nvSpPr>
         <p:spPr>
           <a:xfrm>
-            <a:off x="395416" y="936293"/>
-            <a:ext cx="11582400" cy="601165"/>
+            <a:off x="395416" y="972525"/>
+            <a:ext cx="11686856" cy="2246163"/>
           </a:xfrm>
         </p:spPr>
         <p:txBody>
-          <a:bodyPr>
-            <a:normAutofit/>
-          </a:bodyPr>
+          <a:bodyPr/>
           <a:lstStyle/>
           <a:p>
             <a:pPr latinLnBrk="0">
+              <a:lnSpc>
+                <a:spcPct val="150000"/>
+              </a:lnSpc>
+              <a:spcBef>
+                <a:spcPts val="0"/>
+              </a:spcBef>
+            </a:pPr>
+            <a:r>
+              <a:rPr kumimoji="1" lang="en-US" altLang="ko-KR" i="1" dirty="0" err="1" smtClean="0"/>
+              <a:t>load_state_dict</a:t>
+            </a:r>
+            <a:r>
+              <a:rPr kumimoji="1" lang="en-US" altLang="ko-KR" i="1" dirty="0" smtClean="0"/>
+              <a:t>(</a:t>
+            </a:r>
+            <a:r>
+              <a:rPr kumimoji="1" lang="en-US" altLang="ko-KR" i="1" dirty="0" err="1" smtClean="0"/>
+              <a:t>state_dict</a:t>
+            </a:r>
+            <a:r>
+              <a:rPr kumimoji="1" lang="en-US" altLang="ko-KR" i="1" dirty="0" smtClean="0"/>
+              <a:t>)</a:t>
+            </a:r>
+            <a:endParaRPr kumimoji="1" lang="en-US" altLang="ko-KR" i="1" dirty="0"/>
+          </a:p>
+          <a:p>
+            <a:pPr lvl="1" latinLnBrk="0">
               <a:lnSpc>
                 <a:spcPct val="100000"/>
               </a:lnSpc>
@@ -8243,26 +10584,69 @@
               </a:spcBef>
             </a:pPr>
             <a:r>
-              <a:rPr kumimoji="1" lang="en-US" altLang="ko-KR" sz="2000" dirty="0" smtClean="0"/>
-              <a:t>Apply transforms (Scale, </a:t>
-            </a:r>
-            <a:r>
-              <a:rPr kumimoji="1" lang="en-US" altLang="ko-KR" sz="2000" dirty="0" err="1" smtClean="0"/>
-              <a:t>Centorcrop</a:t>
-            </a:r>
-            <a:r>
-              <a:rPr kumimoji="1" lang="en-US" altLang="ko-KR" sz="2000" dirty="0" smtClean="0"/>
-              <a:t>, </a:t>
-            </a:r>
-            <a:r>
-              <a:rPr kumimoji="1" lang="en-US" altLang="ko-KR" sz="2000" dirty="0" err="1" smtClean="0"/>
-              <a:t>ToTensor</a:t>
-            </a:r>
-            <a:r>
-              <a:rPr kumimoji="1" lang="en-US" altLang="ko-KR" sz="2000" dirty="0" smtClean="0"/>
-              <a:t>, Normalize) to 'Validation' Dataset</a:t>
-            </a:r>
-            <a:endParaRPr kumimoji="1" lang="ko-KR" altLang="en-US" sz="1600" b="1" dirty="0"/>
+              <a:rPr lang="en-US" altLang="ko-KR" dirty="0"/>
+              <a:t>Copies parameters and buffers from </a:t>
+            </a:r>
+            <a:r>
+              <a:rPr lang="en-US" altLang="ko-KR" b="1" dirty="0" err="1" smtClean="0"/>
+              <a:t>state_dict</a:t>
+            </a:r>
+            <a:r>
+              <a:rPr lang="en-US" altLang="ko-KR" dirty="0"/>
+              <a:t> into this module and its descendants. </a:t>
+            </a:r>
+            <a:endParaRPr lang="en-US" altLang="ko-KR" dirty="0" smtClean="0"/>
+          </a:p>
+          <a:p>
+            <a:pPr lvl="1" latinLnBrk="0">
+              <a:lnSpc>
+                <a:spcPct val="100000"/>
+              </a:lnSpc>
+              <a:spcBef>
+                <a:spcPts val="0"/>
+              </a:spcBef>
+            </a:pPr>
+            <a:r>
+              <a:rPr lang="en-US" altLang="ko-KR" dirty="0" smtClean="0"/>
+              <a:t>The </a:t>
+            </a:r>
+            <a:r>
+              <a:rPr lang="en-US" altLang="ko-KR" dirty="0"/>
+              <a:t>keys of </a:t>
+            </a:r>
+            <a:r>
+              <a:rPr lang="en-US" altLang="ko-KR" b="1" dirty="0"/>
+              <a:t> </a:t>
+            </a:r>
+            <a:r>
+              <a:rPr lang="en-US" altLang="ko-KR" b="1" dirty="0" err="1"/>
+              <a:t>state_dict</a:t>
+            </a:r>
+            <a:r>
+              <a:rPr lang="en-US" altLang="ko-KR" b="1" dirty="0"/>
+              <a:t> </a:t>
+            </a:r>
+            <a:r>
+              <a:rPr lang="en-US" altLang="ko-KR" dirty="0"/>
+              <a:t> must exactly match the keys returned by this module’s </a:t>
+            </a:r>
+            <a:r>
+              <a:rPr lang="en-US" altLang="ko-KR" b="1" dirty="0"/>
+              <a:t> </a:t>
+            </a:r>
+            <a:r>
+              <a:rPr lang="en-US" altLang="ko-KR" b="1" dirty="0" err="1" smtClean="0"/>
+              <a:t>state_dict</a:t>
+            </a:r>
+            <a:r>
+              <a:rPr lang="en-US" altLang="ko-KR" b="1" dirty="0" smtClean="0"/>
+              <a:t>()</a:t>
+            </a:r>
+            <a:r>
+              <a:rPr lang="en-US" altLang="ko-KR" dirty="0"/>
+              <a:t> function.</a:t>
+            </a:r>
+            <a:endParaRPr kumimoji="1" lang="en-US" altLang="ko-KR" dirty="0" smtClean="0"/>
           </a:p>
         </p:txBody>
       </p:sp>
@@ -8366,25 +10750,31 @@
           <a:p>
             <a:fld id="{E3E75774-3282-1C4A-9118-50EA78BFB2AA}" type="slidenum">
               <a:rPr kumimoji="1" lang="ko-KR" altLang="en-US" smtClean="0"/>
-              <a:t>7</a:t>
+              <a:t>8</a:t>
             </a:fld>
             <a:endParaRPr kumimoji="1" lang="ko-KR" altLang="en-US"/>
           </a:p>
         </p:txBody>
       </p:sp>
-      <mc:AlternateContent xmlns:mc="http://schemas.openxmlformats.org/markup-compatibility/2006">
-        <mc:Choice xmlns:we="http://schemas.microsoft.com/office/webextensions/webextension/2010/11" xmlns:pca="http://schemas.microsoft.com/office/powerpoint/2013/contentapp" Requires="we pca">
+      <mc:AlternateContent xmlns:mc="http://schemas.openxmlformats.org/markup-compatibility/2006" xmlns:we="http://schemas.microsoft.com/office/webextensions/webextension/2010/11" xmlns:pca="http://schemas.microsoft.com/office/powerpoint/2013/contentapp">
+        <mc:Choice Requires="we pca">
           <p:graphicFrame>
             <p:nvGraphicFramePr>
-              <p:cNvPr id="6" name="추가 기능 5" title="Code Presenter Pro"/>
+              <p:cNvPr id="8" name="추가 기능 7" title="Code Presenter Pro"/>
               <p:cNvGraphicFramePr>
                 <a:graphicFrameLocks noGrp="1"/>
               </p:cNvGraphicFramePr>
-              <p:nvPr/>
+              <p:nvPr>
+                <p:extLst>
+                  <p:ext uri="{D42A27DB-BD31-4B8C-83A1-F6EECF244321}">
+                    <p14:modId xmlns:p14="http://schemas.microsoft.com/office/powerpoint/2010/main" val="40960172"/>
+                  </p:ext>
+                </p:extLst>
+              </p:nvPr>
             </p:nvGraphicFramePr>
             <p:xfrm>
-              <a:off x="395416" y="1537458"/>
-              <a:ext cx="6224840" cy="4494843"/>
+              <a:off x="620268" y="3218688"/>
+              <a:ext cx="4280916" cy="3137662"/>
             </p:xfrm>
             <a:graphic>
               <a:graphicData uri="http://schemas.microsoft.com/office/webextensions/webextension/2010/11">
@@ -8393,10 +10783,10 @@
             </a:graphic>
           </p:graphicFrame>
         </mc:Choice>
-        <mc:Fallback>
+        <mc:Fallback xmlns="">
           <p:pic>
             <p:nvPicPr>
-              <p:cNvPr id="6" name="추가 기능 5" title="Code Presenter Pro"/>
+              <p:cNvPr id="8" name="추가 기능 7" title="Code Presenter Pro"/>
               <p:cNvPicPr>
                 <a:picLocks noGrp="1" noRot="1" noChangeAspect="1" noMove="1" noResize="1" noEditPoints="1" noAdjustHandles="1" noChangeArrowheads="1" noChangeShapeType="1"/>
               </p:cNvPicPr>
@@ -8410,8 +10800,8 @@
             </p:blipFill>
             <p:spPr>
               <a:xfrm>
-                <a:off x="395416" y="1537458"/>
-                <a:ext cx="6224840" cy="4494843"/>
+                <a:off x="620268" y="3218688"/>
+                <a:ext cx="4280916" cy="3137662"/>
               </a:xfrm>
               <a:prstGeom prst="rect">
                 <a:avLst/>
@@ -8422,14 +10812,14 @@
       </mc:AlternateContent>
       <p:sp>
         <p:nvSpPr>
-          <p:cNvPr id="8" name="텍스트 상자 7"/>
+          <p:cNvPr id="11" name="텍스트 상자 10"/>
           <p:cNvSpPr txBox="1"/>
           <p:nvPr/>
         </p:nvSpPr>
         <p:spPr>
           <a:xfrm>
-            <a:off x="6827485" y="1957864"/>
-            <a:ext cx="4626075" cy="3416320"/>
+            <a:off x="5126036" y="3350953"/>
+            <a:ext cx="5271315" cy="400110"/>
           </a:xfrm>
           <a:prstGeom prst="rect">
             <a:avLst/>
@@ -8442,110 +10832,32 @@
           </a:bodyPr>
           <a:lstStyle/>
           <a:p>
-            <a:pPr marL="285750" indent="-285750">
-              <a:lnSpc>
-                <a:spcPct val="200000"/>
-              </a:lnSpc>
-              <a:buFont typeface="Arial" charset="0"/>
-              <a:buChar char="•"/>
-            </a:pPr>
-            <a:r>
-              <a:rPr kumimoji="1" lang="en-US" altLang="ko-KR" dirty="0" smtClean="0"/>
-              <a:t>Scale Image to size 256 x 256 x 3</a:t>
-            </a:r>
-          </a:p>
-          <a:p>
-            <a:pPr marL="285750" indent="-285750">
-              <a:lnSpc>
-                <a:spcPct val="200000"/>
-              </a:lnSpc>
-              <a:buFont typeface="Arial" charset="0"/>
-              <a:buChar char="•"/>
-            </a:pPr>
-            <a:r>
-              <a:rPr kumimoji="1" lang="en-US" altLang="ko-KR" dirty="0" err="1" smtClean="0"/>
-              <a:t>Centercrop</a:t>
-            </a:r>
-            <a:r>
-              <a:rPr kumimoji="1" lang="en-US" altLang="ko-KR" dirty="0" smtClean="0"/>
-              <a:t> Image to size 224 x 224 x 3</a:t>
-            </a:r>
-          </a:p>
-          <a:p>
-            <a:pPr marL="285750" indent="-285750">
-              <a:lnSpc>
-                <a:spcPct val="200000"/>
-              </a:lnSpc>
-              <a:buFont typeface="Arial" charset="0"/>
-              <a:buChar char="•"/>
-            </a:pPr>
-            <a:r>
-              <a:rPr kumimoji="1" lang="en-US" altLang="ko-KR" dirty="0" smtClean="0"/>
-              <a:t>Transform Image to Tensor</a:t>
-            </a:r>
-          </a:p>
-          <a:p>
-            <a:pPr marL="285750" indent="-285750">
-              <a:lnSpc>
-                <a:spcPct val="200000"/>
-              </a:lnSpc>
-              <a:buFont typeface="Arial" charset="0"/>
-              <a:buChar char="•"/>
-            </a:pPr>
-            <a:r>
-              <a:rPr kumimoji="1" lang="en-US" altLang="ko-KR" dirty="0" smtClean="0"/>
-              <a:t>Normalize Tensor</a:t>
-            </a:r>
-          </a:p>
-          <a:p>
-            <a:pPr marL="742950" lvl="1" indent="-285750">
-              <a:lnSpc>
-                <a:spcPct val="200000"/>
-              </a:lnSpc>
-              <a:buFont typeface="Arial" charset="0"/>
-              <a:buChar char="•"/>
-            </a:pPr>
-            <a:r>
-              <a:rPr kumimoji="1" lang="en-US" altLang="ko-KR" dirty="0" smtClean="0"/>
-              <a:t>Mean : [</a:t>
-            </a:r>
-            <a:r>
-              <a:rPr kumimoji="1" lang="pt-BR" altLang="ko-KR" dirty="0"/>
-              <a:t>0.485, 0.456, 0.406</a:t>
-            </a:r>
-            <a:r>
-              <a:rPr kumimoji="1" lang="pt-BR" altLang="ko-KR" dirty="0" smtClean="0"/>
-              <a:t>]</a:t>
-            </a:r>
-          </a:p>
-          <a:p>
-            <a:pPr marL="742950" lvl="1" indent="-285750">
-              <a:lnSpc>
-                <a:spcPct val="200000"/>
-              </a:lnSpc>
-              <a:buFont typeface="Arial" charset="0"/>
-              <a:buChar char="•"/>
-            </a:pPr>
-            <a:r>
-              <a:rPr kumimoji="1" lang="pt-BR" altLang="ko-KR" dirty="0" err="1" smtClean="0"/>
-              <a:t>Std</a:t>
-            </a:r>
-            <a:r>
-              <a:rPr kumimoji="1" lang="pt-BR" altLang="ko-KR" dirty="0"/>
-              <a:t> : [0.229, 0.224, 0.225</a:t>
-            </a:r>
-            <a:r>
-              <a:rPr kumimoji="1" lang="pt-BR" altLang="ko-KR" dirty="0" smtClean="0"/>
-              <a:t>]</a:t>
-            </a:r>
-            <a:endParaRPr kumimoji="1" lang="en-US" altLang="ko-KR" dirty="0" smtClean="0"/>
+            <a:r>
+              <a:rPr kumimoji="1" lang="en-US" altLang="ko-KR" sz="2000" dirty="0" smtClean="0">
+                <a:sym typeface="Wingdings"/>
+              </a:rPr>
+              <a:t> loaded model is an </a:t>
+            </a:r>
+            <a:r>
+              <a:rPr kumimoji="1" lang="en-US" altLang="ko-KR" sz="2000" b="1" dirty="0" smtClean="0">
+                <a:sym typeface="Wingdings"/>
+              </a:rPr>
+              <a:t>Ordered Dictionary</a:t>
+            </a:r>
+            <a:r>
+              <a:rPr kumimoji="1" lang="en-US" altLang="ko-KR" sz="2000" dirty="0" smtClean="0">
+                <a:sym typeface="Wingdings"/>
+              </a:rPr>
+              <a:t>.</a:t>
+            </a:r>
+            <a:endParaRPr kumimoji="1" lang="ko-KR" altLang="en-US" sz="2000" dirty="0"/>
           </a:p>
         </p:txBody>
       </p:sp>
     </p:spTree>
     <p:extLst>
       <p:ext uri="{BB962C8B-B14F-4D97-AF65-F5344CB8AC3E}">
-        <p14:creationId xmlns:p14="http://schemas.microsoft.com/office/powerpoint/2010/main" val="439128080"/>
+        <p14:creationId xmlns:p14="http://schemas.microsoft.com/office/powerpoint/2010/main" val="128326419"/>
       </p:ext>
     </p:extLst>
   </p:cSld>
@@ -8562,7 +10874,7 @@
 </p:sld>
 </file>
 
-<file path=ppt/slides/slide8.xml><?xml version="1.0" encoding="utf-8"?>
+<file path=ppt/slides/slide9.xml><?xml version="1.0" encoding="utf-8"?>
 <p:sld xmlns:a="http://schemas.openxmlformats.org/drawingml/2006/main" xmlns:r="http://schemas.openxmlformats.org/officeDocument/2006/relationships" xmlns:p="http://schemas.openxmlformats.org/presentationml/2006/main">
   <p:cSld>
     <p:spTree>
@@ -8607,7 +10919,23 @@
                   <a:srgbClr val="1E3DB4"/>
                 </a:solidFill>
               </a:rPr>
-              <a:t>Load and modify model</a:t>
+              <a:t>Task #</a:t>
+            </a:r>
+            <a:r>
+              <a:rPr kumimoji="1" lang="en-US" altLang="ko-KR" sz="3600" b="1" dirty="0" smtClean="0">
+                <a:solidFill>
+                  <a:srgbClr val="1E3DB4"/>
+                </a:solidFill>
+              </a:rPr>
+              <a:t>2 </a:t>
+            </a:r>
+            <a:r>
+              <a:rPr kumimoji="1" lang="en-US" altLang="ko-KR" sz="3600" b="1" dirty="0" err="1" smtClean="0">
+                <a:solidFill>
+                  <a:srgbClr val="1E3DB4"/>
+                </a:solidFill>
+              </a:rPr>
+              <a:t>finetuning.py</a:t>
             </a:r>
             <a:endParaRPr kumimoji="1" lang="ko-KR" altLang="en-US" sz="3600" dirty="0"/>
           </a:p>
@@ -8625,113 +10953,227 @@
         </p:nvSpPr>
         <p:spPr>
           <a:xfrm>
-            <a:off x="395416" y="972525"/>
-            <a:ext cx="11686856" cy="2246163"/>
+            <a:off x="6571488" y="960168"/>
+            <a:ext cx="5315712" cy="5251561"/>
           </a:xfrm>
         </p:spPr>
         <p:txBody>
-          <a:bodyPr/>
-          <a:lstStyle/>
-          <a:p>
-            <a:pPr latinLnBrk="0">
-              <a:lnSpc>
-                <a:spcPct val="150000"/>
-              </a:lnSpc>
-              <a:spcBef>
-                <a:spcPts val="0"/>
-              </a:spcBef>
-            </a:pPr>
-            <a:r>
-              <a:rPr kumimoji="1" lang="en-US" altLang="ko-KR" dirty="0" err="1" smtClean="0"/>
+          <a:bodyPr>
+            <a:normAutofit/>
+          </a:bodyPr>
+          <a:lstStyle/>
+          <a:p>
+            <a:r>
+              <a:rPr kumimoji="1" lang="en-US" altLang="ko-KR" sz="2000" dirty="0" smtClean="0"/>
+              <a:t>Task 2.1 </a:t>
+            </a:r>
+            <a:br>
+              <a:rPr kumimoji="1" lang="en-US" altLang="ko-KR" sz="2000" dirty="0" smtClean="0"/>
+            </a:br>
+            <a:r>
+              <a:rPr kumimoji="1" lang="en-US" altLang="ko-KR" sz="2000" dirty="0" smtClean="0"/>
+              <a:t>Using </a:t>
+            </a:r>
+            <a:r>
+              <a:rPr kumimoji="1" lang="en-US" altLang="ko-KR" sz="2000" i="1" dirty="0" err="1" smtClean="0"/>
               <a:t>load_state_dict</a:t>
             </a:r>
             <a:r>
-              <a:rPr kumimoji="1" lang="en-US" altLang="ko-KR" dirty="0" smtClean="0"/>
-              <a:t>(</a:t>
-            </a:r>
-            <a:r>
-              <a:rPr kumimoji="1" lang="en-US" altLang="ko-KR" dirty="0" err="1" smtClean="0"/>
-              <a:t>state_dict</a:t>
-            </a:r>
-            <a:r>
-              <a:rPr kumimoji="1" lang="en-US" altLang="ko-KR" dirty="0" smtClean="0"/>
+              <a:rPr kumimoji="1" lang="en-US" altLang="ko-KR" sz="2000" dirty="0" smtClean="0"/>
+              <a:t>,</a:t>
+            </a:r>
+            <a:br>
+              <a:rPr kumimoji="1" lang="en-US" altLang="ko-KR" sz="2000" dirty="0" smtClean="0"/>
+            </a:br>
+            <a:r>
+              <a:rPr lang="pl-PL" altLang="ko-KR" sz="2000" dirty="0" err="1" smtClean="0"/>
+              <a:t>Copy</a:t>
+            </a:r>
+            <a:r>
+              <a:rPr lang="pl-PL" altLang="ko-KR" sz="2000" dirty="0"/>
+              <a:t> </a:t>
+            </a:r>
+            <a:r>
+              <a:rPr lang="pl-PL" altLang="ko-KR" sz="2000" dirty="0" err="1" smtClean="0"/>
+              <a:t>parameters</a:t>
+            </a:r>
+            <a:r>
+              <a:rPr lang="pl-PL" altLang="ko-KR" sz="2000" dirty="0"/>
+              <a:t> from </a:t>
+            </a:r>
+            <a:r>
+              <a:rPr lang="pl-PL" altLang="ko-KR" sz="2000" dirty="0" smtClean="0"/>
+              <a:t/>
+            </a:r>
+            <a:br>
+              <a:rPr lang="pl-PL" altLang="ko-KR" sz="2000" dirty="0" smtClean="0"/>
+            </a:br>
+            <a:r>
+              <a:rPr lang="pl-PL" altLang="ko-KR" sz="2000" b="1" dirty="0" smtClean="0"/>
+              <a:t>'./</a:t>
+            </a:r>
+            <a:r>
+              <a:rPr lang="pl-PL" altLang="ko-KR" sz="2000" b="1" dirty="0"/>
+              <a:t>data/</a:t>
+            </a:r>
+            <a:r>
+              <a:rPr lang="pl-PL" altLang="ko-KR" sz="2000" b="1" dirty="0" err="1"/>
+              <a:t>models</a:t>
+            </a:r>
+            <a:r>
+              <a:rPr lang="pl-PL" altLang="ko-KR" sz="2000" b="1" dirty="0"/>
+              <a:t>/resnet18-5c106cde.pth' </a:t>
+            </a:r>
+            <a:r>
+              <a:rPr lang="pl-PL" altLang="ko-KR" sz="2000" dirty="0" smtClean="0"/>
+              <a:t/>
+            </a:r>
+            <a:br>
+              <a:rPr lang="pl-PL" altLang="ko-KR" sz="2000" dirty="0" smtClean="0"/>
+            </a:br>
+            <a:r>
+              <a:rPr lang="pl-PL" altLang="ko-KR" sz="2000" dirty="0" smtClean="0"/>
+              <a:t>to </a:t>
+            </a:r>
+            <a:r>
+              <a:rPr lang="pl-PL" altLang="ko-KR" sz="2000" dirty="0" err="1" smtClean="0"/>
+              <a:t>model_ft</a:t>
+            </a:r>
+            <a:endParaRPr lang="pl-PL" altLang="ko-KR" sz="2000" dirty="0" smtClean="0"/>
+          </a:p>
+          <a:p>
+            <a:endParaRPr lang="pl-PL" altLang="ko-KR" sz="2000" dirty="0"/>
+          </a:p>
+          <a:p>
+            <a:r>
+              <a:rPr lang="pl-PL" altLang="ko-KR" sz="2000" dirty="0" smtClean="0"/>
+              <a:t>** </a:t>
+            </a:r>
+            <a:r>
+              <a:rPr lang="pl-PL" altLang="ko-KR" sz="2000" dirty="0" err="1" smtClean="0"/>
+              <a:t>Check</a:t>
+            </a:r>
+            <a:r>
+              <a:rPr lang="pl-PL" altLang="ko-KR" sz="2000" dirty="0" smtClean="0"/>
+              <a:t> How we </a:t>
+            </a:r>
+            <a:r>
+              <a:rPr lang="pl-PL" altLang="ko-KR" sz="2000" dirty="0" err="1" smtClean="0"/>
+              <a:t>change</a:t>
+            </a:r>
+            <a:r>
+              <a:rPr lang="pl-PL" altLang="ko-KR" sz="2000" dirty="0" smtClean="0"/>
+              <a:t> </a:t>
+            </a:r>
+            <a:r>
+              <a:rPr lang="pl-PL" altLang="ko-KR" sz="2000" b="1" dirty="0" smtClean="0"/>
+              <a:t>the </a:t>
+            </a:r>
+            <a:r>
+              <a:rPr lang="pl-PL" altLang="ko-KR" sz="2000" b="1" dirty="0" err="1" smtClean="0"/>
+              <a:t>last</a:t>
+            </a:r>
+            <a:r>
+              <a:rPr lang="pl-PL" altLang="ko-KR" sz="2000" b="1" dirty="0" smtClean="0"/>
+              <a:t> </a:t>
+            </a:r>
+            <a:r>
+              <a:rPr lang="pl-PL" altLang="ko-KR" sz="2000" b="1" dirty="0" err="1" smtClean="0"/>
+              <a:t>layer</a:t>
+            </a:r>
+            <a:r>
+              <a:rPr lang="pl-PL" altLang="ko-KR" sz="2000" b="1" dirty="0" smtClean="0"/>
+              <a:t> (</a:t>
+            </a:r>
+            <a:r>
+              <a:rPr lang="pl-PL" altLang="ko-KR" sz="2000" b="1" dirty="0" err="1" smtClean="0"/>
+              <a:t>fully</a:t>
+            </a:r>
+            <a:r>
+              <a:rPr lang="pl-PL" altLang="ko-KR" sz="2000" b="1" dirty="0" smtClean="0"/>
+              <a:t> </a:t>
+            </a:r>
+            <a:r>
+              <a:rPr lang="pl-PL" altLang="ko-KR" sz="2000" b="1" dirty="0" err="1" smtClean="0"/>
+              <a:t>connected</a:t>
+            </a:r>
+            <a:r>
+              <a:rPr lang="pl-PL" altLang="ko-KR" sz="2000" b="1" dirty="0" smtClean="0"/>
+              <a:t> </a:t>
+            </a:r>
+            <a:r>
+              <a:rPr lang="pl-PL" altLang="ko-KR" sz="2000" b="1" dirty="0" err="1" smtClean="0"/>
+              <a:t>layer</a:t>
+            </a:r>
+            <a:r>
+              <a:rPr lang="pl-PL" altLang="ko-KR" sz="2000" b="1" dirty="0" smtClean="0"/>
               <a:t>)</a:t>
             </a:r>
-            <a:endParaRPr kumimoji="1" lang="en-US" altLang="ko-KR" dirty="0"/>
-          </a:p>
-          <a:p>
-            <a:pPr lvl="1" latinLnBrk="0">
-              <a:lnSpc>
-                <a:spcPct val="100000"/>
-              </a:lnSpc>
-              <a:spcBef>
-                <a:spcPts val="0"/>
-              </a:spcBef>
-            </a:pPr>
-            <a:r>
-              <a:rPr lang="en-US" altLang="ko-KR" dirty="0"/>
-              <a:t>Copies parameters and buffers from </a:t>
-            </a:r>
-            <a:r>
-              <a:rPr lang="en-US" altLang="ko-KR" b="1" dirty="0" err="1" smtClean="0"/>
-              <a:t>state_dict</a:t>
-            </a:r>
-            <a:r>
-              <a:rPr lang="en-US" altLang="ko-KR" dirty="0"/>
-              <a:t> into this module and its descendants. </a:t>
-            </a:r>
-            <a:endParaRPr lang="en-US" altLang="ko-KR" dirty="0" smtClean="0"/>
-          </a:p>
-          <a:p>
-            <a:pPr lvl="1" latinLnBrk="0">
-              <a:lnSpc>
-                <a:spcPct val="100000"/>
-              </a:lnSpc>
-              <a:spcBef>
-                <a:spcPts val="0"/>
-              </a:spcBef>
-            </a:pPr>
-            <a:r>
-              <a:rPr lang="en-US" altLang="ko-KR" dirty="0" smtClean="0"/>
-              <a:t>The </a:t>
-            </a:r>
-            <a:r>
-              <a:rPr lang="en-US" altLang="ko-KR" dirty="0"/>
-              <a:t>keys of </a:t>
-            </a:r>
-            <a:r>
-              <a:rPr lang="en-US" altLang="ko-KR" b="1" dirty="0"/>
+            <a:r>
+              <a:rPr lang="pl-PL" altLang="ko-KR" sz="2000" dirty="0" smtClean="0"/>
+              <a:t> of the </a:t>
+            </a:r>
+            <a:r>
+              <a:rPr lang="pl-PL" altLang="ko-KR" sz="2000" dirty="0" err="1" smtClean="0"/>
+              <a:t>pre-trained</a:t>
+            </a:r>
+            <a:r>
+              <a:rPr lang="pl-PL" altLang="ko-KR" sz="2000" dirty="0" smtClean="0"/>
+              <a:t> model.</a:t>
+            </a:r>
+            <a:endParaRPr lang="pl-PL" altLang="ko-KR" sz="2000" dirty="0" smtClean="0"/>
+          </a:p>
+          <a:p>
+            <a:endParaRPr lang="pl-PL" altLang="ko-KR" sz="2000" dirty="0"/>
+          </a:p>
+          <a:p>
+            <a:r>
+              <a:rPr lang="pl-PL" altLang="ko-KR" sz="2000" dirty="0" err="1" smtClean="0"/>
+              <a:t>Task</a:t>
+            </a:r>
+            <a:r>
+              <a:rPr lang="pl-PL" altLang="ko-KR" sz="2000" dirty="0" smtClean="0"/>
+              <a:t> 2.2 </a:t>
+            </a:r>
+            <a:br>
+              <a:rPr lang="pl-PL" altLang="ko-KR" sz="2000" dirty="0" smtClean="0"/>
+            </a:br>
+            <a:r>
+              <a:rPr lang="pl-PL" altLang="ko-KR" sz="2000" dirty="0" err="1" smtClean="0"/>
+              <a:t>Define</a:t>
+            </a:r>
+            <a:r>
+              <a:rPr lang="pl-PL" altLang="ko-KR" sz="2000" dirty="0" smtClean="0"/>
               <a:t> </a:t>
             </a:r>
             <a:r>
-              <a:rPr lang="en-US" altLang="ko-KR" b="1" dirty="0" err="1"/>
-              <a:t>state_dict</a:t>
-            </a:r>
-            <a:r>
-              <a:rPr lang="en-US" altLang="ko-KR" b="1" dirty="0"/>
-              <a:t> </a:t>
-            </a:r>
-            <a:r>
-              <a:rPr lang="en-US" altLang="ko-KR" dirty="0"/>
-              <a:t> must exactly match the keys returned by this module’s </a:t>
-            </a:r>
-            <a:r>
-              <a:rPr lang="en-US" altLang="ko-KR" b="1" dirty="0"/>
-              <a:t> </a:t>
-            </a:r>
-            <a:r>
-              <a:rPr lang="en-US" altLang="ko-KR" b="1" dirty="0" err="1" smtClean="0"/>
-              <a:t>state_dict</a:t>
-            </a:r>
-            <a:r>
-              <a:rPr lang="en-US" altLang="ko-KR" b="1" dirty="0" smtClean="0"/>
-              <a:t>()</a:t>
-            </a:r>
-            <a:r>
-              <a:rPr lang="en-US" altLang="ko-KR" dirty="0"/>
-              <a:t> function.</a:t>
-            </a:r>
-            <a:endParaRPr kumimoji="1" lang="en-US" altLang="ko-KR" dirty="0" smtClean="0"/>
+              <a:rPr lang="pl-PL" altLang="ko-KR" sz="2000" dirty="0" smtClean="0"/>
+              <a:t>SGD </a:t>
+            </a:r>
+            <a:r>
+              <a:rPr lang="pl-PL" altLang="ko-KR" sz="2000" dirty="0" err="1" smtClean="0"/>
+              <a:t>Optimizer</a:t>
+            </a:r>
+            <a:endParaRPr lang="pl-PL" altLang="ko-KR" sz="2000" dirty="0" smtClean="0"/>
+          </a:p>
+          <a:p>
+            <a:pPr lvl="1"/>
+            <a:r>
+              <a:rPr lang="en-US" altLang="ko-KR" sz="1600" dirty="0"/>
+              <a:t>Learning rate = 0.001</a:t>
+            </a:r>
+          </a:p>
+          <a:p>
+            <a:pPr lvl="1"/>
+            <a:r>
+              <a:rPr lang="en-US" altLang="ko-KR" sz="1600" dirty="0"/>
+              <a:t>momentum = </a:t>
+            </a:r>
+            <a:r>
+              <a:rPr lang="en-US" altLang="ko-KR" sz="1600" dirty="0" smtClean="0"/>
+              <a:t>0.9</a:t>
+            </a:r>
+            <a:endParaRPr lang="pl-PL" altLang="ko-KR" sz="1600" dirty="0"/>
           </a:p>
         </p:txBody>
       </p:sp>
@@ -8835,392 +11277,14 @@
           <a:p>
             <a:fld id="{E3E75774-3282-1C4A-9118-50EA78BFB2AA}" type="slidenum">
               <a:rPr kumimoji="1" lang="ko-KR" altLang="en-US" smtClean="0"/>
-              <a:t>8</a:t>
-            </a:fld>
-            <a:endParaRPr kumimoji="1" lang="ko-KR" altLang="en-US"/>
-          </a:p>
-        </p:txBody>
-      </p:sp>
-      <mc:AlternateContent xmlns:mc="http://schemas.openxmlformats.org/markup-compatibility/2006">
-        <mc:Choice xmlns:we="http://schemas.microsoft.com/office/webextensions/webextension/2010/11" xmlns:pca="http://schemas.microsoft.com/office/powerpoint/2013/contentapp" Requires="we pca">
-          <p:graphicFrame>
-            <p:nvGraphicFramePr>
-              <p:cNvPr id="8" name="추가 기능 7" title="Code Presenter Pro"/>
-              <p:cNvGraphicFramePr>
-                <a:graphicFrameLocks noGrp="1"/>
-              </p:cNvGraphicFramePr>
-              <p:nvPr>
-                <p:extLst>
-                  <p:ext uri="{D42A27DB-BD31-4B8C-83A1-F6EECF244321}">
-                    <p14:modId xmlns:p14="http://schemas.microsoft.com/office/powerpoint/2010/main" val="40960172"/>
-                  </p:ext>
-                </p:extLst>
-              </p:nvPr>
-            </p:nvGraphicFramePr>
-            <p:xfrm>
-              <a:off x="620268" y="3218688"/>
-              <a:ext cx="4280916" cy="3137662"/>
-            </p:xfrm>
-            <a:graphic>
-              <a:graphicData uri="http://schemas.microsoft.com/office/webextensions/webextension/2010/11">
-                <we:webextensionref xmlns:we="http://schemas.microsoft.com/office/webextensions/webextension/2010/11" xmlns:r="http://schemas.openxmlformats.org/officeDocument/2006/relationships" r:id="rId4"/>
-              </a:graphicData>
-            </a:graphic>
-          </p:graphicFrame>
-        </mc:Choice>
-        <mc:Fallback>
-          <p:pic>
-            <p:nvPicPr>
-              <p:cNvPr id="8" name="추가 기능 7" title="Code Presenter Pro"/>
-              <p:cNvPicPr>
-                <a:picLocks noGrp="1" noRot="1" noChangeAspect="1" noMove="1" noResize="1" noEditPoints="1" noAdjustHandles="1" noChangeArrowheads="1" noChangeShapeType="1"/>
-              </p:cNvPicPr>
-              <p:nvPr/>
-            </p:nvPicPr>
-            <p:blipFill>
-              <a:blip r:embed="rId5"/>
-              <a:stretch>
-                <a:fillRect/>
-              </a:stretch>
-            </p:blipFill>
-            <p:spPr>
-              <a:xfrm>
-                <a:off x="620268" y="3218688"/>
-                <a:ext cx="4280916" cy="3137662"/>
-              </a:xfrm>
-              <a:prstGeom prst="rect">
-                <a:avLst/>
-              </a:prstGeom>
-            </p:spPr>
-          </p:pic>
-        </mc:Fallback>
-      </mc:AlternateContent>
-      <p:sp>
-        <p:nvSpPr>
-          <p:cNvPr id="11" name="텍스트 상자 10"/>
-          <p:cNvSpPr txBox="1"/>
-          <p:nvPr/>
-        </p:nvSpPr>
-        <p:spPr>
-          <a:xfrm>
-            <a:off x="5126036" y="4599656"/>
-            <a:ext cx="5271315" cy="400110"/>
-          </a:xfrm>
-          <a:prstGeom prst="rect">
-            <a:avLst/>
-          </a:prstGeom>
-          <a:noFill/>
-        </p:spPr>
-        <p:txBody>
-          <a:bodyPr wrap="none" rtlCol="0">
-            <a:spAutoFit/>
-          </a:bodyPr>
-          <a:lstStyle/>
-          <a:p>
-            <a:r>
-              <a:rPr kumimoji="1" lang="en-US" altLang="ko-KR" sz="2000" dirty="0" smtClean="0">
-                <a:sym typeface="Wingdings"/>
-              </a:rPr>
-              <a:t> loaded model is an </a:t>
-            </a:r>
-            <a:r>
-              <a:rPr kumimoji="1" lang="en-US" altLang="ko-KR" sz="2000" b="1" dirty="0" smtClean="0">
-                <a:sym typeface="Wingdings"/>
-              </a:rPr>
-              <a:t>Ordered Dictionary</a:t>
-            </a:r>
-            <a:r>
-              <a:rPr kumimoji="1" lang="en-US" altLang="ko-KR" sz="2000" dirty="0" smtClean="0">
-                <a:sym typeface="Wingdings"/>
-              </a:rPr>
-              <a:t>.</a:t>
-            </a:r>
-            <a:endParaRPr kumimoji="1" lang="ko-KR" altLang="en-US" sz="2000" dirty="0"/>
-          </a:p>
-        </p:txBody>
-      </p:sp>
-    </p:spTree>
-    <p:extLst>
-      <p:ext uri="{BB962C8B-B14F-4D97-AF65-F5344CB8AC3E}">
-        <p14:creationId xmlns:p14="http://schemas.microsoft.com/office/powerpoint/2010/main" val="128326419"/>
-      </p:ext>
-    </p:extLst>
-  </p:cSld>
-  <p:clrMapOvr>
-    <a:masterClrMapping/>
-  </p:clrMapOvr>
-</p:sld>
-</file>
-
-<file path=ppt/slides/slide9.xml><?xml version="1.0" encoding="utf-8"?>
-<p:sld xmlns:a="http://schemas.openxmlformats.org/drawingml/2006/main" xmlns:r="http://schemas.openxmlformats.org/officeDocument/2006/relationships" xmlns:p="http://schemas.openxmlformats.org/presentationml/2006/main">
-  <p:cSld>
-    <p:spTree>
-      <p:nvGrpSpPr>
-        <p:cNvPr id="1" name=""/>
-        <p:cNvGrpSpPr/>
-        <p:nvPr/>
-      </p:nvGrpSpPr>
-      <p:grpSpPr>
-        <a:xfrm>
-          <a:off x="0" y="0"/>
-          <a:ext cx="0" cy="0"/>
-          <a:chOff x="0" y="0"/>
-          <a:chExt cx="0" cy="0"/>
-        </a:xfrm>
-      </p:grpSpPr>
-      <p:sp>
-        <p:nvSpPr>
-          <p:cNvPr id="2" name="제목 1"/>
-          <p:cNvSpPr>
-            <a:spLocks noGrp="1"/>
-          </p:cNvSpPr>
-          <p:nvPr>
-            <p:ph type="title"/>
-          </p:nvPr>
-        </p:nvSpPr>
-        <p:spPr>
-          <a:xfrm>
-            <a:off x="395416" y="84696"/>
-            <a:ext cx="10515600" cy="743208"/>
-          </a:xfrm>
-        </p:spPr>
-        <p:txBody>
-          <a:bodyPr>
-            <a:normAutofit/>
-          </a:bodyPr>
-          <a:lstStyle/>
-          <a:p>
-            <a:r>
-              <a:rPr kumimoji="1" lang="en-US" altLang="ko-KR" sz="3600" b="1" dirty="0" smtClean="0">
-                <a:solidFill>
-                  <a:srgbClr val="1E3DB4"/>
-                </a:solidFill>
-              </a:rPr>
-              <a:t>Task #2</a:t>
-            </a:r>
-            <a:endParaRPr kumimoji="1" lang="ko-KR" altLang="en-US" sz="3600" dirty="0"/>
-          </a:p>
-        </p:txBody>
-      </p:sp>
-      <p:sp>
-        <p:nvSpPr>
-          <p:cNvPr id="3" name="내용 개체 틀 2"/>
-          <p:cNvSpPr>
-            <a:spLocks noGrp="1"/>
-          </p:cNvSpPr>
-          <p:nvPr>
-            <p:ph idx="1"/>
-          </p:nvPr>
-        </p:nvSpPr>
-        <p:spPr>
-          <a:xfrm>
-            <a:off x="6786266" y="960168"/>
-            <a:ext cx="5100934" cy="5251561"/>
-          </a:xfrm>
-        </p:spPr>
-        <p:txBody>
-          <a:bodyPr>
-            <a:normAutofit/>
-          </a:bodyPr>
-          <a:lstStyle/>
-          <a:p>
-            <a:r>
-              <a:rPr kumimoji="1" lang="en-US" altLang="ko-KR" sz="1800" dirty="0" smtClean="0"/>
-              <a:t>2.1</a:t>
-            </a:r>
-            <a:r>
-              <a:rPr kumimoji="1" lang="en-US" altLang="ko-KR" sz="1800" dirty="0"/>
-              <a:t> </a:t>
-            </a:r>
-            <a:r>
-              <a:rPr lang="pl-PL" altLang="ko-KR" sz="1800" dirty="0" err="1" smtClean="0"/>
-              <a:t>Copy</a:t>
-            </a:r>
-            <a:r>
-              <a:rPr lang="pl-PL" altLang="ko-KR" sz="1800" dirty="0"/>
-              <a:t> </a:t>
-            </a:r>
-            <a:r>
-              <a:rPr lang="pl-PL" altLang="ko-KR" sz="1800" dirty="0" err="1"/>
-              <a:t>parameter</a:t>
-            </a:r>
-            <a:r>
-              <a:rPr lang="pl-PL" altLang="ko-KR" sz="1800" dirty="0"/>
-              <a:t> from </a:t>
-            </a:r>
-            <a:r>
-              <a:rPr lang="pl-PL" altLang="ko-KR" sz="1800" dirty="0" smtClean="0"/>
-              <a:t/>
-            </a:r>
-            <a:br>
-              <a:rPr lang="pl-PL" altLang="ko-KR" sz="1800" dirty="0" smtClean="0"/>
-            </a:br>
-            <a:r>
-              <a:rPr lang="pl-PL" altLang="ko-KR" sz="1800" dirty="0" smtClean="0"/>
-              <a:t>'./</a:t>
-            </a:r>
-            <a:r>
-              <a:rPr lang="pl-PL" altLang="ko-KR" sz="1800" dirty="0"/>
-              <a:t>data/</a:t>
-            </a:r>
-            <a:r>
-              <a:rPr lang="pl-PL" altLang="ko-KR" sz="1800" dirty="0" err="1"/>
-              <a:t>models</a:t>
-            </a:r>
-            <a:r>
-              <a:rPr lang="pl-PL" altLang="ko-KR" sz="1800" dirty="0"/>
-              <a:t>/resnet18-5c106cde.pth' </a:t>
-            </a:r>
-            <a:r>
-              <a:rPr lang="pl-PL" altLang="ko-KR" sz="1800" dirty="0" smtClean="0"/>
-              <a:t/>
-            </a:r>
-            <a:br>
-              <a:rPr lang="pl-PL" altLang="ko-KR" sz="1800" dirty="0" smtClean="0"/>
-            </a:br>
-            <a:r>
-              <a:rPr lang="pl-PL" altLang="ko-KR" sz="1800" dirty="0" smtClean="0"/>
-              <a:t>to </a:t>
-            </a:r>
-            <a:r>
-              <a:rPr lang="pl-PL" altLang="ko-KR" sz="1800" dirty="0" err="1" smtClean="0"/>
-              <a:t>model_ft</a:t>
-            </a:r>
-            <a:endParaRPr lang="pl-PL" altLang="ko-KR" sz="1800" dirty="0" smtClean="0"/>
-          </a:p>
-          <a:p>
-            <a:endParaRPr lang="pl-PL" altLang="ko-KR" sz="1800" dirty="0"/>
-          </a:p>
-          <a:p>
-            <a:r>
-              <a:rPr lang="pl-PL" altLang="ko-KR" sz="1800" dirty="0" smtClean="0"/>
-              <a:t>2.2 </a:t>
-            </a:r>
-            <a:r>
-              <a:rPr lang="pl-PL" altLang="ko-KR" sz="1800" dirty="0" err="1" smtClean="0"/>
-              <a:t>Define</a:t>
-            </a:r>
-            <a:r>
-              <a:rPr lang="pl-PL" altLang="ko-KR" sz="1800" dirty="0" smtClean="0"/>
-              <a:t> SGD </a:t>
-            </a:r>
-            <a:r>
-              <a:rPr lang="pl-PL" altLang="ko-KR" sz="1800" dirty="0" err="1" smtClean="0"/>
-              <a:t>Optimizer</a:t>
-            </a:r>
-            <a:endParaRPr lang="pl-PL" altLang="ko-KR" sz="1800" dirty="0"/>
-          </a:p>
-        </p:txBody>
-      </p:sp>
-      <p:cxnSp>
-        <p:nvCxnSpPr>
-          <p:cNvPr id="5" name="직선 연결선[R] 4"/>
-          <p:cNvCxnSpPr/>
-          <p:nvPr/>
-        </p:nvCxnSpPr>
-        <p:spPr>
-          <a:xfrm flipV="1">
-            <a:off x="395416" y="827904"/>
-            <a:ext cx="11491784" cy="12356"/>
-          </a:xfrm>
-          <a:prstGeom prst="line">
-            <a:avLst/>
-          </a:prstGeom>
-        </p:spPr>
-        <p:style>
-          <a:lnRef idx="1">
-            <a:schemeClr val="accent1"/>
-          </a:lnRef>
-          <a:fillRef idx="0">
-            <a:schemeClr val="accent1"/>
-          </a:fillRef>
-          <a:effectRef idx="0">
-            <a:schemeClr val="accent1"/>
-          </a:effectRef>
-          <a:fontRef idx="minor">
-            <a:schemeClr val="tx1"/>
-          </a:fontRef>
-        </p:style>
-      </p:cxnSp>
-      <p:pic>
-        <p:nvPicPr>
-          <p:cNvPr id="7" name="그림 6"/>
-          <p:cNvPicPr>
-            <a:picLocks noChangeAspect="1"/>
-          </p:cNvPicPr>
-          <p:nvPr/>
-        </p:nvPicPr>
-        <p:blipFill>
-          <a:blip r:embed="rId3">
-            <a:extLst>
-              <a:ext uri="{28A0092B-C50C-407E-A947-70E740481C1C}">
-                <a14:useLocalDpi xmlns:a14="http://schemas.microsoft.com/office/drawing/2010/main" val="0"/>
-              </a:ext>
-            </a:extLst>
-          </a:blip>
-          <a:stretch>
-            <a:fillRect/>
-          </a:stretch>
-        </p:blipFill>
-        <p:spPr>
-          <a:xfrm>
-            <a:off x="180638" y="6044658"/>
-            <a:ext cx="1105336" cy="667536"/>
-          </a:xfrm>
-          <a:prstGeom prst="rect">
-            <a:avLst/>
-          </a:prstGeom>
-        </p:spPr>
-      </p:pic>
-      <p:sp>
-        <p:nvSpPr>
-          <p:cNvPr id="9" name="바닥글 개체 틀 8"/>
-          <p:cNvSpPr>
-            <a:spLocks noGrp="1"/>
-          </p:cNvSpPr>
-          <p:nvPr>
-            <p:ph type="ftr" sz="quarter" idx="11"/>
-          </p:nvPr>
-        </p:nvSpPr>
-        <p:spPr/>
-        <p:txBody>
-          <a:bodyPr/>
-          <a:lstStyle/>
-          <a:p>
-            <a:r>
-              <a:rPr kumimoji="1" lang="en-US" altLang="ko-KR" smtClean="0"/>
-              <a:t>SKT AI Course: Deep Learning Basics by Heung-Il Suk</a:t>
-            </a:r>
-            <a:endParaRPr kumimoji="1" lang="ko-KR" altLang="en-US"/>
-          </a:p>
-        </p:txBody>
-      </p:sp>
-      <p:sp>
-        <p:nvSpPr>
-          <p:cNvPr id="10" name="슬라이드 번호 개체 틀 9"/>
-          <p:cNvSpPr>
-            <a:spLocks noGrp="1"/>
-          </p:cNvSpPr>
-          <p:nvPr>
-            <p:ph type="sldNum" sz="quarter" idx="12"/>
-          </p:nvPr>
-        </p:nvSpPr>
-        <p:spPr/>
-        <p:txBody>
-          <a:bodyPr/>
-          <a:lstStyle/>
-          <a:p>
-            <a:fld id="{E3E75774-3282-1C4A-9118-50EA78BFB2AA}" type="slidenum">
-              <a:rPr kumimoji="1" lang="ko-KR" altLang="en-US" smtClean="0"/>
               <a:t>9</a:t>
             </a:fld>
             <a:endParaRPr kumimoji="1" lang="ko-KR" altLang="en-US"/>
           </a:p>
         </p:txBody>
       </p:sp>
-      <mc:AlternateContent xmlns:mc="http://schemas.openxmlformats.org/markup-compatibility/2006">
-        <mc:Choice xmlns:we="http://schemas.microsoft.com/office/webextensions/webextension/2010/11" xmlns:pca="http://schemas.microsoft.com/office/powerpoint/2013/contentapp" Requires="we pca">
+      <mc:AlternateContent xmlns:mc="http://schemas.openxmlformats.org/markup-compatibility/2006" xmlns:we="http://schemas.microsoft.com/office/webextensions/webextension/2010/11" xmlns:pca="http://schemas.microsoft.com/office/powerpoint/2013/contentapp">
+        <mc:Choice Requires="we pca">
           <p:graphicFrame>
             <p:nvGraphicFramePr>
               <p:cNvPr id="4" name="추가 기능 3" title="Code Presenter Pro"/>
@@ -9246,7 +11310,7 @@
             </a:graphic>
           </p:graphicFrame>
         </mc:Choice>
-        <mc:Fallback>
+        <mc:Fallback xmlns="">
           <p:pic>
             <p:nvPicPr>
               <p:cNvPr id="4" name="추가 기능 3" title="Code Presenter Pro"/>
@@ -9283,6 +11347,13 @@
   <p:clrMapOvr>
     <a:masterClrMapping/>
   </p:clrMapOvr>
+  <p:timing>
+    <p:tnLst>
+      <p:par>
+        <p:cTn id="1" dur="indefinite" restart="never" nodeType="tmRoot"/>
+      </p:par>
+    </p:tnLst>
+  </p:timing>
 </p:sld>
 </file>
 
@@ -9822,6 +11893,20 @@
 </we:webextension>
 </file>
 
+<file path=ppt/webextensions/webextension10.xml><?xml version="1.0" encoding="utf-8"?>
+<we:webextension xmlns:we="http://schemas.microsoft.com/office/webextensions/webextension/2010/11" id="{3E3203EB-0B61-934C-9671-3C1CD22DCA01}">
+  <we:reference id="wa104379263" version="1.0.0.1" store="ko-KR" storeType="OMEX"/>
+  <we:alternateReferences>
+    <we:reference id="wa104379263" version="1.0.0.1" store="wa104379263" storeType="OMEX"/>
+  </we:alternateReferences>
+  <we:properties>
+    <we:property name="config" value="{&quot;display_lang&quot;:&quot;en&quot;,&quot;display_font&quot;:&quot;Consolas&quot;,&quot;syntax_color&quot;:{&quot;Reserved words&quot;:&quot;#0000ff&quot;,&quot;Modules,Classes,Exceptions&quot;:&quot;#FF0000&quot;,&quot;Methods&quot;:&quot;#008080&quot;,&quot;Attributes&quot;:&quot;#808000&quot;,&quot;Line comment&quot;:&quot;#008000&quot;,&quot;Block comment&quot;:&quot;#008000&quot;,&quot;Block comment 2&quot;:&quot;#008000&quot;,&quot;Quotation&quot;:&quot;#FF00FF&quot;,&quot;Quotation 2&quot;:&quot;#FF00FF&quot;,&quot;Number&quot;:&quot;#800080&quot;},&quot;old_syntax_color&quot;:{&quot;Reserved words&quot;:&quot;#0000FF&quot;,&quot;Modules,Classes,Exceptions&quot;:&quot;#FF0000&quot;,&quot;Methods&quot;:&quot;#008080&quot;,&quot;Attributes&quot;:&quot;#808000&quot;,&quot;Line comment&quot;:&quot;#008000&quot;,&quot;Block comment&quot;:&quot;#008000&quot;,&quot;Block comment 2&quot;:&quot;#008000&quot;,&quot;Quotation&quot;:&quot;#FF00FF&quot;,&quot;Quotation 2&quot;:&quot;#FF00FF&quot;,&quot;Number&quot;:&quot;#800080&quot;},&quot;show_line_number&quot;:false,&quot;code_lang&quot;:&quot;py&quot;,&quot;code&quot;:&quot;    '''\n    2. Model Load and Modify\n    '''\n    # Pretrain된 18 layer residual network를 로드\n    model_conv = torchvision.models.resnet18()\n    model_conv.load_state_dict(torch.load('./data/models/resnet18-5c106cde.pth'))\n    \n    # Load한 모델의 파라미터를 train 과정에서 변경하지 않도록 설정 (requires_grad = False)\n    for param in model_conv.parameters():\n        param.requires_grad = False\n\n    # 마지막 레이어를 타겟 task에 맞게 수정\n    print(\&quot;Original Fully connected layer of resnet18 (Last layer):\&quot;, model_conv.fc)\n    num_ftrs = model_conv.fc.in_features\n    model_conv.fc = nn.Linear(num_ftrs, 2)\n    print(\&quot;Modified Fully connected layer of resnet18 (Last layer):\&quot;, model_conv.fc)\n\n&quot;,&quot;ctags&quot;:{&quot;model_conv&quot;:[{&quot;linenum&quot;:&quot;5&quot;,&quot;signature&quot;:&quot;model_conv = torchvision.models.resnet18()&quot;}],&quot;num_ftrs&quot;:[{&quot;linenum&quot;:&quot;14&quot;,&quot;signature&quot;:&quot;num_ftrs = model_conv.fc.in_features&quot;}]}}"/>
+  </we:properties>
+  <we:bindings/>
+  <we:snapshot xmlns:r="http://schemas.openxmlformats.org/officeDocument/2006/relationships" r:embed="rId1"/>
+</we:webextension>
+</file>
+
 <file path=ppt/webextensions/webextension2.xml><?xml version="1.0" encoding="utf-8"?>
 <we:webextension xmlns:we="http://schemas.microsoft.com/office/webextensions/webextension/2010/11" id="{DD300BAF-DE07-E74B-A79D-EFCEE5392976}">
   <we:reference id="wa104379263" version="1.0.0.1" store="ko-KR" storeType="OMEX"/>
@@ -9871,7 +11956,63 @@
     <we:reference id="wa104379263" version="1.0.0.1" store="wa104379263" storeType="OMEX"/>
   </we:alternateReferences>
   <we:properties>
-    <we:property name="config" value="{&quot;display_lang&quot;:&quot;en&quot;,&quot;display_font&quot;:&quot;Consolas&quot;,&quot;syntax_color&quot;:{&quot;Reserved words&quot;:&quot;#0000ff&quot;,&quot;Modules,Classes,Exceptions&quot;:&quot;#FF0000&quot;,&quot;Methods&quot;:&quot;#008080&quot;,&quot;Attributes&quot;:&quot;#808000&quot;,&quot;Line comment&quot;:&quot;#008000&quot;,&quot;Block comment&quot;:&quot;#008000&quot;,&quot;Block comment 2&quot;:&quot;#008000&quot;,&quot;Quotation&quot;:&quot;#FF00FF&quot;,&quot;Quotation 2&quot;:&quot;#FF00FF&quot;,&quot;Number&quot;:&quot;#800080&quot;},&quot;old_syntax_color&quot;:{&quot;Reserved words&quot;:&quot;#0000FF&quot;,&quot;Modules,Classes,Exceptions&quot;:&quot;#FF0000&quot;,&quot;Methods&quot;:&quot;#008080&quot;,&quot;Attributes&quot;:&quot;#808000&quot;,&quot;Line comment&quot;:&quot;#008000&quot;,&quot;Block comment&quot;:&quot;#008000&quot;,&quot;Block comment 2&quot;:&quot;#008000&quot;,&quot;Quotation&quot;:&quot;#FF00FF&quot;,&quot;Quotation 2&quot;:&quot;#FF00FF&quot;,&quot;Number&quot;:&quot;#800080&quot;},&quot;show_line_number&quot;:false,&quot;code_lang&quot;:&quot;py&quot;,&quot;code&quot;:&quot;  # Pretrain된 18 layer residual network를 로드\n    model_ft = torchvision.models.resnet18()\n    \n    '''***TASK #2***\n    Copy parameter from \n    './data/models/resnet18-5c106cde.pth' to\n    model_ft\n    '''\n    # model_ft = \n    # 마지막 레이어의 입력 feature 수\n    print(\&quot;Original Fully connected layer of resnet18 (Last layer):\&quot;, model_ft.fc)\n    num_ftrs = model_ft.fc.in_features\n    \n    # 마지막 레이어를 타겟 task에 맞게 수정\n    model_ft.fc = nn.Linear(num_ftrs, 2)\n    print(\&quot;Modified Fully connected layer of resnet18 (Last layer):\&quot;, model_ft.fc)\n\n    if use_gpu:\n        model_ft = model_ft.cuda()\n    \n    # Loss function 설정\n    criterion = nn.CrossEntropyLoss()\n\n    '''***TASK #2***\ndefine SGD Optimizer (learning rate=0.001, momentum=0.9)\n    '''\n    # 모델의 Optimizer 설정\n    #optimizer_ft = \n    &quot;,&quot;ctags&quot;:{&quot;criterion&quot;:[{&quot;linenum&quot;:&quot;22&quot;,&quot;signature&quot;:&quot;criterion = nn.CrossEntropyLoss()&quot;}],&quot;model_ft&quot;:[{&quot;linenum&quot;:&quot;19&quot;,&quot;signature&quot;:&quot;model_ft = model_ft.cuda()&quot;},{&quot;linenum&quot;:&quot;2&quot;,&quot;signature&quot;:&quot;model_ft = torchvision.models.resnet18()&quot;}],&quot;num_ftrs&quot;:[{&quot;linenum&quot;:&quot;12&quot;,&quot;signature&quot;:&quot;num_ftrs = model_ft.fc.in_features&quot;}]}}"/>
+    <we:property name="config" value="{&quot;display_lang&quot;:&quot;en&quot;,&quot;display_font&quot;:&quot;Consolas&quot;,&quot;syntax_color&quot;:{&quot;Reserved words&quot;:&quot;#0000ff&quot;,&quot;Modules,Classes,Exceptions&quot;:&quot;#FF0000&quot;,&quot;Methods&quot;:&quot;#008080&quot;,&quot;Attributes&quot;:&quot;#808000&quot;,&quot;Line comment&quot;:&quot;#008000&quot;,&quot;Block comment&quot;:&quot;#008000&quot;,&quot;Block comment 2&quot;:&quot;#008000&quot;,&quot;Quotation&quot;:&quot;#FF00FF&quot;,&quot;Quotation 2&quot;:&quot;#FF00FF&quot;,&quot;Number&quot;:&quot;#800080&quot;},&quot;old_syntax_color&quot;:{&quot;Reserved words&quot;:&quot;#0000FF&quot;,&quot;Modules,Classes,Exceptions&quot;:&quot;#FF0000&quot;,&quot;Methods&quot;:&quot;#008080&quot;,&quot;Attributes&quot;:&quot;#808000&quot;,&quot;Line comment&quot;:&quot;#008000&quot;,&quot;Block comment&quot;:&quot;#008000&quot;,&quot;Block comment 2&quot;:&quot;#008000&quot;,&quot;Quotation&quot;:&quot;#FF00FF&quot;,&quot;Quotation 2&quot;:&quot;#FF00FF&quot;,&quot;Number&quot;:&quot;#800080&quot;},&quot;show_line_number&quot;:false,&quot;code_lang&quot;:&quot;py&quot;,&quot;code&quot;:&quot;    # Pretrain된 18 layer residual network를 로드\n    model_ft = torchvision.models.resnet18()\n    # Copy parameter from './data/models/resnet18-5c106cde.pth' to model_ft\n    model_ft.load_state_dict(torch.load('./data/models/resnet18-5c106cde.pth'))\n\n    # 마지막 레이어의 입력 feature 수\n    print(\&quot;Original Fully connected layer of resnet18 (Last layer):\&quot;, model_ft.fc)\n    num_ftrs = model_ft.fc.in_features\n    # 마지막 레이어를 타겟 task에 맞게 수정\n    model_ft.fc = nn.Linear(num_ftrs, 2)\n    print(\&quot;Modified Fully connected layer of resnet18 (Last layer):\&quot;, model_ft.fc)\n\n\n    if use_gpu:\n        model_ft = model_ft.cuda()\n    # Loss function 설정\n    criterion = nn.CrossEntropyLoss()\n\n    # 모델의 Optimizer 설정\n    optimizer_ft = optim.SGD(model_ft.parameters(), lr=0.001, momentum=0.9)\n&quot;,&quot;ctags&quot;:{&quot;criterion&quot;:[{&quot;linenum&quot;:&quot;17&quot;,&quot;signature&quot;:&quot;criterion = nn.CrossEntropyLoss()&quot;}],&quot;model_ft&quot;:[{&quot;linenum&quot;:&quot;15&quot;,&quot;signature&quot;:&quot;model_ft = model_ft.cuda()&quot;},{&quot;linenum&quot;:&quot;2&quot;,&quot;signature&quot;:&quot;model_ft = torchvision.models.resnet18()&quot;}],&quot;num_ftrs&quot;:[{&quot;linenum&quot;:&quot;8&quot;,&quot;signature&quot;:&quot;num_ftrs = model_ft.fc.in_features&quot;}],&quot;optimizer_ft&quot;:[{&quot;linenum&quot;:&quot;20&quot;,&quot;signature&quot;:&quot;optimizer_ft = optim.SGD(model_ft.parameters(), lr=0.001, momentum=0.9)&quot;}]}}"/>
+  </we:properties>
+  <we:bindings/>
+  <we:snapshot xmlns:r="http://schemas.openxmlformats.org/officeDocument/2006/relationships" r:embed="rId1"/>
+</we:webextension>
+</file>
+
+<file path=ppt/webextensions/webextension6.xml><?xml version="1.0" encoding="utf-8"?>
+<we:webextension xmlns:we="http://schemas.microsoft.com/office/webextensions/webextension/2010/11" id="{BF19739B-DD48-9C40-BF2D-EFBCF06774F6}">
+  <we:reference id="wa104379263" version="1.0.0.1" store="ko-KR" storeType="OMEX"/>
+  <we:alternateReferences>
+    <we:reference id="wa104379263" version="1.0.0.1" store="wa104379263" storeType="OMEX"/>
+  </we:alternateReferences>
+  <we:properties>
+    <we:property name="config" value="{&quot;display_lang&quot;:&quot;en&quot;,&quot;display_font&quot;:&quot;Consolas&quot;,&quot;syntax_color&quot;:{&quot;Reserved words&quot;:&quot;#0000ff&quot;,&quot;Modules,Classes,Exceptions&quot;:&quot;#FF0000&quot;,&quot;Methods&quot;:&quot;#008080&quot;,&quot;Attributes&quot;:&quot;#808000&quot;,&quot;Line comment&quot;:&quot;#008000&quot;,&quot;Block comment&quot;:&quot;#008000&quot;,&quot;Block comment 2&quot;:&quot;#008000&quot;,&quot;Quotation&quot;:&quot;#FF00FF&quot;,&quot;Quotation 2&quot;:&quot;#FF00FF&quot;,&quot;Number&quot;:&quot;#800080&quot;},&quot;old_syntax_color&quot;:{&quot;Reserved words&quot;:&quot;#0000FF&quot;,&quot;Modules,Classes,Exceptions&quot;:&quot;#FF0000&quot;,&quot;Methods&quot;:&quot;#008080&quot;,&quot;Attributes&quot;:&quot;#808000&quot;,&quot;Line comment&quot;:&quot;#008000&quot;,&quot;Block comment&quot;:&quot;#008000&quot;,&quot;Block comment 2&quot;:&quot;#008000&quot;,&quot;Quotation&quot;:&quot;#FF00FF&quot;,&quot;Quotation 2&quot;:&quot;#FF00FF&quot;,&quot;Number&quot;:&quot;#800080&quot;},&quot;show_line_number&quot;:false,&quot;code_lang&quot;:&quot;py&quot;,&quot;code&quot;:&quot;'''\nTraining\n'''\ndef train_model(model, criterion, optimizer, lr_scheduler, use_gpu, dset_loaders, dset_sizes, num_epochs=25):\n    since = time.time()\n\n    best_model = model\n    best_acc = 0.0\n\n    for epoch in range(num_epochs):\n        print('Epoch {}/{}'.format(epoch, num_epochs - 1))\n        print('-' * 10)\n\n        # 각 epoch 별로 train phase와 validation phase를 진행\n        for phase in ['train', 'val']:\n            if phase == 'train':\n                optimizer = lr_scheduler(optimizer, epoch)\n                model.train(True)  # 모델을 train 모드로 설정\n            else:\n                model.train(False)  # 모델을 validation 모드로 설정\n\n            running_loss = 0.0\n            running_corrects = 0\n\n            # dset_loader의 데이터를 순차적으로 로드\n            for data in dset_loaders[phase]:\n                # input, label 로드\n                inputs, labels = data\n\n                # inputm label을 Variable로 wrapping\n                if use_gpu:\n                    inputs, labels = Variable(inputs.cuda()), \\\n                        Variable(labels.cuda())\n                else:\n                    inputs, labels = Variable(inputs), Variable(labels)\n\n                # optimizer의 gradient를 0으로 초기화\n                optimizer.zero_grad()\n\n                # input을 모델에 forward / 모델 prediction 도출 / loss 계산\n                outputs = model(inputs)\n                _, preds = torch.max(outputs.data, 1)\n                loss = criterion(outputs, labels)\n\n                # Training phase에서 backpropagation 진행\n                if phase == 'train':\n                    loss.backward()\n                    optimizer.step()\n\n                # 모델 loss와 성공적으로 Prediction 수를 저장\n                running_loss += loss.data[0]\n                running_corrects += torch.sum(preds == labels.data)\n\n            # epoch 별 평균 loss와 accuracy를 계산\n            epoch_loss = running_loss / dset_sizes[phase]\n            epoch_acc = running_corrects / dset_sizes[phase]\n\n            print('{} Loss: {:.4f} Acc: {:.4f}'.format(\n                phase, epoch_loss, epoch_acc))\n\n            # validation phase에서 epoch 별 가장 좋은 성능을 내고 있는 모델을 저장\n            if phase == 'val' and epoch_acc &gt; best_acc:\n                best_acc = epoch_acc\n                best_model = copy.deepcopy(model)\n\n        print()\n\n    time_elapsed = time.time() - since\n    print('Training complete in {:.0f}m {:.0f}s'.format(\n        time_elapsed // 60, time_elapsed % 60))\n    print('Best val Acc: {:4f}'.format(best_acc))\n\n    return best_model\n\n'''\nLearning rate scheduler\n매 epoch 마다 learning rate를 1/10 으로 감소\n'''\ndef exp_lr_scheduler(optimizer, epoch, init_lr=0.001, lr_decay_epoch=7):\n    lr = init_lr * (0.1**(epoch // lr_decay_epoch))\n\n    if epoch % lr_decay_epoch == 0:\n        print('LR is set to {}'.format(lr))\n\n    # optimize 시키고 있는 parameter의 learning rate를 변경\n    for param_group in optimizer.param_groups:\n        param_group['lr'] = lr\n\n    return optimizer\n&quot;,&quot;ctags&quot;:{&quot;exp_lr_scheduler&quot;:[{&quot;linenum&quot;:&quot;79&quot;,&quot;signature&quot;:&quot;def exp_lr_scheduler(optimizer, epoch, init_lr=0.001, lr_decay_epoch=7):&quot;}],&quot;train_model&quot;:[{&quot;linenum&quot;:&quot;4&quot;,&quot;signature&quot;:&quot;def train_model(model, criterion, optimizer, lr_scheduler, use_gpu, dset_loaders, dset_sizes, num_epochs=25):&quot;}]}}"/>
+  </we:properties>
+  <we:bindings/>
+  <we:snapshot xmlns:r="http://schemas.openxmlformats.org/officeDocument/2006/relationships" r:embed="rId1"/>
+</we:webextension>
+</file>
+
+<file path=ppt/webextensions/webextension7.xml><?xml version="1.0" encoding="utf-8"?>
+<we:webextension xmlns:we="http://schemas.microsoft.com/office/webextensions/webextension/2010/11" id="{D4022427-CD09-6349-B8FF-59D74056E392}">
+  <we:reference id="wa104379263" version="1.0.0.1" store="ko-KR" storeType="OMEX"/>
+  <we:alternateReferences>
+    <we:reference id="wa104379263" version="1.0.0.1" store="wa104379263" storeType="OMEX"/>
+  </we:alternateReferences>
+  <we:properties>
+    <we:property name="config" value="{&quot;display_lang&quot;:&quot;en&quot;,&quot;display_font&quot;:&quot;Consolas&quot;,&quot;syntax_color&quot;:{&quot;Reserved words&quot;:&quot;#0000ff&quot;,&quot;Modules,Classes,Exceptions&quot;:&quot;#FF0000&quot;,&quot;Methods&quot;:&quot;#008080&quot;,&quot;Attributes&quot;:&quot;#808000&quot;,&quot;Line comment&quot;:&quot;#008000&quot;,&quot;Block comment&quot;:&quot;#008000&quot;,&quot;Block comment 2&quot;:&quot;#008000&quot;,&quot;Quotation&quot;:&quot;#FF00FF&quot;,&quot;Quotation 2&quot;:&quot;#FF00FF&quot;,&quot;Number&quot;:&quot;#800080&quot;},&quot;old_syntax_color&quot;:{&quot;Reserved words&quot;:&quot;#0000FF&quot;,&quot;Modules,Classes,Exceptions&quot;:&quot;#FF0000&quot;,&quot;Methods&quot;:&quot;#008080&quot;,&quot;Attributes&quot;:&quot;#808000&quot;,&quot;Line comment&quot;:&quot;#008000&quot;,&quot;Block comment&quot;:&quot;#008000&quot;,&quot;Block comment 2&quot;:&quot;#008000&quot;,&quot;Quotation&quot;:&quot;#FF00FF&quot;,&quot;Quotation 2&quot;:&quot;#FF00FF&quot;,&quot;Number&quot;:&quot;#800080&quot;},&quot;show_line_number&quot;:false,&quot;code_lang&quot;:&quot;py&quot;,&quot;code&quot;:&quot;    '''\n    3. Train &amp; Evaluate\n    '''\n    \n    '''***TASK #3 ***\n    Read train_model() and exp_lr_scheduler() in functions.py\n    \n    Write code to train model_ft\n    '''\n    \n    # model training\n    #model_ft = \n    &quot;,&quot;ctags&quot;:{}}"/>
+  </we:properties>
+  <we:bindings/>
+  <we:snapshot xmlns:r="http://schemas.openxmlformats.org/officeDocument/2006/relationships" r:embed="rId1"/>
+</we:webextension>
+</file>
+
+<file path=ppt/webextensions/webextension8.xml><?xml version="1.0" encoding="utf-8"?>
+<we:webextension xmlns:we="http://schemas.microsoft.com/office/webextensions/webextension/2010/11" id="{A22A3035-360B-574C-A518-26618D154B71}">
+  <we:reference id="wa104379263" version="1.0.0.1" store="ko-KR" storeType="OMEX"/>
+  <we:alternateReferences>
+    <we:reference id="wa104379263" version="1.0.0.1" store="wa104379263" storeType="OMEX"/>
+  </we:alternateReferences>
+  <we:properties>
+    <we:property name="config" value="{&quot;display_lang&quot;:&quot;en&quot;,&quot;display_font&quot;:&quot;Consolas&quot;,&quot;syntax_color&quot;:{&quot;Reserved words&quot;:&quot;#0000ff&quot;,&quot;Modules,Classes,Exceptions&quot;:&quot;#FF0000&quot;,&quot;Methods&quot;:&quot;#008080&quot;,&quot;Attributes&quot;:&quot;#808000&quot;,&quot;Line comment&quot;:&quot;#008000&quot;,&quot;Block comment&quot;:&quot;#008000&quot;,&quot;Block comment 2&quot;:&quot;#008000&quot;,&quot;Quotation&quot;:&quot;#FF00FF&quot;,&quot;Quotation 2&quot;:&quot;#FF00FF&quot;,&quot;Number&quot;:&quot;#800080&quot;},&quot;old_syntax_color&quot;:{&quot;Reserved words&quot;:&quot;#0000FF&quot;,&quot;Modules,Classes,Exceptions&quot;:&quot;#FF0000&quot;,&quot;Methods&quot;:&quot;#008080&quot;,&quot;Attributes&quot;:&quot;#808000&quot;,&quot;Line comment&quot;:&quot;#008000&quot;,&quot;Block comment&quot;:&quot;#008000&quot;,&quot;Block comment 2&quot;:&quot;#008000&quot;,&quot;Quotation&quot;:&quot;#FF00FF&quot;,&quot;Quotation 2&quot;:&quot;#FF00FF&quot;,&quot;Number&quot;:&quot;#800080&quot;},&quot;show_line_number&quot;:false,&quot;code_lang&quot;:&quot;py&quot;,&quot;code&quot;:&quot;    '''\n    3. Train &amp; Evaluate\n    '''\n    # model training\n    model_ft = train_model(model_ft, criterion, optimizer_ft, exp_lr_scheduler,use_gpu, dset_loaders,dset_sizes,num_epochs=25)\n&quot;,&quot;ctags&quot;:{&quot;model_ft&quot;:[{&quot;linenum&quot;:&quot;5&quot;,&quot;signature&quot;:&quot;model_ft = train_model(model_ft, criterion, optimizer_ft, exp_lr_scheduler,use_gpu, dset_loaders,dset_sizes,num_epochs=25)&quot;}]}}"/>
+  </we:properties>
+  <we:bindings/>
+  <we:snapshot xmlns:r="http://schemas.openxmlformats.org/officeDocument/2006/relationships" r:embed="rId1"/>
+</we:webextension>
+</file>
+
+<file path=ppt/webextensions/webextension9.xml><?xml version="1.0" encoding="utf-8"?>
+<we:webextension xmlns:we="http://schemas.microsoft.com/office/webextensions/webextension/2010/11" id="{33C49DFE-10F9-A94A-84F6-620343F1E18B}">
+  <we:reference id="wa104379263" version="1.0.0.1" store="ko-KR" storeType="OMEX"/>
+  <we:alternateReferences>
+    <we:reference id="wa104379263" version="1.0.0.1" store="wa104379263" storeType="OMEX"/>
+  </we:alternateReferences>
+  <we:properties>
+    <we:property name="config" value="{&quot;display_lang&quot;:&quot;en&quot;,&quot;display_font&quot;:&quot;Consolas&quot;,&quot;syntax_color&quot;:{&quot;Reserved words&quot;:&quot;#0000ff&quot;,&quot;Modules,Classes,Exceptions&quot;:&quot;#FF0000&quot;,&quot;Methods&quot;:&quot;#008080&quot;,&quot;Attributes&quot;:&quot;#808000&quot;,&quot;Line comment&quot;:&quot;#008000&quot;,&quot;Block comment&quot;:&quot;#008000&quot;,&quot;Block comment 2&quot;:&quot;#008000&quot;,&quot;Quotation&quot;:&quot;#FF00FF&quot;,&quot;Quotation 2&quot;:&quot;#FF00FF&quot;,&quot;Number&quot;:&quot;#800080&quot;},&quot;old_syntax_color&quot;:{&quot;Reserved words&quot;:&quot;#0000FF&quot;,&quot;Modules,Classes,Exceptions&quot;:&quot;#FF0000&quot;,&quot;Methods&quot;:&quot;#008080&quot;,&quot;Attributes&quot;:&quot;#808000&quot;,&quot;Line comment&quot;:&quot;#008000&quot;,&quot;Block comment&quot;:&quot;#008000&quot;,&quot;Block comment 2&quot;:&quot;#008000&quot;,&quot;Quotation&quot;:&quot;#FF00FF&quot;,&quot;Quotation 2&quot;:&quot;#FF00FF&quot;,&quot;Number&quot;:&quot;#800080&quot;},&quot;show_line_number&quot;:false,&quot;code_lang&quot;:&quot;py&quot;,&quot;code&quot;:&quot;    '''\n    2. Model Load and Modify\n    '''\n    # Pretrain된 18 layer residual network를 로드\n    model_conv = torchvision.models.resnet18()\n    model_conv.load_state_dict(torch.load('./data/models/resnet18-5c106cde.pth'))\n    # Load한 모델의 파라미터를 train 과정에서 변경하지 않도록 설정 (requires_grad = False)\n    \n    '''***TASK #4 ***\n    Set all params in model_conv, so the params are not affected during training\n    '''\n    for param in #here:\n        #here\n&quot;,&quot;ctags&quot;:{&quot;model_conv&quot;:[{&quot;linenum&quot;:&quot;5&quot;,&quot;signature&quot;:&quot;model_conv = torchvision.models.resnet18()&quot;}]}}"/>
   </we:properties>
   <we:bindings/>
   <we:snapshot xmlns:r="http://schemas.openxmlformats.org/officeDocument/2006/relationships" r:embed="rId1"/>

--- a/lecture_slides/Practice/Practice#4_SKT_Deep_Learning_Lecture.pptx
+++ b/lecture_slides/Practice/Practice#4_SKT_Deep_Learning_Lecture.pptx
@@ -5055,20 +5055,44 @@
               </a:rPr>
             </a:br>
             <a:r>
-              <a:rPr kumimoji="1" lang="en-US" altLang="ko-KR" sz="2400" b="1" dirty="0" err="1" smtClean="0">
-                <a:solidFill>
-                  <a:srgbClr val="1E3DB4"/>
-                </a:solidFill>
-              </a:rPr>
-              <a:t>Finetuning</a:t>
-            </a:r>
-            <a:r>
               <a:rPr kumimoji="1" lang="en-US" altLang="ko-KR" sz="2400" b="1" dirty="0" smtClean="0">
                 <a:solidFill>
                   <a:srgbClr val="1E3DB4"/>
                 </a:solidFill>
               </a:rPr>
-              <a:t>, Pre-trained model as feature extractor</a:t>
+              <a:t>Fine-tuning</a:t>
+            </a:r>
+            <a:r>
+              <a:rPr kumimoji="1" lang="en-US" altLang="ko-KR" sz="2400" b="1" dirty="0" smtClean="0">
+                <a:solidFill>
+                  <a:srgbClr val="1E3DB4"/>
+                </a:solidFill>
+              </a:rPr>
+              <a:t>, Pre-trained </a:t>
+            </a:r>
+            <a:r>
+              <a:rPr kumimoji="1" lang="en-US" altLang="ko-KR" sz="2400" b="1" dirty="0" smtClean="0">
+                <a:solidFill>
+                  <a:srgbClr val="1E3DB4"/>
+                </a:solidFill>
+              </a:rPr>
+              <a:t>Model </a:t>
+            </a:r>
+            <a:r>
+              <a:rPr kumimoji="1" lang="en-US" altLang="ko-KR" sz="2400" b="1" dirty="0" smtClean="0">
+                <a:solidFill>
+                  <a:srgbClr val="1E3DB4"/>
+                </a:solidFill>
+              </a:rPr>
+              <a:t>as </a:t>
+            </a:r>
+            <a:r>
+              <a:rPr kumimoji="1" lang="en-US" altLang="ko-KR" sz="2400" b="1" dirty="0" smtClean="0">
+                <a:solidFill>
+                  <a:srgbClr val="1E3DB4"/>
+                </a:solidFill>
+              </a:rPr>
+              <a:t>Feature Extractor</a:t>
             </a:r>
             <a:endParaRPr kumimoji="1" lang="ko-KR" altLang="en-US" sz="3600" b="1" dirty="0">
               <a:solidFill>
@@ -5749,8 +5773,8 @@
           </a:p>
         </p:txBody>
       </p:sp>
-      <mc:AlternateContent xmlns:mc="http://schemas.openxmlformats.org/markup-compatibility/2006">
-        <mc:Choice xmlns:we="http://schemas.microsoft.com/office/webextensions/webextension/2010/11" xmlns:pca="http://schemas.microsoft.com/office/powerpoint/2013/contentapp" Requires="we pca">
+      <mc:AlternateContent xmlns:mc="http://schemas.openxmlformats.org/markup-compatibility/2006" xmlns:we="http://schemas.microsoft.com/office/webextensions/webextension/2010/11" xmlns:pca="http://schemas.microsoft.com/office/powerpoint/2013/contentapp">
+        <mc:Choice Requires="we pca">
           <p:graphicFrame>
             <p:nvGraphicFramePr>
               <p:cNvPr id="4" name="추가 기능 3" title="Code Presenter Pro"/>
@@ -5776,7 +5800,7 @@
             </a:graphic>
           </p:graphicFrame>
         </mc:Choice>
-        <mc:Fallback>
+        <mc:Fallback xmlns="">
           <p:pic>
             <p:nvPicPr>
               <p:cNvPr id="4" name="추가 기능 3" title="Code Presenter Pro"/>
@@ -5980,8 +6004,8 @@
           </a:p>
         </p:txBody>
       </p:sp>
-      <mc:AlternateContent xmlns:mc="http://schemas.openxmlformats.org/markup-compatibility/2006">
-        <mc:Choice xmlns:we="http://schemas.microsoft.com/office/webextensions/webextension/2010/11" xmlns:pca="http://schemas.microsoft.com/office/powerpoint/2013/contentapp" Requires="we pca">
+      <mc:AlternateContent xmlns:mc="http://schemas.openxmlformats.org/markup-compatibility/2006" xmlns:we="http://schemas.microsoft.com/office/webextensions/webextension/2010/11" xmlns:pca="http://schemas.microsoft.com/office/powerpoint/2013/contentapp">
+        <mc:Choice Requires="we pca">
           <p:graphicFrame>
             <p:nvGraphicFramePr>
               <p:cNvPr id="4" name="추가 기능 3" title="Code Presenter Pro"/>
@@ -6007,7 +6031,7 @@
             </a:graphic>
           </p:graphicFrame>
         </mc:Choice>
-        <mc:Fallback>
+        <mc:Fallback xmlns="">
           <p:pic>
             <p:nvPicPr>
               <p:cNvPr id="4" name="추가 기능 3" title="Code Presenter Pro"/>
@@ -6099,15 +6123,7 @@
                   <a:srgbClr val="1E3DB4"/>
                 </a:solidFill>
               </a:rPr>
-              <a:t>Task </a:t>
-            </a:r>
-            <a:r>
-              <a:rPr kumimoji="1" lang="en-US" altLang="ko-KR" sz="3600" b="1" dirty="0" smtClean="0">
-                <a:solidFill>
-                  <a:srgbClr val="1E3DB4"/>
-                </a:solidFill>
-              </a:rPr>
-              <a:t>#3</a:t>
+              <a:t>Task #3</a:t>
             </a:r>
             <a:endParaRPr kumimoji="1" lang="ko-KR" altLang="en-US" sz="3600" dirty="0"/>
           </a:p>
@@ -6137,11 +6153,7 @@
           <a:p>
             <a:r>
               <a:rPr kumimoji="1" lang="en-US" altLang="ko-KR" sz="2400" dirty="0" smtClean="0"/>
-              <a:t>Task 3</a:t>
-            </a:r>
-            <a:r>
-              <a:rPr kumimoji="1" lang="en-US" altLang="ko-KR" sz="2400" dirty="0" smtClean="0"/>
-              <a:t>.1 </a:t>
+              <a:t>Task 3.1 </a:t>
             </a:r>
             <a:br>
               <a:rPr kumimoji="1" lang="en-US" altLang="ko-KR" sz="2400" dirty="0" smtClean="0"/>
@@ -6190,11 +6202,7 @@
             </a:r>
             <a:r>
               <a:rPr lang="pl-PL" altLang="ko-KR" sz="2400" dirty="0" smtClean="0"/>
-              <a:t> 3</a:t>
-            </a:r>
-            <a:r>
-              <a:rPr lang="pl-PL" altLang="ko-KR" sz="2400" dirty="0" smtClean="0"/>
-              <a:t>.2</a:t>
+              <a:t> 3.2</a:t>
             </a:r>
             <a:br>
               <a:rPr lang="pl-PL" altLang="ko-KR" sz="2400" dirty="0" smtClean="0"/>
@@ -6205,11 +6213,31 @@
             </a:r>
             <a:r>
               <a:rPr lang="pl-PL" altLang="ko-KR" sz="2400" dirty="0" err="1" smtClean="0"/>
-              <a:t>Code</a:t>
+              <a:t>your</a:t>
             </a:r>
             <a:r>
               <a:rPr lang="pl-PL" altLang="ko-KR" sz="2400" dirty="0" smtClean="0"/>
-              <a:t> to </a:t>
+              <a:t> </a:t>
+            </a:r>
+            <a:r>
+              <a:rPr lang="pl-PL" altLang="ko-KR" sz="2400" dirty="0" err="1" smtClean="0"/>
+              <a:t>own</a:t>
+            </a:r>
+            <a:r>
+              <a:rPr lang="pl-PL" altLang="ko-KR" sz="2400" dirty="0" smtClean="0"/>
+              <a:t> </a:t>
+            </a:r>
+            <a:r>
+              <a:rPr lang="pl-PL" altLang="ko-KR" sz="2400" dirty="0" err="1" smtClean="0"/>
+              <a:t>codes</a:t>
+            </a:r>
+            <a:r>
+              <a:rPr lang="pl-PL" altLang="ko-KR" sz="2400" dirty="0" smtClean="0"/>
+              <a:t> </a:t>
+            </a:r>
+            <a:r>
+              <a:rPr lang="pl-PL" altLang="ko-KR" sz="2400" dirty="0" smtClean="0"/>
+              <a:t>to </a:t>
             </a:r>
             <a:r>
               <a:rPr lang="pl-PL" altLang="ko-KR" sz="2400" dirty="0" err="1" smtClean="0"/>
@@ -6568,8 +6596,8 @@
           </a:p>
         </p:txBody>
       </p:sp>
-      <mc:AlternateContent xmlns:mc="http://schemas.openxmlformats.org/markup-compatibility/2006">
-        <mc:Choice xmlns:we="http://schemas.microsoft.com/office/webextensions/webextension/2010/11" xmlns:pca="http://schemas.microsoft.com/office/powerpoint/2013/contentapp" Requires="we pca">
+      <mc:AlternateContent xmlns:mc="http://schemas.openxmlformats.org/markup-compatibility/2006" xmlns:we="http://schemas.microsoft.com/office/webextensions/webextension/2010/11" xmlns:pca="http://schemas.microsoft.com/office/powerpoint/2013/contentapp">
+        <mc:Choice Requires="we pca">
           <p:graphicFrame>
             <p:nvGraphicFramePr>
               <p:cNvPr id="4" name="추가 기능 3" title="Code Presenter Pro"/>
@@ -6595,7 +6623,7 @@
             </a:graphic>
           </p:graphicFrame>
         </mc:Choice>
-        <mc:Fallback>
+        <mc:Fallback xmlns="">
           <p:pic>
             <p:nvPicPr>
               <p:cNvPr id="4" name="추가 기능 3" title="Code Presenter Pro"/>
@@ -6682,20 +6710,20 @@
           <a:lstStyle/>
           <a:p>
             <a:r>
-              <a:rPr kumimoji="1" lang="en-US" altLang="ko-KR" sz="3600" b="1" dirty="0" err="1" smtClean="0">
-                <a:solidFill>
-                  <a:srgbClr val="1E3DB4"/>
-                </a:solidFill>
-              </a:rPr>
-              <a:t>Finetuning</a:t>
-            </a:r>
-            <a:r>
               <a:rPr kumimoji="1" lang="en-US" altLang="ko-KR" sz="3600" b="1" dirty="0" smtClean="0">
                 <a:solidFill>
                   <a:srgbClr val="1E3DB4"/>
                 </a:solidFill>
               </a:rPr>
-              <a:t> &amp; evaluation</a:t>
+              <a:t>Fine-tuning </a:t>
+            </a:r>
+            <a:r>
+              <a:rPr kumimoji="1" lang="en-US" altLang="ko-KR" sz="3600" b="1" dirty="0" smtClean="0">
+                <a:solidFill>
+                  <a:srgbClr val="1E3DB4"/>
+                </a:solidFill>
+              </a:rPr>
+              <a:t>&amp; evaluation</a:t>
             </a:r>
             <a:endParaRPr kumimoji="1" lang="ko-KR" altLang="en-US" sz="3600" dirty="0"/>
           </a:p>
@@ -7015,13 +7043,34 @@
               <a:t>Pre-trained </a:t>
             </a:r>
             <a:r>
+              <a:rPr kumimoji="1" lang="en-US" altLang="ko-KR" sz="4000" b="1" dirty="0" smtClean="0">
+                <a:solidFill>
+                  <a:srgbClr val="222581"/>
+                </a:solidFill>
+              </a:rPr>
+              <a:t>Model </a:t>
+            </a:r>
+            <a:r>
               <a:rPr kumimoji="1" lang="en-US" altLang="ko-KR" sz="4000" b="1" dirty="0">
                 <a:solidFill>
                   <a:srgbClr val="222581"/>
                 </a:solidFill>
               </a:rPr>
-              <a:t>model as a feature extractor</a:t>
-            </a:r>
+              <a:t>as a </a:t>
+            </a:r>
+            <a:r>
+              <a:rPr kumimoji="1" lang="en-US" altLang="ko-KR" sz="4000" b="1" dirty="0" smtClean="0">
+                <a:solidFill>
+                  <a:srgbClr val="222581"/>
+                </a:solidFill>
+              </a:rPr>
+              <a:t>Feature Extractor</a:t>
+            </a:r>
+            <a:endParaRPr kumimoji="1" lang="en-US" altLang="ko-KR" sz="4000" b="1" dirty="0">
+              <a:solidFill>
+                <a:srgbClr val="222581"/>
+              </a:solidFill>
+            </a:endParaRPr>
           </a:p>
         </p:txBody>
       </p:sp>
@@ -7216,7 +7265,6 @@
               <a:rPr kumimoji="1" lang="en-US" altLang="ko-KR" dirty="0" smtClean="0"/>
               <a:t>The last layer (fully-connected layer) is the only layer to be trained.</a:t>
             </a:r>
-            <a:endParaRPr kumimoji="1" lang="en-US" altLang="ko-KR" dirty="0" smtClean="0"/>
           </a:p>
           <a:p>
             <a:pPr lvl="1" latinLnBrk="0">
@@ -7402,15 +7450,7 @@
                   <a:srgbClr val="1E3DB4"/>
                 </a:solidFill>
               </a:rPr>
-              <a:t>Task </a:t>
-            </a:r>
-            <a:r>
-              <a:rPr kumimoji="1" lang="en-US" altLang="ko-KR" sz="3600" b="1" dirty="0" smtClean="0">
-                <a:solidFill>
-                  <a:srgbClr val="1E3DB4"/>
-                </a:solidFill>
-              </a:rPr>
-              <a:t>#4 </a:t>
+              <a:t>Task #4 </a:t>
             </a:r>
             <a:r>
               <a:rPr kumimoji="1" lang="en-US" altLang="ko-KR" sz="3600" b="1" dirty="0" err="1" smtClean="0">
@@ -7586,8 +7626,8 @@
           </a:p>
         </p:txBody>
       </p:sp>
-      <mc:AlternateContent xmlns:mc="http://schemas.openxmlformats.org/markup-compatibility/2006">
-        <mc:Choice xmlns:we="http://schemas.microsoft.com/office/webextensions/webextension/2010/11" xmlns:pca="http://schemas.microsoft.com/office/powerpoint/2013/contentapp" Requires="we pca">
+      <mc:AlternateContent xmlns:mc="http://schemas.openxmlformats.org/markup-compatibility/2006" xmlns:we="http://schemas.microsoft.com/office/webextensions/webextension/2010/11" xmlns:pca="http://schemas.microsoft.com/office/powerpoint/2013/contentapp">
+        <mc:Choice Requires="we pca">
           <p:graphicFrame>
             <p:nvGraphicFramePr>
               <p:cNvPr id="4" name="추가 기능 3" title="Code Presenter Pro"/>
@@ -7613,7 +7653,7 @@
             </a:graphic>
           </p:graphicFrame>
         </mc:Choice>
-        <mc:Fallback>
+        <mc:Fallback xmlns="">
           <p:pic>
             <p:nvPicPr>
               <p:cNvPr id="4" name="추가 기능 3" title="Code Presenter Pro"/>
@@ -7817,8 +7857,8 @@
           </a:p>
         </p:txBody>
       </p:sp>
-      <mc:AlternateContent xmlns:mc="http://schemas.openxmlformats.org/markup-compatibility/2006">
-        <mc:Choice xmlns:we="http://schemas.microsoft.com/office/webextensions/webextension/2010/11" xmlns:pca="http://schemas.microsoft.com/office/powerpoint/2013/contentapp" Requires="we pca">
+      <mc:AlternateContent xmlns:mc="http://schemas.openxmlformats.org/markup-compatibility/2006" xmlns:we="http://schemas.microsoft.com/office/webextensions/webextension/2010/11" xmlns:pca="http://schemas.microsoft.com/office/powerpoint/2013/contentapp">
+        <mc:Choice Requires="we pca">
           <p:graphicFrame>
             <p:nvGraphicFramePr>
               <p:cNvPr id="4" name="추가 기능 3" title="Code Presenter Pro"/>
@@ -7840,7 +7880,7 @@
             </a:graphic>
           </p:graphicFrame>
         </mc:Choice>
-        <mc:Fallback>
+        <mc:Fallback xmlns="">
           <p:pic>
             <p:nvPicPr>
               <p:cNvPr id="4" name="추가 기능 3" title="Code Presenter Pro"/>
@@ -8264,24 +8304,13 @@
                   <a:srgbClr val="222581"/>
                 </a:solidFill>
               </a:rPr>
-              <a:t>Fine-tuning pre-trained </a:t>
-            </a:r>
-            <a:r>
-              <a:rPr kumimoji="1" lang="en-US" altLang="ko-KR" b="1" dirty="0">
-                <a:solidFill>
-                  <a:srgbClr val="222581"/>
-                </a:solidFill>
-              </a:rPr>
-              <a:t>m</a:t>
-            </a:r>
-            <a:r>
-              <a:rPr kumimoji="1" lang="en-US" altLang="ko-KR" b="1" dirty="0" smtClean="0">
-                <a:solidFill>
-                  <a:srgbClr val="222581"/>
-                </a:solidFill>
-              </a:rPr>
-              <a:t>odel</a:t>
-            </a:r>
+              <a:t>Fine-tuning Pre-trained Model</a:t>
+            </a:r>
+            <a:endParaRPr kumimoji="1" lang="en-US" altLang="ko-KR" b="1" dirty="0" smtClean="0">
+              <a:solidFill>
+                <a:srgbClr val="222581"/>
+              </a:solidFill>
+            </a:endParaRPr>
           </a:p>
           <a:p>
             <a:pPr marL="514350" lvl="0" indent="-514350" latinLnBrk="0">
@@ -8300,8 +8329,29 @@
                   <a:srgbClr val="222581"/>
                 </a:solidFill>
               </a:rPr>
-              <a:t>Pre-trained model as a feature extractor</a:t>
-            </a:r>
+              <a:t>Pre-trained Model </a:t>
+            </a:r>
+            <a:r>
+              <a:rPr kumimoji="1" lang="en-US" altLang="ko-KR" b="1" dirty="0" smtClean="0">
+                <a:solidFill>
+                  <a:srgbClr val="222581"/>
+                </a:solidFill>
+              </a:rPr>
+              <a:t>as a </a:t>
+            </a:r>
+            <a:r>
+              <a:rPr kumimoji="1" lang="en-US" altLang="ko-KR" b="1" dirty="0" smtClean="0">
+                <a:solidFill>
+                  <a:srgbClr val="222581"/>
+                </a:solidFill>
+              </a:rPr>
+              <a:t>Feature Extractor</a:t>
+            </a:r>
+            <a:endParaRPr kumimoji="1" lang="en-US" altLang="ko-KR" b="1" dirty="0" smtClean="0">
+              <a:solidFill>
+                <a:srgbClr val="222581"/>
+              </a:solidFill>
+            </a:endParaRPr>
           </a:p>
         </p:txBody>
       </p:sp>
@@ -8548,7 +8598,18 @@
                 <a:ea typeface="Cooper Black" charset="0"/>
                 <a:cs typeface="Cooper Black" charset="0"/>
               </a:rPr>
-              <a:t>For your attention!!!</a:t>
+              <a:t>for </a:t>
+            </a:r>
+            <a:r>
+              <a:rPr kumimoji="1" lang="en-US" altLang="ko-KR" sz="4000" dirty="0" smtClean="0">
+                <a:solidFill>
+                  <a:srgbClr val="0020B4"/>
+                </a:solidFill>
+                <a:latin typeface="Cooper Black" charset="0"/>
+                <a:ea typeface="Cooper Black" charset="0"/>
+                <a:cs typeface="Cooper Black" charset="0"/>
+              </a:rPr>
+              <a:t>your attention!!!</a:t>
             </a:r>
           </a:p>
           <a:p>
@@ -8848,7 +8909,15 @@
                   <a:srgbClr val="222581"/>
                 </a:solidFill>
               </a:rPr>
-              <a:t>ine-tuning pre-trained model</a:t>
+              <a:t>ine-tuning </a:t>
+            </a:r>
+            <a:r>
+              <a:rPr kumimoji="1" lang="en-US" altLang="ko-KR" sz="4000" b="1" dirty="0" smtClean="0">
+                <a:solidFill>
+                  <a:srgbClr val="222581"/>
+                </a:solidFill>
+              </a:rPr>
+              <a:t>Pre-trained Model</a:t>
             </a:r>
             <a:endParaRPr kumimoji="1" lang="ko-KR" altLang="en-US" sz="4000" dirty="0">
               <a:solidFill>
@@ -8976,7 +9045,9 @@
           </a:xfrm>
         </p:spPr>
         <p:txBody>
-          <a:bodyPr/>
+          <a:bodyPr>
+            <a:normAutofit fontScale="92500" lnSpcReduction="20000"/>
+          </a:bodyPr>
           <a:lstStyle/>
           <a:p>
             <a:pPr latinLnBrk="0">
@@ -9008,7 +9079,15 @@
             </a:pPr>
             <a:r>
               <a:rPr kumimoji="1" lang="en-US" altLang="ko-KR" dirty="0" smtClean="0"/>
-              <a:t>Originally Trained with ImageNet with 1000 Classes</a:t>
+              <a:t>Originally Trained with ImageNet with </a:t>
+            </a:r>
+            <a:r>
+              <a:rPr kumimoji="1" lang="en-US" altLang="ko-KR" dirty="0" smtClean="0"/>
+              <a:t>1,000 </a:t>
+            </a:r>
+            <a:r>
+              <a:rPr kumimoji="1" lang="en-US" altLang="ko-KR" dirty="0" smtClean="0"/>
+              <a:t>Classes</a:t>
             </a:r>
           </a:p>
           <a:p>
@@ -9022,7 +9101,15 @@
             </a:pPr>
             <a:r>
               <a:rPr kumimoji="1" lang="en-US" altLang="ko-KR" dirty="0" smtClean="0"/>
-              <a:t>Use Residual Connection for efficient training and better performance</a:t>
+              <a:t>Use </a:t>
+            </a:r>
+            <a:r>
+              <a:rPr kumimoji="1" lang="en-US" altLang="ko-KR" dirty="0" smtClean="0"/>
+              <a:t>residual connection </a:t>
+            </a:r>
+            <a:r>
+              <a:rPr kumimoji="1" lang="en-US" altLang="ko-KR" dirty="0" smtClean="0"/>
+              <a:t>for efficient training and better performance</a:t>
             </a:r>
           </a:p>
           <a:p>
@@ -9036,9 +9123,16 @@
             </a:pPr>
             <a:r>
               <a:rPr kumimoji="1" lang="en-US" altLang="ko-KR" dirty="0" smtClean="0"/>
-              <a:t>Top-1 error on ImageNet validation : 27.88%</a:t>
-            </a:r>
-            <a:endParaRPr kumimoji="1" lang="en-US" altLang="ko-KR" dirty="0" smtClean="0"/>
+              <a:t>Top-1 error on ImageNet </a:t>
+            </a:r>
+            <a:r>
+              <a:rPr kumimoji="1" lang="en-US" altLang="ko-KR" dirty="0" smtClean="0"/>
+              <a:t>validation: </a:t>
+            </a:r>
+            <a:r>
+              <a:rPr kumimoji="1" lang="en-US" altLang="ko-KR" dirty="0" smtClean="0"/>
+              <a:t>27.88%</a:t>
+            </a:r>
           </a:p>
           <a:p>
             <a:pPr lvl="1" latinLnBrk="0">
@@ -9051,7 +9145,11 @@
             </a:pPr>
             <a:r>
               <a:rPr kumimoji="1" lang="en-US" altLang="ko-KR" dirty="0" smtClean="0"/>
-              <a:t>For detailed Structure </a:t>
+              <a:t>For detailed </a:t>
+            </a:r>
+            <a:r>
+              <a:rPr kumimoji="1" lang="en-US" altLang="ko-KR" dirty="0" smtClean="0"/>
+              <a:t>architecture </a:t>
             </a:r>
             <a:r>
               <a:rPr kumimoji="1" lang="en-US" altLang="ko-KR" dirty="0">
@@ -9094,7 +9192,28 @@
               <a:rPr kumimoji="1" lang="en-US" altLang="ko-KR" dirty="0" smtClean="0">
                 <a:sym typeface="Wingdings"/>
               </a:rPr>
-              <a:t>(two Classes)</a:t>
+              <a:t>(two </a:t>
+            </a:r>
+            <a:r>
+              <a:rPr kumimoji="1" lang="en-US" altLang="ko-KR" dirty="0" smtClean="0">
+                <a:sym typeface="Wingdings"/>
+              </a:rPr>
+              <a:t>Classes, </a:t>
+            </a:r>
+            <a:r>
+              <a:rPr kumimoji="1" lang="en-US" altLang="ko-KR" dirty="0" smtClean="0">
+                <a:solidFill>
+                  <a:srgbClr val="C00000"/>
+                </a:solidFill>
+                <a:sym typeface="Wingdings"/>
+              </a:rPr>
+              <a:t>not included in ImageNet</a:t>
+            </a:r>
+            <a:r>
+              <a:rPr kumimoji="1" lang="en-US" altLang="ko-KR" dirty="0" smtClean="0">
+                <a:sym typeface="Wingdings"/>
+              </a:rPr>
+              <a:t>)</a:t>
             </a:r>
             <a:r>
               <a:rPr kumimoji="1" lang="en-US" altLang="ko-KR" dirty="0" smtClean="0"/>
@@ -9221,16 +9340,15 @@
           </p:cNvPicPr>
           <p:nvPr/>
         </p:nvPicPr>
-        <p:blipFill>
+        <p:blipFill rotWithShape="1">
           <a:blip r:embed="rId5"/>
-          <a:stretch>
-            <a:fillRect/>
-          </a:stretch>
+          <a:srcRect b="3816"/>
+          <a:stretch/>
         </p:blipFill>
         <p:spPr>
           <a:xfrm>
             <a:off x="8988429" y="4081789"/>
-            <a:ext cx="3013071" cy="1804784"/>
+            <a:ext cx="3013071" cy="1735915"/>
           </a:xfrm>
           <a:prstGeom prst="rect">
             <a:avLst/>
@@ -9246,7 +9364,7 @@
         <p:spPr>
           <a:xfrm>
             <a:off x="8643888" y="6009094"/>
-            <a:ext cx="3471912" cy="369332"/>
+            <a:ext cx="3268331" cy="369332"/>
           </a:xfrm>
           <a:prstGeom prst="rect">
             <a:avLst/>
@@ -9264,8 +9382,8 @@
               <a:t>Figure 1. Residual </a:t>
             </a:r>
             <a:r>
-              <a:rPr kumimoji="1" lang="en-US" altLang="ko-KR" dirty="0" err="1" smtClean="0"/>
-              <a:t>connectionm</a:t>
+              <a:rPr kumimoji="1" lang="en-US" altLang="ko-KR" dirty="0" smtClean="0"/>
+              <a:t>connection</a:t>
             </a:r>
             <a:endParaRPr kumimoji="1" lang="ko-KR" altLang="en-US" dirty="0"/>
           </a:p>
@@ -9359,7 +9477,9 @@
           </a:xfrm>
         </p:spPr>
         <p:txBody>
-          <a:bodyPr/>
+          <a:bodyPr>
+            <a:normAutofit lnSpcReduction="10000"/>
+          </a:bodyPr>
           <a:lstStyle/>
           <a:p>
             <a:pPr latinLnBrk="0">
@@ -9868,15 +9988,7 @@
                   <a:srgbClr val="1E3DB4"/>
                 </a:solidFill>
               </a:rPr>
-              <a:t>Task #</a:t>
-            </a:r>
-            <a:r>
-              <a:rPr kumimoji="1" lang="en-US" altLang="ko-KR" sz="3600" b="1" dirty="0" smtClean="0">
-                <a:solidFill>
-                  <a:srgbClr val="1E3DB4"/>
-                </a:solidFill>
-              </a:rPr>
-              <a:t>1 </a:t>
+              <a:t>Task #1 </a:t>
             </a:r>
             <a:r>
               <a:rPr kumimoji="1" lang="en-US" altLang="ko-KR" sz="3600" b="1" dirty="0" err="1" smtClean="0">
@@ -10165,7 +10277,15 @@
             </a:pPr>
             <a:r>
               <a:rPr kumimoji="1" lang="en-US" altLang="ko-KR" dirty="0" smtClean="0"/>
-              <a:t>Transform Image to Tensor</a:t>
+              <a:t>Transform </a:t>
+            </a:r>
+            <a:r>
+              <a:rPr kumimoji="1" lang="en-US" altLang="ko-KR" dirty="0" smtClean="0"/>
+              <a:t>Image </a:t>
+            </a:r>
+            <a:r>
+              <a:rPr kumimoji="1" lang="en-US" altLang="ko-KR" dirty="0" smtClean="0"/>
+              <a:t>to Tensor</a:t>
             </a:r>
           </a:p>
           <a:p>
@@ -10403,8 +10523,8 @@
           </a:p>
         </p:txBody>
       </p:sp>
-      <mc:AlternateContent xmlns:mc="http://schemas.openxmlformats.org/markup-compatibility/2006">
-        <mc:Choice xmlns:we="http://schemas.microsoft.com/office/webextensions/webextension/2010/11" xmlns:pca="http://schemas.microsoft.com/office/powerpoint/2013/contentapp" Requires="we pca">
+      <mc:AlternateContent xmlns:mc="http://schemas.openxmlformats.org/markup-compatibility/2006" xmlns:we="http://schemas.microsoft.com/office/webextensions/webextension/2010/11" xmlns:pca="http://schemas.microsoft.com/office/powerpoint/2013/contentapp">
+        <mc:Choice Requires="we pca">
           <p:graphicFrame>
             <p:nvGraphicFramePr>
               <p:cNvPr id="6" name="추가 기능 5" title="Code Presenter Pro"/>
@@ -10430,7 +10550,7 @@
             </a:graphic>
           </p:graphicFrame>
         </mc:Choice>
-        <mc:Fallback>
+        <mc:Fallback xmlns="">
           <p:pic>
             <p:nvPicPr>
               <p:cNvPr id="6" name="추가 기능 5" title="Code Presenter Pro"/>
@@ -10919,15 +11039,7 @@
                   <a:srgbClr val="1E3DB4"/>
                 </a:solidFill>
               </a:rPr>
-              <a:t>Task #</a:t>
-            </a:r>
-            <a:r>
-              <a:rPr kumimoji="1" lang="en-US" altLang="ko-KR" sz="3600" b="1" dirty="0" smtClean="0">
-                <a:solidFill>
-                  <a:srgbClr val="1E3DB4"/>
-                </a:solidFill>
-              </a:rPr>
-              <a:t>2 </a:t>
+              <a:t>Task #2 </a:t>
             </a:r>
             <a:r>
               <a:rPr kumimoji="1" lang="en-US" altLang="ko-KR" sz="3600" b="1" dirty="0" err="1" smtClean="0">
@@ -11121,7 +11233,6 @@
               <a:rPr lang="pl-PL" altLang="ko-KR" sz="2000" dirty="0" smtClean="0"/>
               <a:t> model.</a:t>
             </a:r>
-            <a:endParaRPr lang="pl-PL" altLang="ko-KR" sz="2000" dirty="0" smtClean="0"/>
           </a:p>
           <a:p>
             <a:endParaRPr lang="pl-PL" altLang="ko-KR" sz="2000" dirty="0"/>
@@ -11144,11 +11255,7 @@
             </a:r>
             <a:r>
               <a:rPr lang="pl-PL" altLang="ko-KR" sz="2000" dirty="0" smtClean="0"/>
-              <a:t> </a:t>
-            </a:r>
-            <a:r>
-              <a:rPr lang="pl-PL" altLang="ko-KR" sz="2000" dirty="0" smtClean="0"/>
-              <a:t>SGD </a:t>
+              <a:t> SGD </a:t>
             </a:r>
             <a:r>
               <a:rPr lang="pl-PL" altLang="ko-KR" sz="2000" dirty="0" err="1" smtClean="0"/>

--- a/lecture_slides/Practice/Practice#4_SKT_Deep_Learning_Lecture.pptx
+++ b/lecture_slides/Practice/Practice#4_SKT_Deep_Learning_Lecture.pptx
@@ -219,7 +219,7 @@
           <a:p>
             <a:fld id="{09F4596B-9A7B-DC4F-81E8-A9F94D9D926E}" type="datetimeFigureOut">
               <a:rPr kumimoji="1" lang="ko-KR" altLang="en-US" smtClean="0"/>
-              <a:t>2017. 9. 17.</a:t>
+              <a:t>2017. 9. 21.</a:t>
             </a:fld>
             <a:endParaRPr kumimoji="1" lang="ko-KR" altLang="en-US"/>
           </a:p>
@@ -2201,7 +2201,7 @@
           <a:p>
             <a:fld id="{66F1804E-3A7B-CB4E-A07E-DA9E522294ED}" type="datetime1">
               <a:rPr kumimoji="1" lang="ko-KR" altLang="en-US" smtClean="0"/>
-              <a:t>2017. 9. 17.</a:t>
+              <a:t>2017. 9. 21.</a:t>
             </a:fld>
             <a:endParaRPr kumimoji="1" lang="ko-KR" altLang="en-US"/>
           </a:p>
@@ -2411,7 +2411,7 @@
           <a:p>
             <a:fld id="{45E2D529-5BC2-CA4B-8EDA-2F62141EB15F}" type="datetime1">
               <a:rPr kumimoji="1" lang="ko-KR" altLang="en-US" smtClean="0"/>
-              <a:t>2017. 9. 17.</a:t>
+              <a:t>2017. 9. 21.</a:t>
             </a:fld>
             <a:endParaRPr kumimoji="1" lang="ko-KR" altLang="en-US"/>
           </a:p>
@@ -2595,7 +2595,7 @@
           <a:p>
             <a:fld id="{084B4D01-7904-7F46-9EAF-A99AD9563ABF}" type="datetime1">
               <a:rPr kumimoji="1" lang="ko-KR" altLang="en-US" smtClean="0"/>
-              <a:t>2017. 9. 17.</a:t>
+              <a:t>2017. 9. 21.</a:t>
             </a:fld>
             <a:endParaRPr kumimoji="1" lang="ko-KR" altLang="en-US"/>
           </a:p>
@@ -2769,7 +2769,7 @@
           <a:p>
             <a:fld id="{E86B1254-D30F-E443-B058-677F77DBB29C}" type="datetime1">
               <a:rPr kumimoji="1" lang="ko-KR" altLang="en-US" smtClean="0"/>
-              <a:t>2017. 9. 17.</a:t>
+              <a:t>2017. 9. 21.</a:t>
             </a:fld>
             <a:endParaRPr kumimoji="1" lang="ko-KR" altLang="en-US"/>
           </a:p>
@@ -3019,7 +3019,7 @@
           <a:p>
             <a:fld id="{3412AD51-8BEA-4049-AA0C-7229ED7C6484}" type="datetime1">
               <a:rPr kumimoji="1" lang="ko-KR" altLang="en-US" smtClean="0"/>
-              <a:t>2017. 9. 17.</a:t>
+              <a:t>2017. 9. 21.</a:t>
             </a:fld>
             <a:endParaRPr kumimoji="1" lang="ko-KR" altLang="en-US"/>
           </a:p>
@@ -3255,7 +3255,7 @@
           <a:p>
             <a:fld id="{2889960D-4C3D-6A44-A753-3BC358D4232E}" type="datetime1">
               <a:rPr kumimoji="1" lang="ko-KR" altLang="en-US" smtClean="0"/>
-              <a:t>2017. 9. 17.</a:t>
+              <a:t>2017. 9. 21.</a:t>
             </a:fld>
             <a:endParaRPr kumimoji="1" lang="ko-KR" altLang="en-US"/>
           </a:p>
@@ -3626,7 +3626,7 @@
           <a:p>
             <a:fld id="{09EC5941-7B3B-6946-B286-09FC43BFD012}" type="datetime1">
               <a:rPr kumimoji="1" lang="ko-KR" altLang="en-US" smtClean="0"/>
-              <a:t>2017. 9. 17.</a:t>
+              <a:t>2017. 9. 21.</a:t>
             </a:fld>
             <a:endParaRPr kumimoji="1" lang="ko-KR" altLang="en-US"/>
           </a:p>
@@ -3748,7 +3748,7 @@
           <a:p>
             <a:fld id="{2FB9C05E-B13E-8744-86BE-90F73818B2DC}" type="datetime1">
               <a:rPr kumimoji="1" lang="ko-KR" altLang="en-US" smtClean="0"/>
-              <a:t>2017. 9. 17.</a:t>
+              <a:t>2017. 9. 21.</a:t>
             </a:fld>
             <a:endParaRPr kumimoji="1" lang="ko-KR" altLang="en-US"/>
           </a:p>
@@ -3847,7 +3847,7 @@
           <a:p>
             <a:fld id="{A1FFE762-09EA-D042-B4FE-44AC12DC16EF}" type="datetime1">
               <a:rPr kumimoji="1" lang="ko-KR" altLang="en-US" smtClean="0"/>
-              <a:t>2017. 9. 17.</a:t>
+              <a:t>2017. 9. 21.</a:t>
             </a:fld>
             <a:endParaRPr kumimoji="1" lang="ko-KR" altLang="en-US"/>
           </a:p>
@@ -4128,7 +4128,7 @@
           <a:p>
             <a:fld id="{421B593D-E2AA-4546-A68E-611AFFA83616}" type="datetime1">
               <a:rPr kumimoji="1" lang="ko-KR" altLang="en-US" smtClean="0"/>
-              <a:t>2017. 9. 17.</a:t>
+              <a:t>2017. 9. 21.</a:t>
             </a:fld>
             <a:endParaRPr kumimoji="1" lang="ko-KR" altLang="en-US"/>
           </a:p>
@@ -4385,7 +4385,7 @@
           <a:p>
             <a:fld id="{2B9D0F93-1FE6-C74E-96BA-9B581C77F872}" type="datetime1">
               <a:rPr kumimoji="1" lang="ko-KR" altLang="en-US" smtClean="0"/>
-              <a:t>2017. 9. 17.</a:t>
+              <a:t>2017. 9. 21.</a:t>
             </a:fld>
             <a:endParaRPr kumimoji="1" lang="ko-KR" altLang="en-US"/>
           </a:p>
@@ -4602,7 +4602,7 @@
           <a:p>
             <a:fld id="{1AF303CB-A68E-B040-8B4C-1351696851A1}" type="datetime1">
               <a:rPr kumimoji="1" lang="ko-KR" altLang="en-US" smtClean="0"/>
-              <a:t>2017. 9. 17.</a:t>
+              <a:t>2017. 9. 21.</a:t>
             </a:fld>
             <a:endParaRPr kumimoji="1" lang="ko-KR" altLang="en-US"/>
           </a:p>
@@ -5060,39 +5060,7 @@
                   <a:srgbClr val="1E3DB4"/>
                 </a:solidFill>
               </a:rPr>
-              <a:t>Fine-tuning</a:t>
-            </a:r>
-            <a:r>
-              <a:rPr kumimoji="1" lang="en-US" altLang="ko-KR" sz="2400" b="1" dirty="0" smtClean="0">
-                <a:solidFill>
-                  <a:srgbClr val="1E3DB4"/>
-                </a:solidFill>
-              </a:rPr>
-              <a:t>, Pre-trained </a:t>
-            </a:r>
-            <a:r>
-              <a:rPr kumimoji="1" lang="en-US" altLang="ko-KR" sz="2400" b="1" dirty="0" smtClean="0">
-                <a:solidFill>
-                  <a:srgbClr val="1E3DB4"/>
-                </a:solidFill>
-              </a:rPr>
-              <a:t>Model </a:t>
-            </a:r>
-            <a:r>
-              <a:rPr kumimoji="1" lang="en-US" altLang="ko-KR" sz="2400" b="1" dirty="0" smtClean="0">
-                <a:solidFill>
-                  <a:srgbClr val="1E3DB4"/>
-                </a:solidFill>
-              </a:rPr>
-              <a:t>as </a:t>
-            </a:r>
-            <a:r>
-              <a:rPr kumimoji="1" lang="en-US" altLang="ko-KR" sz="2400" b="1" dirty="0" smtClean="0">
-                <a:solidFill>
-                  <a:srgbClr val="1E3DB4"/>
-                </a:solidFill>
-              </a:rPr>
-              <a:t>Feature Extractor</a:t>
+              <a:t>Fine-tuning, Pre-trained Model as Feature Extractor</a:t>
             </a:r>
             <a:endParaRPr kumimoji="1" lang="ko-KR" altLang="en-US" sz="3600" b="1" dirty="0">
               <a:solidFill>
@@ -6233,11 +6201,7 @@
             </a:r>
             <a:r>
               <a:rPr lang="pl-PL" altLang="ko-KR" sz="2400" dirty="0" smtClean="0"/>
-              <a:t> </a:t>
-            </a:r>
-            <a:r>
-              <a:rPr lang="pl-PL" altLang="ko-KR" sz="2400" dirty="0" smtClean="0"/>
-              <a:t>to </a:t>
+              <a:t> to </a:t>
             </a:r>
             <a:r>
               <a:rPr lang="pl-PL" altLang="ko-KR" sz="2400" dirty="0" err="1" smtClean="0"/>
@@ -6715,15 +6679,7 @@
                   <a:srgbClr val="1E3DB4"/>
                 </a:solidFill>
               </a:rPr>
-              <a:t>Fine-tuning </a:t>
-            </a:r>
-            <a:r>
-              <a:rPr kumimoji="1" lang="en-US" altLang="ko-KR" sz="3600" b="1" dirty="0" smtClean="0">
-                <a:solidFill>
-                  <a:srgbClr val="1E3DB4"/>
-                </a:solidFill>
-              </a:rPr>
-              <a:t>&amp; evaluation</a:t>
+              <a:t>Fine-tuning &amp; evaluation</a:t>
             </a:r>
             <a:endParaRPr kumimoji="1" lang="ko-KR" altLang="en-US" sz="3600" dirty="0"/>
           </a:p>
@@ -7040,15 +6996,7 @@
                   <a:srgbClr val="222581"/>
                 </a:solidFill>
               </a:rPr>
-              <a:t>Pre-trained </a:t>
-            </a:r>
-            <a:r>
-              <a:rPr kumimoji="1" lang="en-US" altLang="ko-KR" sz="4000" b="1" dirty="0" smtClean="0">
-                <a:solidFill>
-                  <a:srgbClr val="222581"/>
-                </a:solidFill>
-              </a:rPr>
-              <a:t>Model </a:t>
+              <a:t>Pre-trained Model </a:t>
             </a:r>
             <a:r>
               <a:rPr kumimoji="1" lang="en-US" altLang="ko-KR" sz="4000" b="1" dirty="0">
@@ -8306,11 +8254,6 @@
               </a:rPr>
               <a:t>Fine-tuning Pre-trained Model</a:t>
             </a:r>
-            <a:endParaRPr kumimoji="1" lang="en-US" altLang="ko-KR" b="1" dirty="0" smtClean="0">
-              <a:solidFill>
-                <a:srgbClr val="222581"/>
-              </a:solidFill>
-            </a:endParaRPr>
           </a:p>
           <a:p>
             <a:pPr marL="514350" lvl="0" indent="-514350" latinLnBrk="0">
@@ -8329,29 +8272,8 @@
                   <a:srgbClr val="222581"/>
                 </a:solidFill>
               </a:rPr>
-              <a:t>Pre-trained Model </a:t>
-            </a:r>
-            <a:r>
-              <a:rPr kumimoji="1" lang="en-US" altLang="ko-KR" b="1" dirty="0" smtClean="0">
-                <a:solidFill>
-                  <a:srgbClr val="222581"/>
-                </a:solidFill>
-              </a:rPr>
-              <a:t>as a </a:t>
-            </a:r>
-            <a:r>
-              <a:rPr kumimoji="1" lang="en-US" altLang="ko-KR" b="1" dirty="0" smtClean="0">
-                <a:solidFill>
-                  <a:srgbClr val="222581"/>
-                </a:solidFill>
-              </a:rPr>
-              <a:t>Feature Extractor</a:t>
-            </a:r>
-            <a:endParaRPr kumimoji="1" lang="en-US" altLang="ko-KR" b="1" dirty="0" smtClean="0">
-              <a:solidFill>
-                <a:srgbClr val="222581"/>
-              </a:solidFill>
-            </a:endParaRPr>
+              <a:t>Pre-trained Model as a Feature Extractor</a:t>
+            </a:r>
           </a:p>
         </p:txBody>
       </p:sp>
@@ -8598,18 +8520,7 @@
                 <a:ea typeface="Cooper Black" charset="0"/>
                 <a:cs typeface="Cooper Black" charset="0"/>
               </a:rPr>
-              <a:t>for </a:t>
-            </a:r>
-            <a:r>
-              <a:rPr kumimoji="1" lang="en-US" altLang="ko-KR" sz="4000" dirty="0" smtClean="0">
-                <a:solidFill>
-                  <a:srgbClr val="0020B4"/>
-                </a:solidFill>
-                <a:latin typeface="Cooper Black" charset="0"/>
-                <a:ea typeface="Cooper Black" charset="0"/>
-                <a:cs typeface="Cooper Black" charset="0"/>
-              </a:rPr>
-              <a:t>your attention!!!</a:t>
+              <a:t>for your attention!!!</a:t>
             </a:r>
           </a:p>
           <a:p>
@@ -8909,15 +8820,7 @@
                   <a:srgbClr val="222581"/>
                 </a:solidFill>
               </a:rPr>
-              <a:t>ine-tuning </a:t>
-            </a:r>
-            <a:r>
-              <a:rPr kumimoji="1" lang="en-US" altLang="ko-KR" sz="4000" b="1" dirty="0" smtClean="0">
-                <a:solidFill>
-                  <a:srgbClr val="222581"/>
-                </a:solidFill>
-              </a:rPr>
-              <a:t>Pre-trained Model</a:t>
+              <a:t>ine-tuning Pre-trained Model</a:t>
             </a:r>
             <a:endParaRPr kumimoji="1" lang="ko-KR" altLang="en-US" sz="4000" dirty="0">
               <a:solidFill>
@@ -9079,15 +8982,7 @@
             </a:pPr>
             <a:r>
               <a:rPr kumimoji="1" lang="en-US" altLang="ko-KR" dirty="0" smtClean="0"/>
-              <a:t>Originally Trained with ImageNet with </a:t>
-            </a:r>
-            <a:r>
-              <a:rPr kumimoji="1" lang="en-US" altLang="ko-KR" dirty="0" smtClean="0"/>
-              <a:t>1,000 </a:t>
-            </a:r>
-            <a:r>
-              <a:rPr kumimoji="1" lang="en-US" altLang="ko-KR" dirty="0" smtClean="0"/>
-              <a:t>Classes</a:t>
+              <a:t>Originally Trained with ImageNet with 1,000 Classes</a:t>
             </a:r>
           </a:p>
           <a:p>
@@ -9101,15 +8996,7 @@
             </a:pPr>
             <a:r>
               <a:rPr kumimoji="1" lang="en-US" altLang="ko-KR" dirty="0" smtClean="0"/>
-              <a:t>Use </a:t>
-            </a:r>
-            <a:r>
-              <a:rPr kumimoji="1" lang="en-US" altLang="ko-KR" dirty="0" smtClean="0"/>
-              <a:t>residual connection </a:t>
-            </a:r>
-            <a:r>
-              <a:rPr kumimoji="1" lang="en-US" altLang="ko-KR" dirty="0" smtClean="0"/>
-              <a:t>for efficient training and better performance</a:t>
+              <a:t>Use residual connection for efficient training and better performance</a:t>
             </a:r>
           </a:p>
           <a:p>
@@ -9123,15 +9010,7 @@
             </a:pPr>
             <a:r>
               <a:rPr kumimoji="1" lang="en-US" altLang="ko-KR" dirty="0" smtClean="0"/>
-              <a:t>Top-1 error on ImageNet </a:t>
-            </a:r>
-            <a:r>
-              <a:rPr kumimoji="1" lang="en-US" altLang="ko-KR" dirty="0" smtClean="0"/>
-              <a:t>validation: </a:t>
-            </a:r>
-            <a:r>
-              <a:rPr kumimoji="1" lang="en-US" altLang="ko-KR" dirty="0" smtClean="0"/>
-              <a:t>27.88%</a:t>
+              <a:t>Top-1 error on ImageNet validation: 27.88%</a:t>
             </a:r>
           </a:p>
           <a:p>
@@ -9145,11 +9024,7 @@
             </a:pPr>
             <a:r>
               <a:rPr kumimoji="1" lang="en-US" altLang="ko-KR" dirty="0" smtClean="0"/>
-              <a:t>For detailed </a:t>
-            </a:r>
-            <a:r>
-              <a:rPr kumimoji="1" lang="en-US" altLang="ko-KR" dirty="0" smtClean="0"/>
-              <a:t>architecture </a:t>
+              <a:t>For detailed architecture </a:t>
             </a:r>
             <a:r>
               <a:rPr kumimoji="1" lang="en-US" altLang="ko-KR" dirty="0">
@@ -9181,39 +9056,13 @@
               <a:rPr kumimoji="1" lang="en-US" altLang="ko-KR" dirty="0" smtClean="0">
                 <a:sym typeface="Wingdings"/>
               </a:rPr>
-              <a:t>We will fine-tune this model to classify Bee/Ant</a:t>
-            </a:r>
-            <a:br>
+              <a:t>We will fine-tune this model to classify </a:t>
+            </a:r>
+            <a:r>
               <a:rPr kumimoji="1" lang="en-US" altLang="ko-KR" dirty="0" smtClean="0">
                 <a:sym typeface="Wingdings"/>
               </a:rPr>
-            </a:br>
-            <a:r>
-              <a:rPr kumimoji="1" lang="en-US" altLang="ko-KR" dirty="0" smtClean="0">
-                <a:sym typeface="Wingdings"/>
-              </a:rPr>
-              <a:t>(two </a:t>
-            </a:r>
-            <a:r>
-              <a:rPr kumimoji="1" lang="en-US" altLang="ko-KR" dirty="0" smtClean="0">
-                <a:sym typeface="Wingdings"/>
-              </a:rPr>
-              <a:t>Classes, </a:t>
-            </a:r>
-            <a:r>
-              <a:rPr kumimoji="1" lang="en-US" altLang="ko-KR" dirty="0" smtClean="0">
-                <a:solidFill>
-                  <a:srgbClr val="C00000"/>
-                </a:solidFill>
-                <a:sym typeface="Wingdings"/>
-              </a:rPr>
-              <a:t>not included in ImageNet</a:t>
-            </a:r>
-            <a:r>
-              <a:rPr kumimoji="1" lang="en-US" altLang="ko-KR" dirty="0" smtClean="0">
-                <a:sym typeface="Wingdings"/>
-              </a:rPr>
-              <a:t>)</a:t>
+              <a:t>Bee/Ant</a:t>
             </a:r>
             <a:r>
               <a:rPr kumimoji="1" lang="en-US" altLang="ko-KR" dirty="0" smtClean="0"/>
@@ -9347,8 +9196,8 @@
         </p:blipFill>
         <p:spPr>
           <a:xfrm>
-            <a:off x="8988429" y="4081789"/>
-            <a:ext cx="3013071" cy="1735915"/>
+            <a:off x="8160939" y="3605049"/>
+            <a:ext cx="3840562" cy="2212656"/>
           </a:xfrm>
           <a:prstGeom prst="rect">
             <a:avLst/>
@@ -9363,7 +9212,7 @@
         </p:nvSpPr>
         <p:spPr>
           <a:xfrm>
-            <a:off x="8643888" y="6009094"/>
+            <a:off x="8447054" y="6009248"/>
             <a:ext cx="3268331" cy="369332"/>
           </a:xfrm>
           <a:prstGeom prst="rect">
@@ -9379,11 +9228,7 @@
           <a:p>
             <a:r>
               <a:rPr kumimoji="1" lang="en-US" altLang="ko-KR" dirty="0" smtClean="0"/>
-              <a:t>Figure 1. Residual </a:t>
-            </a:r>
-            <a:r>
-              <a:rPr kumimoji="1" lang="en-US" altLang="ko-KR" dirty="0" smtClean="0"/>
-              <a:t>connection</a:t>
+              <a:t>Figure 1. Residual connection</a:t>
             </a:r>
             <a:endParaRPr kumimoji="1" lang="ko-KR" altLang="en-US" dirty="0"/>
           </a:p>
@@ -10277,15 +10122,7 @@
             </a:pPr>
             <a:r>
               <a:rPr kumimoji="1" lang="en-US" altLang="ko-KR" dirty="0" smtClean="0"/>
-              <a:t>Transform </a:t>
-            </a:r>
-            <a:r>
-              <a:rPr kumimoji="1" lang="en-US" altLang="ko-KR" dirty="0" smtClean="0"/>
-              <a:t>Image </a:t>
-            </a:r>
-            <a:r>
-              <a:rPr kumimoji="1" lang="en-US" altLang="ko-KR" dirty="0" smtClean="0"/>
-              <a:t>to Tensor</a:t>
+              <a:t>Transform Image to Tensor</a:t>
             </a:r>
           </a:p>
           <a:p>

--- a/lecture_slides/Practice/Practice#4_SKT_Deep_Learning_Lecture.pptx
+++ b/lecture_slides/Practice/Practice#4_SKT_Deep_Learning_Lecture.pptx
@@ -5347,7 +5347,15 @@
             </a:pPr>
             <a:r>
               <a:rPr kumimoji="1" lang="en-US" altLang="ko-KR" sz="1800" dirty="0" smtClean="0"/>
-              <a:t>September 20, 2017</a:t>
+              <a:t>September </a:t>
+            </a:r>
+            <a:r>
+              <a:rPr kumimoji="1" lang="en-US" altLang="ko-KR" sz="1800" dirty="0" smtClean="0"/>
+              <a:t>21, </a:t>
+            </a:r>
+            <a:r>
+              <a:rPr kumimoji="1" lang="en-US" altLang="ko-KR" sz="1800" dirty="0" smtClean="0"/>
+              <a:t>2017</a:t>
             </a:r>
           </a:p>
           <a:p>
